--- a/图片/图片.pptx
+++ b/图片/图片.pptx
@@ -12,6 +12,10 @@
     <p:sldId id="260" r:id="rId6"/>
     <p:sldId id="261" r:id="rId7"/>
     <p:sldId id="262" r:id="rId8"/>
+    <p:sldId id="263" r:id="rId9"/>
+    <p:sldId id="266" r:id="rId10"/>
+    <p:sldId id="265" r:id="rId11"/>
+    <p:sldId id="264" r:id="rId12"/>
   </p:sldIdLst>
   <p:sldSz cx="12192000" cy="6858000"/>
   <p:notesSz cx="6858000" cy="9144000"/>
@@ -129,6 +133,10 @@
 </p:presentation>
 </file>
 
+<file path=ppt/revisionInfo.xml><?xml version="1.0" encoding="utf-8"?>
+<p1510:revInfo xmlns:a="http://schemas.openxmlformats.org/drawingml/2006/main" xmlns:r="http://schemas.openxmlformats.org/officeDocument/2006/relationships" xmlns:p1510="http://schemas.microsoft.com/office/powerpoint/2015/10/main"/>
+</file>
+
 <file path=ppt/slideLayouts/slideLayout1.xml><?xml version="1.0" encoding="utf-8"?>
 <p:sldLayout xmlns:a="http://schemas.openxmlformats.org/drawingml/2006/main" xmlns:r="http://schemas.openxmlformats.org/officeDocument/2006/relationships" xmlns:p="http://schemas.openxmlformats.org/presentationml/2006/main" type="title" preserve="1">
   <p:cSld name="标题幻灯片">
@@ -171,10 +179,9 @@
           </a:lstStyle>
           <a:p>
             <a:r>
-              <a:rPr kumimoji="1" lang="zh-CN" altLang="en-US" smtClean="0"/>
+              <a:rPr kumimoji="1" lang="zh-CN" altLang="en-US"/>
               <a:t>单击此处编辑母版标题样式</a:t>
             </a:r>
-            <a:endParaRPr kumimoji="1" lang="zh-CN" altLang="en-US"/>
           </a:p>
         </p:txBody>
       </p:sp>
@@ -236,10 +243,9 @@
           </a:lstStyle>
           <a:p>
             <a:r>
-              <a:rPr kumimoji="1" lang="zh-CN" altLang="en-US" smtClean="0"/>
+              <a:rPr kumimoji="1" lang="zh-CN" altLang="en-US"/>
               <a:t>单击此处编辑母版副标题样式</a:t>
             </a:r>
-            <a:endParaRPr kumimoji="1" lang="zh-CN" altLang="en-US"/>
           </a:p>
         </p:txBody>
       </p:sp>
@@ -260,7 +266,7 @@
           <a:p>
             <a:fld id="{78BF8098-3566-7C4C-8220-7CA4E6D754E1}" type="datetimeFigureOut">
               <a:rPr kumimoji="1" lang="zh-CN" altLang="en-US" smtClean="0"/>
-              <a:t>17/10/8</a:t>
+              <a:t>17/10/14</a:t>
             </a:fld>
             <a:endParaRPr kumimoji="1" lang="zh-CN" altLang="en-US"/>
           </a:p>
@@ -354,10 +360,9 @@
           <a:lstStyle/>
           <a:p>
             <a:r>
-              <a:rPr kumimoji="1" lang="zh-CN" altLang="en-US" smtClean="0"/>
+              <a:rPr kumimoji="1" lang="zh-CN" altLang="en-US"/>
               <a:t>单击此处编辑母版标题样式</a:t>
             </a:r>
-            <a:endParaRPr kumimoji="1" lang="zh-CN" altLang="en-US"/>
           </a:p>
         </p:txBody>
       </p:sp>
@@ -378,38 +383,37 @@
           <a:p>
             <a:pPr lvl="0"/>
             <a:r>
-              <a:rPr kumimoji="1" lang="zh-CN" altLang="en-US" smtClean="0"/>
+              <a:rPr kumimoji="1" lang="zh-CN" altLang="en-US"/>
               <a:t>单击此处编辑母版文本样式</a:t>
             </a:r>
           </a:p>
           <a:p>
             <a:pPr lvl="1"/>
             <a:r>
-              <a:rPr kumimoji="1" lang="zh-CN" altLang="en-US" smtClean="0"/>
+              <a:rPr kumimoji="1" lang="zh-CN" altLang="en-US"/>
               <a:t>二级</a:t>
             </a:r>
           </a:p>
           <a:p>
             <a:pPr lvl="2"/>
             <a:r>
-              <a:rPr kumimoji="1" lang="zh-CN" altLang="en-US" smtClean="0"/>
+              <a:rPr kumimoji="1" lang="zh-CN" altLang="en-US"/>
               <a:t>三级</a:t>
             </a:r>
           </a:p>
           <a:p>
             <a:pPr lvl="3"/>
             <a:r>
-              <a:rPr kumimoji="1" lang="zh-CN" altLang="en-US" smtClean="0"/>
+              <a:rPr kumimoji="1" lang="zh-CN" altLang="en-US"/>
               <a:t>四级</a:t>
             </a:r>
           </a:p>
           <a:p>
             <a:pPr lvl="4"/>
             <a:r>
-              <a:rPr kumimoji="1" lang="zh-CN" altLang="en-US" smtClean="0"/>
+              <a:rPr kumimoji="1" lang="zh-CN" altLang="en-US"/>
               <a:t>五级</a:t>
             </a:r>
-            <a:endParaRPr kumimoji="1" lang="zh-CN" altLang="en-US"/>
           </a:p>
         </p:txBody>
       </p:sp>
@@ -430,7 +434,7 @@
           <a:p>
             <a:fld id="{78BF8098-3566-7C4C-8220-7CA4E6D754E1}" type="datetimeFigureOut">
               <a:rPr kumimoji="1" lang="zh-CN" altLang="en-US" smtClean="0"/>
-              <a:t>17/10/8</a:t>
+              <a:t>17/10/14</a:t>
             </a:fld>
             <a:endParaRPr kumimoji="1" lang="zh-CN" altLang="en-US"/>
           </a:p>
@@ -529,10 +533,9 @@
           <a:lstStyle/>
           <a:p>
             <a:r>
-              <a:rPr kumimoji="1" lang="zh-CN" altLang="en-US" smtClean="0"/>
+              <a:rPr kumimoji="1" lang="zh-CN" altLang="en-US"/>
               <a:t>单击此处编辑母版标题样式</a:t>
             </a:r>
-            <a:endParaRPr kumimoji="1" lang="zh-CN" altLang="en-US"/>
           </a:p>
         </p:txBody>
       </p:sp>
@@ -558,38 +561,37 @@
           <a:p>
             <a:pPr lvl="0"/>
             <a:r>
-              <a:rPr kumimoji="1" lang="zh-CN" altLang="en-US" smtClean="0"/>
+              <a:rPr kumimoji="1" lang="zh-CN" altLang="en-US"/>
               <a:t>单击此处编辑母版文本样式</a:t>
             </a:r>
           </a:p>
           <a:p>
             <a:pPr lvl="1"/>
             <a:r>
-              <a:rPr kumimoji="1" lang="zh-CN" altLang="en-US" smtClean="0"/>
+              <a:rPr kumimoji="1" lang="zh-CN" altLang="en-US"/>
               <a:t>二级</a:t>
             </a:r>
           </a:p>
           <a:p>
             <a:pPr lvl="2"/>
             <a:r>
-              <a:rPr kumimoji="1" lang="zh-CN" altLang="en-US" smtClean="0"/>
+              <a:rPr kumimoji="1" lang="zh-CN" altLang="en-US"/>
               <a:t>三级</a:t>
             </a:r>
           </a:p>
           <a:p>
             <a:pPr lvl="3"/>
             <a:r>
-              <a:rPr kumimoji="1" lang="zh-CN" altLang="en-US" smtClean="0"/>
+              <a:rPr kumimoji="1" lang="zh-CN" altLang="en-US"/>
               <a:t>四级</a:t>
             </a:r>
           </a:p>
           <a:p>
             <a:pPr lvl="4"/>
             <a:r>
-              <a:rPr kumimoji="1" lang="zh-CN" altLang="en-US" smtClean="0"/>
+              <a:rPr kumimoji="1" lang="zh-CN" altLang="en-US"/>
               <a:t>五级</a:t>
             </a:r>
-            <a:endParaRPr kumimoji="1" lang="zh-CN" altLang="en-US"/>
           </a:p>
         </p:txBody>
       </p:sp>
@@ -610,7 +612,7 @@
           <a:p>
             <a:fld id="{78BF8098-3566-7C4C-8220-7CA4E6D754E1}" type="datetimeFigureOut">
               <a:rPr kumimoji="1" lang="zh-CN" altLang="en-US" smtClean="0"/>
-              <a:t>17/10/8</a:t>
+              <a:t>17/10/14</a:t>
             </a:fld>
             <a:endParaRPr kumimoji="1" lang="zh-CN" altLang="en-US"/>
           </a:p>
@@ -704,10 +706,9 @@
           <a:lstStyle/>
           <a:p>
             <a:r>
-              <a:rPr kumimoji="1" lang="zh-CN" altLang="en-US" smtClean="0"/>
+              <a:rPr kumimoji="1" lang="zh-CN" altLang="en-US"/>
               <a:t>单击此处编辑母版标题样式</a:t>
             </a:r>
-            <a:endParaRPr kumimoji="1" lang="zh-CN" altLang="en-US"/>
           </a:p>
         </p:txBody>
       </p:sp>
@@ -728,38 +729,37 @@
           <a:p>
             <a:pPr lvl="0"/>
             <a:r>
-              <a:rPr kumimoji="1" lang="zh-CN" altLang="en-US" smtClean="0"/>
+              <a:rPr kumimoji="1" lang="zh-CN" altLang="en-US"/>
               <a:t>单击此处编辑母版文本样式</a:t>
             </a:r>
           </a:p>
           <a:p>
             <a:pPr lvl="1"/>
             <a:r>
-              <a:rPr kumimoji="1" lang="zh-CN" altLang="en-US" smtClean="0"/>
+              <a:rPr kumimoji="1" lang="zh-CN" altLang="en-US"/>
               <a:t>二级</a:t>
             </a:r>
           </a:p>
           <a:p>
             <a:pPr lvl="2"/>
             <a:r>
-              <a:rPr kumimoji="1" lang="zh-CN" altLang="en-US" smtClean="0"/>
+              <a:rPr kumimoji="1" lang="zh-CN" altLang="en-US"/>
               <a:t>三级</a:t>
             </a:r>
           </a:p>
           <a:p>
             <a:pPr lvl="3"/>
             <a:r>
-              <a:rPr kumimoji="1" lang="zh-CN" altLang="en-US" smtClean="0"/>
+              <a:rPr kumimoji="1" lang="zh-CN" altLang="en-US"/>
               <a:t>四级</a:t>
             </a:r>
           </a:p>
           <a:p>
             <a:pPr lvl="4"/>
             <a:r>
-              <a:rPr kumimoji="1" lang="zh-CN" altLang="en-US" smtClean="0"/>
+              <a:rPr kumimoji="1" lang="zh-CN" altLang="en-US"/>
               <a:t>五级</a:t>
             </a:r>
-            <a:endParaRPr kumimoji="1" lang="zh-CN" altLang="en-US"/>
           </a:p>
         </p:txBody>
       </p:sp>
@@ -780,7 +780,7 @@
           <a:p>
             <a:fld id="{78BF8098-3566-7C4C-8220-7CA4E6D754E1}" type="datetimeFigureOut">
               <a:rPr kumimoji="1" lang="zh-CN" altLang="en-US" smtClean="0"/>
-              <a:t>17/10/8</a:t>
+              <a:t>17/10/14</a:t>
             </a:fld>
             <a:endParaRPr kumimoji="1" lang="zh-CN" altLang="en-US"/>
           </a:p>
@@ -883,10 +883,9 @@
           </a:lstStyle>
           <a:p>
             <a:r>
-              <a:rPr kumimoji="1" lang="zh-CN" altLang="en-US" smtClean="0"/>
+              <a:rPr kumimoji="1" lang="zh-CN" altLang="en-US"/>
               <a:t>单击此处编辑母版标题样式</a:t>
             </a:r>
-            <a:endParaRPr kumimoji="1" lang="zh-CN" altLang="en-US"/>
           </a:p>
         </p:txBody>
       </p:sp>
@@ -1003,7 +1002,7 @@
           <a:p>
             <a:pPr lvl="0"/>
             <a:r>
-              <a:rPr kumimoji="1" lang="zh-CN" altLang="en-US" smtClean="0"/>
+              <a:rPr kumimoji="1" lang="zh-CN" altLang="en-US"/>
               <a:t>单击此处编辑母版文本样式</a:t>
             </a:r>
           </a:p>
@@ -1026,7 +1025,7 @@
           <a:p>
             <a:fld id="{78BF8098-3566-7C4C-8220-7CA4E6D754E1}" type="datetimeFigureOut">
               <a:rPr kumimoji="1" lang="zh-CN" altLang="en-US" smtClean="0"/>
-              <a:t>17/10/8</a:t>
+              <a:t>17/10/14</a:t>
             </a:fld>
             <a:endParaRPr kumimoji="1" lang="zh-CN" altLang="en-US"/>
           </a:p>
@@ -1120,10 +1119,9 @@
           <a:lstStyle/>
           <a:p>
             <a:r>
-              <a:rPr kumimoji="1" lang="zh-CN" altLang="en-US" smtClean="0"/>
+              <a:rPr kumimoji="1" lang="zh-CN" altLang="en-US"/>
               <a:t>单击此处编辑母版标题样式</a:t>
             </a:r>
-            <a:endParaRPr kumimoji="1" lang="zh-CN" altLang="en-US"/>
           </a:p>
         </p:txBody>
       </p:sp>
@@ -1149,38 +1147,37 @@
           <a:p>
             <a:pPr lvl="0"/>
             <a:r>
-              <a:rPr kumimoji="1" lang="zh-CN" altLang="en-US" smtClean="0"/>
+              <a:rPr kumimoji="1" lang="zh-CN" altLang="en-US"/>
               <a:t>单击此处编辑母版文本样式</a:t>
             </a:r>
           </a:p>
           <a:p>
             <a:pPr lvl="1"/>
             <a:r>
-              <a:rPr kumimoji="1" lang="zh-CN" altLang="en-US" smtClean="0"/>
+              <a:rPr kumimoji="1" lang="zh-CN" altLang="en-US"/>
               <a:t>二级</a:t>
             </a:r>
           </a:p>
           <a:p>
             <a:pPr lvl="2"/>
             <a:r>
-              <a:rPr kumimoji="1" lang="zh-CN" altLang="en-US" smtClean="0"/>
+              <a:rPr kumimoji="1" lang="zh-CN" altLang="en-US"/>
               <a:t>三级</a:t>
             </a:r>
           </a:p>
           <a:p>
             <a:pPr lvl="3"/>
             <a:r>
-              <a:rPr kumimoji="1" lang="zh-CN" altLang="en-US" smtClean="0"/>
+              <a:rPr kumimoji="1" lang="zh-CN" altLang="en-US"/>
               <a:t>四级</a:t>
             </a:r>
           </a:p>
           <a:p>
             <a:pPr lvl="4"/>
             <a:r>
-              <a:rPr kumimoji="1" lang="zh-CN" altLang="en-US" smtClean="0"/>
+              <a:rPr kumimoji="1" lang="zh-CN" altLang="en-US"/>
               <a:t>五级</a:t>
             </a:r>
-            <a:endParaRPr kumimoji="1" lang="zh-CN" altLang="en-US"/>
           </a:p>
         </p:txBody>
       </p:sp>
@@ -1206,38 +1203,37 @@
           <a:p>
             <a:pPr lvl="0"/>
             <a:r>
-              <a:rPr kumimoji="1" lang="zh-CN" altLang="en-US" smtClean="0"/>
+              <a:rPr kumimoji="1" lang="zh-CN" altLang="en-US"/>
               <a:t>单击此处编辑母版文本样式</a:t>
             </a:r>
           </a:p>
           <a:p>
             <a:pPr lvl="1"/>
             <a:r>
-              <a:rPr kumimoji="1" lang="zh-CN" altLang="en-US" smtClean="0"/>
+              <a:rPr kumimoji="1" lang="zh-CN" altLang="en-US"/>
               <a:t>二级</a:t>
             </a:r>
           </a:p>
           <a:p>
             <a:pPr lvl="2"/>
             <a:r>
-              <a:rPr kumimoji="1" lang="zh-CN" altLang="en-US" smtClean="0"/>
+              <a:rPr kumimoji="1" lang="zh-CN" altLang="en-US"/>
               <a:t>三级</a:t>
             </a:r>
           </a:p>
           <a:p>
             <a:pPr lvl="3"/>
             <a:r>
-              <a:rPr kumimoji="1" lang="zh-CN" altLang="en-US" smtClean="0"/>
+              <a:rPr kumimoji="1" lang="zh-CN" altLang="en-US"/>
               <a:t>四级</a:t>
             </a:r>
           </a:p>
           <a:p>
             <a:pPr lvl="4"/>
             <a:r>
-              <a:rPr kumimoji="1" lang="zh-CN" altLang="en-US" smtClean="0"/>
+              <a:rPr kumimoji="1" lang="zh-CN" altLang="en-US"/>
               <a:t>五级</a:t>
             </a:r>
-            <a:endParaRPr kumimoji="1" lang="zh-CN" altLang="en-US"/>
           </a:p>
         </p:txBody>
       </p:sp>
@@ -1258,7 +1254,7 @@
           <a:p>
             <a:fld id="{78BF8098-3566-7C4C-8220-7CA4E6D754E1}" type="datetimeFigureOut">
               <a:rPr kumimoji="1" lang="zh-CN" altLang="en-US" smtClean="0"/>
-              <a:t>17/10/8</a:t>
+              <a:t>17/10/14</a:t>
             </a:fld>
             <a:endParaRPr kumimoji="1" lang="zh-CN" altLang="en-US"/>
           </a:p>
@@ -1357,10 +1353,9 @@
           <a:lstStyle/>
           <a:p>
             <a:r>
-              <a:rPr kumimoji="1" lang="zh-CN" altLang="en-US" smtClean="0"/>
+              <a:rPr kumimoji="1" lang="zh-CN" altLang="en-US"/>
               <a:t>单击此处编辑母版标题样式</a:t>
             </a:r>
-            <a:endParaRPr kumimoji="1" lang="zh-CN" altLang="en-US"/>
           </a:p>
         </p:txBody>
       </p:sp>
@@ -1423,7 +1418,7 @@
           <a:p>
             <a:pPr lvl="0"/>
             <a:r>
-              <a:rPr kumimoji="1" lang="zh-CN" altLang="en-US" smtClean="0"/>
+              <a:rPr kumimoji="1" lang="zh-CN" altLang="en-US"/>
               <a:t>单击此处编辑母版文本样式</a:t>
             </a:r>
           </a:p>
@@ -1451,38 +1446,37 @@
           <a:p>
             <a:pPr lvl="0"/>
             <a:r>
-              <a:rPr kumimoji="1" lang="zh-CN" altLang="en-US" smtClean="0"/>
+              <a:rPr kumimoji="1" lang="zh-CN" altLang="en-US"/>
               <a:t>单击此处编辑母版文本样式</a:t>
             </a:r>
           </a:p>
           <a:p>
             <a:pPr lvl="1"/>
             <a:r>
-              <a:rPr kumimoji="1" lang="zh-CN" altLang="en-US" smtClean="0"/>
+              <a:rPr kumimoji="1" lang="zh-CN" altLang="en-US"/>
               <a:t>二级</a:t>
             </a:r>
           </a:p>
           <a:p>
             <a:pPr lvl="2"/>
             <a:r>
-              <a:rPr kumimoji="1" lang="zh-CN" altLang="en-US" smtClean="0"/>
+              <a:rPr kumimoji="1" lang="zh-CN" altLang="en-US"/>
               <a:t>三级</a:t>
             </a:r>
           </a:p>
           <a:p>
             <a:pPr lvl="3"/>
             <a:r>
-              <a:rPr kumimoji="1" lang="zh-CN" altLang="en-US" smtClean="0"/>
+              <a:rPr kumimoji="1" lang="zh-CN" altLang="en-US"/>
               <a:t>四级</a:t>
             </a:r>
           </a:p>
           <a:p>
             <a:pPr lvl="4"/>
             <a:r>
-              <a:rPr kumimoji="1" lang="zh-CN" altLang="en-US" smtClean="0"/>
+              <a:rPr kumimoji="1" lang="zh-CN" altLang="en-US"/>
               <a:t>五级</a:t>
             </a:r>
-            <a:endParaRPr kumimoji="1" lang="zh-CN" altLang="en-US"/>
           </a:p>
         </p:txBody>
       </p:sp>
@@ -1545,7 +1539,7 @@
           <a:p>
             <a:pPr lvl="0"/>
             <a:r>
-              <a:rPr kumimoji="1" lang="zh-CN" altLang="en-US" smtClean="0"/>
+              <a:rPr kumimoji="1" lang="zh-CN" altLang="en-US"/>
               <a:t>单击此处编辑母版文本样式</a:t>
             </a:r>
           </a:p>
@@ -1573,38 +1567,37 @@
           <a:p>
             <a:pPr lvl="0"/>
             <a:r>
-              <a:rPr kumimoji="1" lang="zh-CN" altLang="en-US" smtClean="0"/>
+              <a:rPr kumimoji="1" lang="zh-CN" altLang="en-US"/>
               <a:t>单击此处编辑母版文本样式</a:t>
             </a:r>
           </a:p>
           <a:p>
             <a:pPr lvl="1"/>
             <a:r>
-              <a:rPr kumimoji="1" lang="zh-CN" altLang="en-US" smtClean="0"/>
+              <a:rPr kumimoji="1" lang="zh-CN" altLang="en-US"/>
               <a:t>二级</a:t>
             </a:r>
           </a:p>
           <a:p>
             <a:pPr lvl="2"/>
             <a:r>
-              <a:rPr kumimoji="1" lang="zh-CN" altLang="en-US" smtClean="0"/>
+              <a:rPr kumimoji="1" lang="zh-CN" altLang="en-US"/>
               <a:t>三级</a:t>
             </a:r>
           </a:p>
           <a:p>
             <a:pPr lvl="3"/>
             <a:r>
-              <a:rPr kumimoji="1" lang="zh-CN" altLang="en-US" smtClean="0"/>
+              <a:rPr kumimoji="1" lang="zh-CN" altLang="en-US"/>
               <a:t>四级</a:t>
             </a:r>
           </a:p>
           <a:p>
             <a:pPr lvl="4"/>
             <a:r>
-              <a:rPr kumimoji="1" lang="zh-CN" altLang="en-US" smtClean="0"/>
+              <a:rPr kumimoji="1" lang="zh-CN" altLang="en-US"/>
               <a:t>五级</a:t>
             </a:r>
-            <a:endParaRPr kumimoji="1" lang="zh-CN" altLang="en-US"/>
           </a:p>
         </p:txBody>
       </p:sp>
@@ -1625,7 +1618,7 @@
           <a:p>
             <a:fld id="{78BF8098-3566-7C4C-8220-7CA4E6D754E1}" type="datetimeFigureOut">
               <a:rPr kumimoji="1" lang="zh-CN" altLang="en-US" smtClean="0"/>
-              <a:t>17/10/8</a:t>
+              <a:t>17/10/14</a:t>
             </a:fld>
             <a:endParaRPr kumimoji="1" lang="zh-CN" altLang="en-US"/>
           </a:p>
@@ -1719,10 +1712,9 @@
           <a:lstStyle/>
           <a:p>
             <a:r>
-              <a:rPr kumimoji="1" lang="zh-CN" altLang="en-US" smtClean="0"/>
+              <a:rPr kumimoji="1" lang="zh-CN" altLang="en-US"/>
               <a:t>单击此处编辑母版标题样式</a:t>
             </a:r>
-            <a:endParaRPr kumimoji="1" lang="zh-CN" altLang="en-US"/>
           </a:p>
         </p:txBody>
       </p:sp>
@@ -1743,7 +1735,7 @@
           <a:p>
             <a:fld id="{78BF8098-3566-7C4C-8220-7CA4E6D754E1}" type="datetimeFigureOut">
               <a:rPr kumimoji="1" lang="zh-CN" altLang="en-US" smtClean="0"/>
-              <a:t>17/10/8</a:t>
+              <a:t>17/10/14</a:t>
             </a:fld>
             <a:endParaRPr kumimoji="1" lang="zh-CN" altLang="en-US"/>
           </a:p>
@@ -1838,7 +1830,7 @@
           <a:p>
             <a:fld id="{78BF8098-3566-7C4C-8220-7CA4E6D754E1}" type="datetimeFigureOut">
               <a:rPr kumimoji="1" lang="zh-CN" altLang="en-US" smtClean="0"/>
-              <a:t>17/10/8</a:t>
+              <a:t>17/10/14</a:t>
             </a:fld>
             <a:endParaRPr kumimoji="1" lang="zh-CN" altLang="en-US"/>
           </a:p>
@@ -1941,10 +1933,9 @@
           </a:lstStyle>
           <a:p>
             <a:r>
-              <a:rPr kumimoji="1" lang="zh-CN" altLang="en-US" smtClean="0"/>
+              <a:rPr kumimoji="1" lang="zh-CN" altLang="en-US"/>
               <a:t>单击此处编辑母版标题样式</a:t>
             </a:r>
-            <a:endParaRPr kumimoji="1" lang="zh-CN" altLang="en-US"/>
           </a:p>
         </p:txBody>
       </p:sp>
@@ -1998,38 +1989,37 @@
           <a:p>
             <a:pPr lvl="0"/>
             <a:r>
-              <a:rPr kumimoji="1" lang="zh-CN" altLang="en-US" smtClean="0"/>
+              <a:rPr kumimoji="1" lang="zh-CN" altLang="en-US"/>
               <a:t>单击此处编辑母版文本样式</a:t>
             </a:r>
           </a:p>
           <a:p>
             <a:pPr lvl="1"/>
             <a:r>
-              <a:rPr kumimoji="1" lang="zh-CN" altLang="en-US" smtClean="0"/>
+              <a:rPr kumimoji="1" lang="zh-CN" altLang="en-US"/>
               <a:t>二级</a:t>
             </a:r>
           </a:p>
           <a:p>
             <a:pPr lvl="2"/>
             <a:r>
-              <a:rPr kumimoji="1" lang="zh-CN" altLang="en-US" smtClean="0"/>
+              <a:rPr kumimoji="1" lang="zh-CN" altLang="en-US"/>
               <a:t>三级</a:t>
             </a:r>
           </a:p>
           <a:p>
             <a:pPr lvl="3"/>
             <a:r>
-              <a:rPr kumimoji="1" lang="zh-CN" altLang="en-US" smtClean="0"/>
+              <a:rPr kumimoji="1" lang="zh-CN" altLang="en-US"/>
               <a:t>四级</a:t>
             </a:r>
           </a:p>
           <a:p>
             <a:pPr lvl="4"/>
             <a:r>
-              <a:rPr kumimoji="1" lang="zh-CN" altLang="en-US" smtClean="0"/>
+              <a:rPr kumimoji="1" lang="zh-CN" altLang="en-US"/>
               <a:t>五级</a:t>
             </a:r>
-            <a:endParaRPr kumimoji="1" lang="zh-CN" altLang="en-US"/>
           </a:p>
         </p:txBody>
       </p:sp>
@@ -2092,7 +2082,7 @@
           <a:p>
             <a:pPr lvl="0"/>
             <a:r>
-              <a:rPr kumimoji="1" lang="zh-CN" altLang="en-US" smtClean="0"/>
+              <a:rPr kumimoji="1" lang="zh-CN" altLang="en-US"/>
               <a:t>单击此处编辑母版文本样式</a:t>
             </a:r>
           </a:p>
@@ -2115,7 +2105,7 @@
           <a:p>
             <a:fld id="{78BF8098-3566-7C4C-8220-7CA4E6D754E1}" type="datetimeFigureOut">
               <a:rPr kumimoji="1" lang="zh-CN" altLang="en-US" smtClean="0"/>
-              <a:t>17/10/8</a:t>
+              <a:t>17/10/14</a:t>
             </a:fld>
             <a:endParaRPr kumimoji="1" lang="zh-CN" altLang="en-US"/>
           </a:p>
@@ -2218,10 +2208,9 @@
           </a:lstStyle>
           <a:p>
             <a:r>
-              <a:rPr kumimoji="1" lang="zh-CN" altLang="en-US" smtClean="0"/>
+              <a:rPr kumimoji="1" lang="zh-CN" altLang="en-US"/>
               <a:t>单击此处编辑母版标题样式</a:t>
             </a:r>
-            <a:endParaRPr kumimoji="1" lang="zh-CN" altLang="en-US"/>
           </a:p>
         </p:txBody>
       </p:sp>
@@ -2345,7 +2334,7 @@
           <a:p>
             <a:pPr lvl="0"/>
             <a:r>
-              <a:rPr kumimoji="1" lang="zh-CN" altLang="en-US" smtClean="0"/>
+              <a:rPr kumimoji="1" lang="zh-CN" altLang="en-US"/>
               <a:t>单击此处编辑母版文本样式</a:t>
             </a:r>
           </a:p>
@@ -2368,7 +2357,7 @@
           <a:p>
             <a:fld id="{78BF8098-3566-7C4C-8220-7CA4E6D754E1}" type="datetimeFigureOut">
               <a:rPr kumimoji="1" lang="zh-CN" altLang="en-US" smtClean="0"/>
-              <a:t>17/10/8</a:t>
+              <a:t>17/10/14</a:t>
             </a:fld>
             <a:endParaRPr kumimoji="1" lang="zh-CN" altLang="en-US"/>
           </a:p>
@@ -2477,10 +2466,9 @@
           <a:lstStyle/>
           <a:p>
             <a:r>
-              <a:rPr kumimoji="1" lang="zh-CN" altLang="en-US" smtClean="0"/>
+              <a:rPr kumimoji="1" lang="zh-CN" altLang="en-US"/>
               <a:t>单击此处编辑母版标题样式</a:t>
             </a:r>
-            <a:endParaRPr kumimoji="1" lang="zh-CN" altLang="en-US"/>
           </a:p>
         </p:txBody>
       </p:sp>
@@ -2511,38 +2499,37 @@
           <a:p>
             <a:pPr lvl="0"/>
             <a:r>
-              <a:rPr kumimoji="1" lang="zh-CN" altLang="en-US" smtClean="0"/>
+              <a:rPr kumimoji="1" lang="zh-CN" altLang="en-US"/>
               <a:t>单击此处编辑母版文本样式</a:t>
             </a:r>
           </a:p>
           <a:p>
             <a:pPr lvl="1"/>
             <a:r>
-              <a:rPr kumimoji="1" lang="zh-CN" altLang="en-US" smtClean="0"/>
+              <a:rPr kumimoji="1" lang="zh-CN" altLang="en-US"/>
               <a:t>二级</a:t>
             </a:r>
           </a:p>
           <a:p>
             <a:pPr lvl="2"/>
             <a:r>
-              <a:rPr kumimoji="1" lang="zh-CN" altLang="en-US" smtClean="0"/>
+              <a:rPr kumimoji="1" lang="zh-CN" altLang="en-US"/>
               <a:t>三级</a:t>
             </a:r>
           </a:p>
           <a:p>
             <a:pPr lvl="3"/>
             <a:r>
-              <a:rPr kumimoji="1" lang="zh-CN" altLang="en-US" smtClean="0"/>
+              <a:rPr kumimoji="1" lang="zh-CN" altLang="en-US"/>
               <a:t>四级</a:t>
             </a:r>
           </a:p>
           <a:p>
             <a:pPr lvl="4"/>
             <a:r>
-              <a:rPr kumimoji="1" lang="zh-CN" altLang="en-US" smtClean="0"/>
+              <a:rPr kumimoji="1" lang="zh-CN" altLang="en-US"/>
               <a:t>五级</a:t>
             </a:r>
-            <a:endParaRPr kumimoji="1" lang="zh-CN" altLang="en-US"/>
           </a:p>
         </p:txBody>
       </p:sp>
@@ -2581,7 +2568,7 @@
           <a:p>
             <a:fld id="{78BF8098-3566-7C4C-8220-7CA4E6D754E1}" type="datetimeFigureOut">
               <a:rPr kumimoji="1" lang="zh-CN" altLang="en-US" smtClean="0"/>
-              <a:t>17/10/8</a:t>
+              <a:t>17/10/14</a:t>
             </a:fld>
             <a:endParaRPr kumimoji="1" lang="zh-CN" altLang="en-US"/>
           </a:p>
@@ -3041,10 +3028,9 @@
             <a:p>
               <a:pPr algn="ctr"/>
               <a:r>
-                <a:rPr kumimoji="1" lang="zh-CN" altLang="en-US" sz="1400" dirty="0" smtClean="0"/>
+                <a:rPr kumimoji="1" lang="zh-CN" altLang="en-US" sz="1400" dirty="0"/>
                 <a:t>浏览器</a:t>
               </a:r>
-              <a:endParaRPr kumimoji="1" lang="zh-CN" altLang="en-US" sz="1400" dirty="0"/>
             </a:p>
           </p:txBody>
         </p:sp>
@@ -3089,10 +3075,9 @@
             <a:p>
               <a:pPr algn="ctr"/>
               <a:r>
-                <a:rPr kumimoji="1" lang="zh-CN" altLang="en-US" sz="1400" dirty="0" smtClean="0"/>
+                <a:rPr kumimoji="1" lang="zh-CN" altLang="en-US" sz="1400" dirty="0"/>
                 <a:t>控制器</a:t>
               </a:r>
-              <a:endParaRPr kumimoji="1" lang="zh-CN" altLang="en-US" sz="1400" dirty="0"/>
             </a:p>
           </p:txBody>
         </p:sp>
@@ -3137,10 +3122,9 @@
             <a:p>
               <a:pPr algn="ctr"/>
               <a:r>
-                <a:rPr kumimoji="1" lang="zh-CN" altLang="en-US" sz="1400" dirty="0" smtClean="0"/>
+                <a:rPr kumimoji="1" lang="zh-CN" altLang="en-US" sz="1400" dirty="0"/>
                 <a:t>视图</a:t>
               </a:r>
-              <a:endParaRPr kumimoji="1" lang="zh-CN" altLang="en-US" sz="1400" dirty="0"/>
             </a:p>
           </p:txBody>
         </p:sp>
@@ -3185,10 +3169,9 @@
             <a:p>
               <a:pPr algn="ctr"/>
               <a:r>
-                <a:rPr kumimoji="1" lang="zh-CN" altLang="en-US" sz="1400" dirty="0" smtClean="0"/>
+                <a:rPr kumimoji="1" lang="zh-CN" altLang="en-US" sz="1400" dirty="0"/>
                 <a:t>模型</a:t>
               </a:r>
-              <a:endParaRPr kumimoji="1" lang="zh-CN" altLang="en-US" sz="1400" dirty="0"/>
             </a:p>
           </p:txBody>
         </p:sp>
@@ -3233,10 +3216,9 @@
             <a:p>
               <a:pPr algn="ctr"/>
               <a:r>
-                <a:rPr kumimoji="1" lang="zh-CN" altLang="en-US" sz="1400" smtClean="0"/>
+                <a:rPr kumimoji="1" lang="zh-CN" altLang="en-US" sz="1400"/>
                 <a:t>数据处理单元</a:t>
               </a:r>
-              <a:endParaRPr kumimoji="1" lang="zh-CN" altLang="en-US" sz="1400"/>
             </a:p>
           </p:txBody>
         </p:sp>
@@ -3281,10 +3263,9 @@
             <a:p>
               <a:pPr algn="ctr"/>
               <a:r>
-                <a:rPr kumimoji="1" lang="zh-CN" altLang="en-US" sz="1400" dirty="0" smtClean="0"/>
+                <a:rPr kumimoji="1" lang="zh-CN" altLang="en-US" sz="1400" dirty="0"/>
                 <a:t>数据库</a:t>
               </a:r>
-              <a:endParaRPr kumimoji="1" lang="zh-CN" altLang="en-US" sz="1400" dirty="0"/>
             </a:p>
           </p:txBody>
         </p:sp>
@@ -3616,14 +3597,13 @@
             <a:lstStyle/>
             <a:p>
               <a:r>
-                <a:rPr kumimoji="1" lang="en-US" altLang="zh-CN" sz="1400" smtClean="0"/>
+                <a:rPr kumimoji="1" lang="en-US" altLang="zh-CN" sz="1400"/>
                 <a:t>1.</a:t>
               </a:r>
               <a:r>
-                <a:rPr kumimoji="1" lang="zh-CN" altLang="en-US" sz="1400" dirty="0" smtClean="0"/>
+                <a:rPr kumimoji="1" lang="zh-CN" altLang="en-US" sz="1400" dirty="0"/>
                 <a:t>请求</a:t>
               </a:r>
-              <a:endParaRPr kumimoji="1" lang="zh-CN" altLang="en-US" sz="1400" dirty="0"/>
             </a:p>
           </p:txBody>
         </p:sp>
@@ -3651,17 +3631,12 @@
             <a:p>
               <a:r>
                 <a:rPr kumimoji="1" lang="en-US" altLang="zh-CN" sz="1400" dirty="0"/>
-                <a:t>2</a:t>
-              </a:r>
-              <a:r>
-                <a:rPr kumimoji="1" lang="en-US" altLang="zh-CN" sz="1400" dirty="0" smtClean="0"/>
-                <a:t>.</a:t>
-              </a:r>
-              <a:r>
-                <a:rPr kumimoji="1" lang="zh-CN" altLang="en-US" sz="1400" dirty="0" smtClean="0"/>
+                <a:t>2.</a:t>
+              </a:r>
+              <a:r>
+                <a:rPr kumimoji="1" lang="zh-CN" altLang="en-US" sz="1400" dirty="0"/>
                 <a:t>实例化</a:t>
               </a:r>
-              <a:endParaRPr kumimoji="1" lang="zh-CN" altLang="en-US" sz="1400" dirty="0"/>
             </a:p>
           </p:txBody>
         </p:sp>
@@ -3688,14 +3663,13 @@
             <a:lstStyle/>
             <a:p>
               <a:r>
-                <a:rPr kumimoji="1" lang="en-US" altLang="zh-CN" sz="1400" dirty="0" smtClean="0"/>
+                <a:rPr kumimoji="1" lang="en-US" altLang="zh-CN" sz="1400" dirty="0"/>
                 <a:t>3.</a:t>
               </a:r>
               <a:r>
-                <a:rPr kumimoji="1" lang="zh-CN" altLang="en-US" sz="1400" dirty="0" smtClean="0"/>
+                <a:rPr kumimoji="1" lang="zh-CN" altLang="en-US" sz="1400" dirty="0"/>
                 <a:t>数据</a:t>
               </a:r>
-              <a:endParaRPr kumimoji="1" lang="zh-CN" altLang="en-US" sz="1400" dirty="0"/>
             </a:p>
           </p:txBody>
         </p:sp>
@@ -3722,14 +3696,13 @@
             <a:lstStyle/>
             <a:p>
               <a:r>
-                <a:rPr kumimoji="1" lang="en-US" altLang="zh-CN" sz="1400" dirty="0" smtClean="0"/>
+                <a:rPr kumimoji="1" lang="en-US" altLang="zh-CN" sz="1400" dirty="0"/>
                 <a:t>4.</a:t>
               </a:r>
               <a:r>
-                <a:rPr kumimoji="1" lang="zh-CN" altLang="en-US" sz="1400" dirty="0" smtClean="0"/>
+                <a:rPr kumimoji="1" lang="zh-CN" altLang="en-US" sz="1400" dirty="0"/>
                 <a:t>返回处理结果</a:t>
               </a:r>
-              <a:endParaRPr kumimoji="1" lang="zh-CN" altLang="en-US" sz="1400" dirty="0"/>
             </a:p>
           </p:txBody>
         </p:sp>
@@ -3756,14 +3729,13 @@
             <a:lstStyle/>
             <a:p>
               <a:r>
-                <a:rPr kumimoji="1" lang="en-US" altLang="zh-CN" sz="1400" dirty="0" smtClean="0"/>
+                <a:rPr kumimoji="1" lang="en-US" altLang="zh-CN" sz="1400" dirty="0"/>
                 <a:t>5.</a:t>
               </a:r>
               <a:r>
-                <a:rPr kumimoji="1" lang="zh-CN" altLang="en-US" sz="1400" dirty="0" smtClean="0"/>
+                <a:rPr kumimoji="1" lang="zh-CN" altLang="en-US" sz="1400" dirty="0"/>
                 <a:t>传递结果</a:t>
               </a:r>
-              <a:endParaRPr kumimoji="1" lang="zh-CN" altLang="en-US" sz="1400" dirty="0"/>
             </a:p>
           </p:txBody>
         </p:sp>
@@ -3790,14 +3762,13 @@
             <a:lstStyle/>
             <a:p>
               <a:r>
-                <a:rPr kumimoji="1" lang="en-US" altLang="zh-CN" sz="1400" dirty="0" smtClean="0"/>
+                <a:rPr kumimoji="1" lang="en-US" altLang="zh-CN" sz="1400" dirty="0"/>
                 <a:t>6.</a:t>
               </a:r>
               <a:r>
-                <a:rPr kumimoji="1" lang="zh-CN" altLang="en-US" sz="1400" dirty="0" smtClean="0"/>
+                <a:rPr kumimoji="1" lang="zh-CN" altLang="en-US" sz="1400" dirty="0"/>
                 <a:t>响应</a:t>
               </a:r>
-              <a:endParaRPr kumimoji="1" lang="zh-CN" altLang="en-US" sz="1400" dirty="0"/>
             </a:p>
           </p:txBody>
         </p:sp>
@@ -3898,13 +3869,2250 @@
   <p:clrMapOvr>
     <a:masterClrMapping/>
   </p:clrMapOvr>
-  <p:timing>
-    <p:tnLst>
-      <p:par>
-        <p:cTn id="1" dur="indefinite" restart="never" nodeType="tmRoot"/>
-      </p:par>
-    </p:tnLst>
-  </p:timing>
+</p:sld>
+</file>
+
+<file path=ppt/slides/slide10.xml><?xml version="1.0" encoding="utf-8"?>
+<p:sld xmlns:a="http://schemas.openxmlformats.org/drawingml/2006/main" xmlns:r="http://schemas.openxmlformats.org/officeDocument/2006/relationships" xmlns:p="http://schemas.openxmlformats.org/presentationml/2006/main">
+  <p:cSld>
+    <p:spTree>
+      <p:nvGrpSpPr>
+        <p:cNvPr id="1" name=""/>
+        <p:cNvGrpSpPr/>
+        <p:nvPr/>
+      </p:nvGrpSpPr>
+      <p:grpSpPr>
+        <a:xfrm>
+          <a:off x="0" y="0"/>
+          <a:ext cx="0" cy="0"/>
+          <a:chOff x="0" y="0"/>
+          <a:chExt cx="0" cy="0"/>
+        </a:xfrm>
+      </p:grpSpPr>
+      <p:grpSp>
+        <p:nvGrpSpPr>
+          <p:cNvPr id="116" name="组 115"/>
+          <p:cNvGrpSpPr/>
+          <p:nvPr/>
+        </p:nvGrpSpPr>
+        <p:grpSpPr>
+          <a:xfrm>
+            <a:off x="610124" y="965200"/>
+            <a:ext cx="10348029" cy="4427097"/>
+            <a:chOff x="610124" y="965200"/>
+            <a:chExt cx="10348029" cy="4427097"/>
+          </a:xfrm>
+        </p:grpSpPr>
+        <p:sp>
+          <p:nvSpPr>
+            <p:cNvPr id="4" name="矩形 3">
+              <a:extLst>
+                <a:ext uri="{FF2B5EF4-FFF2-40B4-BE49-F238E27FC236}">
+                  <a16:creationId xmlns:a16="http://schemas.microsoft.com/office/drawing/2014/main" xmlns="" id="{4321DFBB-A99F-455A-AD8F-F4DD635BDCB6}"/>
+                </a:ext>
+              </a:extLst>
+            </p:cNvPr>
+            <p:cNvSpPr/>
+            <p:nvPr/>
+          </p:nvSpPr>
+          <p:spPr>
+            <a:xfrm>
+              <a:off x="4443404" y="965200"/>
+              <a:ext cx="2827175" cy="475862"/>
+            </a:xfrm>
+            <a:prstGeom prst="rect">
+              <a:avLst/>
+            </a:prstGeom>
+          </p:spPr>
+          <p:style>
+            <a:lnRef idx="2">
+              <a:schemeClr val="dk1"/>
+            </a:lnRef>
+            <a:fillRef idx="1">
+              <a:schemeClr val="lt1"/>
+            </a:fillRef>
+            <a:effectRef idx="0">
+              <a:schemeClr val="dk1"/>
+            </a:effectRef>
+            <a:fontRef idx="minor">
+              <a:schemeClr val="dk1"/>
+            </a:fontRef>
+          </p:style>
+          <p:txBody>
+            <a:bodyPr rtlCol="0" anchor="ctr"/>
+            <a:lstStyle/>
+            <a:p>
+              <a:pPr algn="ctr"/>
+              <a:r>
+                <a:rPr lang="zh-CN" altLang="en-US" dirty="0"/>
+                <a:t>计算机语言在线考试系统</a:t>
+              </a:r>
+            </a:p>
+          </p:txBody>
+        </p:sp>
+        <p:sp>
+          <p:nvSpPr>
+            <p:cNvPr id="10" name="矩形 9">
+              <a:extLst>
+                <a:ext uri="{FF2B5EF4-FFF2-40B4-BE49-F238E27FC236}">
+                  <a16:creationId xmlns:a16="http://schemas.microsoft.com/office/drawing/2014/main" xmlns="" id="{0CA8EF15-E076-4AC6-B62D-132B0267B9A8}"/>
+                </a:ext>
+              </a:extLst>
+            </p:cNvPr>
+            <p:cNvSpPr/>
+            <p:nvPr/>
+          </p:nvSpPr>
+          <p:spPr>
+            <a:xfrm>
+              <a:off x="4148430" y="2350279"/>
+              <a:ext cx="1629746" cy="475862"/>
+            </a:xfrm>
+            <a:prstGeom prst="rect">
+              <a:avLst/>
+            </a:prstGeom>
+          </p:spPr>
+          <p:style>
+            <a:lnRef idx="2">
+              <a:schemeClr val="dk1"/>
+            </a:lnRef>
+            <a:fillRef idx="1">
+              <a:schemeClr val="lt1"/>
+            </a:fillRef>
+            <a:effectRef idx="0">
+              <a:schemeClr val="dk1"/>
+            </a:effectRef>
+            <a:fontRef idx="minor">
+              <a:schemeClr val="dk1"/>
+            </a:fontRef>
+          </p:style>
+          <p:txBody>
+            <a:bodyPr rtlCol="0" anchor="ctr"/>
+            <a:lstStyle/>
+            <a:p>
+              <a:pPr algn="ctr"/>
+              <a:r>
+                <a:rPr lang="zh-CN" altLang="en-US" sz="1600" dirty="0" smtClean="0"/>
+                <a:t>题库管理模块</a:t>
+              </a:r>
+              <a:endParaRPr lang="zh-CN" altLang="en-US" sz="1600" dirty="0"/>
+            </a:p>
+          </p:txBody>
+        </p:sp>
+        <p:cxnSp>
+          <p:nvCxnSpPr>
+            <p:cNvPr id="29" name="连接符: 肘形 28">
+              <a:extLst>
+                <a:ext uri="{FF2B5EF4-FFF2-40B4-BE49-F238E27FC236}">
+                  <a16:creationId xmlns:a16="http://schemas.microsoft.com/office/drawing/2014/main" xmlns="" id="{20C32A6F-59BF-42B1-9071-844786451EAE}"/>
+                </a:ext>
+              </a:extLst>
+            </p:cNvPr>
+            <p:cNvCxnSpPr>
+              <a:stCxn id="4" idx="2"/>
+              <a:endCxn id="5" idx="0"/>
+            </p:cNvCxnSpPr>
+            <p:nvPr/>
+          </p:nvCxnSpPr>
+          <p:spPr>
+            <a:xfrm rot="5400000">
+              <a:off x="3191118" y="-325056"/>
+              <a:ext cx="899756" cy="4431993"/>
+            </a:xfrm>
+            <a:prstGeom prst="bentConnector3">
+              <a:avLst/>
+            </a:prstGeom>
+            <a:ln>
+              <a:tailEnd type="triangle"/>
+            </a:ln>
+          </p:spPr>
+          <p:style>
+            <a:lnRef idx="2">
+              <a:schemeClr val="dk1"/>
+            </a:lnRef>
+            <a:fillRef idx="1">
+              <a:schemeClr val="lt1"/>
+            </a:fillRef>
+            <a:effectRef idx="0">
+              <a:schemeClr val="dk1"/>
+            </a:effectRef>
+            <a:fontRef idx="minor">
+              <a:schemeClr val="dk1"/>
+            </a:fontRef>
+          </p:style>
+        </p:cxnSp>
+        <p:cxnSp>
+          <p:nvCxnSpPr>
+            <p:cNvPr id="31" name="连接符: 肘形 30">
+              <a:extLst>
+                <a:ext uri="{FF2B5EF4-FFF2-40B4-BE49-F238E27FC236}">
+                  <a16:creationId xmlns:a16="http://schemas.microsoft.com/office/drawing/2014/main" xmlns="" id="{95A9C37D-24D6-489D-85D1-9B19EC8A7BE7}"/>
+                </a:ext>
+              </a:extLst>
+            </p:cNvPr>
+            <p:cNvCxnSpPr>
+              <a:stCxn id="4" idx="2"/>
+              <a:endCxn id="9" idx="0"/>
+            </p:cNvCxnSpPr>
+            <p:nvPr/>
+          </p:nvCxnSpPr>
+          <p:spPr>
+            <a:xfrm rot="5400000">
+              <a:off x="4069565" y="562851"/>
+              <a:ext cx="909216" cy="2665639"/>
+            </a:xfrm>
+            <a:prstGeom prst="bentConnector3">
+              <a:avLst/>
+            </a:prstGeom>
+            <a:ln>
+              <a:tailEnd type="triangle"/>
+            </a:ln>
+          </p:spPr>
+          <p:style>
+            <a:lnRef idx="2">
+              <a:schemeClr val="dk1"/>
+            </a:lnRef>
+            <a:fillRef idx="1">
+              <a:schemeClr val="lt1"/>
+            </a:fillRef>
+            <a:effectRef idx="0">
+              <a:schemeClr val="dk1"/>
+            </a:effectRef>
+            <a:fontRef idx="minor">
+              <a:schemeClr val="dk1"/>
+            </a:fontRef>
+          </p:style>
+        </p:cxnSp>
+        <p:cxnSp>
+          <p:nvCxnSpPr>
+            <p:cNvPr id="33" name="连接符: 肘形 32">
+              <a:extLst>
+                <a:ext uri="{FF2B5EF4-FFF2-40B4-BE49-F238E27FC236}">
+                  <a16:creationId xmlns:a16="http://schemas.microsoft.com/office/drawing/2014/main" xmlns="" id="{89359031-9CB0-4EFE-A135-2AD629B7D1D7}"/>
+                </a:ext>
+              </a:extLst>
+            </p:cNvPr>
+            <p:cNvCxnSpPr>
+              <a:stCxn id="4" idx="2"/>
+              <a:endCxn id="10" idx="0"/>
+            </p:cNvCxnSpPr>
+            <p:nvPr/>
+          </p:nvCxnSpPr>
+          <p:spPr>
+            <a:xfrm rot="5400000">
+              <a:off x="4955540" y="1448826"/>
+              <a:ext cx="909217" cy="893689"/>
+            </a:xfrm>
+            <a:prstGeom prst="bentConnector3">
+              <a:avLst/>
+            </a:prstGeom>
+            <a:ln>
+              <a:tailEnd type="triangle"/>
+            </a:ln>
+          </p:spPr>
+          <p:style>
+            <a:lnRef idx="2">
+              <a:schemeClr val="dk1"/>
+            </a:lnRef>
+            <a:fillRef idx="1">
+              <a:schemeClr val="lt1"/>
+            </a:fillRef>
+            <a:effectRef idx="0">
+              <a:schemeClr val="dk1"/>
+            </a:effectRef>
+            <a:fontRef idx="minor">
+              <a:schemeClr val="dk1"/>
+            </a:fontRef>
+          </p:style>
+        </p:cxnSp>
+        <p:cxnSp>
+          <p:nvCxnSpPr>
+            <p:cNvPr id="35" name="连接符: 肘形 34">
+              <a:extLst>
+                <a:ext uri="{FF2B5EF4-FFF2-40B4-BE49-F238E27FC236}">
+                  <a16:creationId xmlns:a16="http://schemas.microsoft.com/office/drawing/2014/main" xmlns="" id="{61974F4C-992B-47EA-B738-C8D942F236A1}"/>
+                </a:ext>
+              </a:extLst>
+            </p:cNvPr>
+            <p:cNvCxnSpPr>
+              <a:stCxn id="4" idx="2"/>
+              <a:endCxn id="11" idx="0"/>
+            </p:cNvCxnSpPr>
+            <p:nvPr/>
+          </p:nvCxnSpPr>
+          <p:spPr>
+            <a:xfrm rot="16200000" flipH="1">
+              <a:off x="6673280" y="624773"/>
+              <a:ext cx="901767" cy="2534343"/>
+            </a:xfrm>
+            <a:prstGeom prst="bentConnector3">
+              <a:avLst/>
+            </a:prstGeom>
+            <a:ln>
+              <a:tailEnd type="triangle"/>
+            </a:ln>
+          </p:spPr>
+          <p:style>
+            <a:lnRef idx="2">
+              <a:schemeClr val="dk1"/>
+            </a:lnRef>
+            <a:fillRef idx="1">
+              <a:schemeClr val="lt1"/>
+            </a:fillRef>
+            <a:effectRef idx="0">
+              <a:schemeClr val="dk1"/>
+            </a:effectRef>
+            <a:fontRef idx="minor">
+              <a:schemeClr val="dk1"/>
+            </a:fontRef>
+          </p:style>
+        </p:cxnSp>
+        <p:sp>
+          <p:nvSpPr>
+            <p:cNvPr id="12" name="矩形 11">
+              <a:extLst>
+                <a:ext uri="{FF2B5EF4-FFF2-40B4-BE49-F238E27FC236}">
+                  <a16:creationId xmlns:a16="http://schemas.microsoft.com/office/drawing/2014/main" xmlns="" id="{62285FB2-B63E-45CD-A3BD-40C9A2FD310E}"/>
+                </a:ext>
+              </a:extLst>
+            </p:cNvPr>
+            <p:cNvSpPr/>
+            <p:nvPr/>
+          </p:nvSpPr>
+          <p:spPr>
+            <a:xfrm>
+              <a:off x="9328407" y="2340817"/>
+              <a:ext cx="1629746" cy="475862"/>
+            </a:xfrm>
+            <a:prstGeom prst="rect">
+              <a:avLst/>
+            </a:prstGeom>
+          </p:spPr>
+          <p:style>
+            <a:lnRef idx="2">
+              <a:schemeClr val="dk1"/>
+            </a:lnRef>
+            <a:fillRef idx="1">
+              <a:schemeClr val="lt1"/>
+            </a:fillRef>
+            <a:effectRef idx="0">
+              <a:schemeClr val="dk1"/>
+            </a:effectRef>
+            <a:fontRef idx="minor">
+              <a:schemeClr val="dk1"/>
+            </a:fontRef>
+          </p:style>
+          <p:txBody>
+            <a:bodyPr rtlCol="0" anchor="ctr"/>
+            <a:lstStyle/>
+            <a:p>
+              <a:pPr algn="ctr"/>
+              <a:r>
+                <a:rPr lang="zh-CN" altLang="en-US" sz="1600" smtClean="0"/>
+                <a:t>系统管理</a:t>
+              </a:r>
+              <a:r>
+                <a:rPr lang="zh-CN" altLang="zh-CN" sz="1600" smtClean="0"/>
+                <a:t>模块</a:t>
+              </a:r>
+              <a:endParaRPr lang="zh-CN" altLang="en-US" sz="1600" dirty="0"/>
+            </a:p>
+          </p:txBody>
+        </p:sp>
+        <p:cxnSp>
+          <p:nvCxnSpPr>
+            <p:cNvPr id="14" name="肘形连接符 13"/>
+            <p:cNvCxnSpPr>
+              <a:stCxn id="4" idx="2"/>
+              <a:endCxn id="12" idx="0"/>
+            </p:cNvCxnSpPr>
+            <p:nvPr/>
+          </p:nvCxnSpPr>
+          <p:spPr>
+            <a:xfrm rot="16200000" flipH="1">
+              <a:off x="7550259" y="-252205"/>
+              <a:ext cx="899755" cy="4286288"/>
+            </a:xfrm>
+            <a:prstGeom prst="bentConnector3">
+              <a:avLst/>
+            </a:prstGeom>
+            <a:ln>
+              <a:tailEnd type="triangle"/>
+            </a:ln>
+          </p:spPr>
+          <p:style>
+            <a:lnRef idx="1">
+              <a:schemeClr val="dk1"/>
+            </a:lnRef>
+            <a:fillRef idx="0">
+              <a:schemeClr val="dk1"/>
+            </a:fillRef>
+            <a:effectRef idx="0">
+              <a:schemeClr val="dk1"/>
+            </a:effectRef>
+            <a:fontRef idx="minor">
+              <a:schemeClr val="tx1"/>
+            </a:fontRef>
+          </p:style>
+        </p:cxnSp>
+        <p:grpSp>
+          <p:nvGrpSpPr>
+            <p:cNvPr id="84" name="组 83"/>
+            <p:cNvGrpSpPr/>
+            <p:nvPr/>
+          </p:nvGrpSpPr>
+          <p:grpSpPr>
+            <a:xfrm>
+              <a:off x="610124" y="2340818"/>
+              <a:ext cx="1629748" cy="3028775"/>
+              <a:chOff x="253477" y="2328801"/>
+              <a:chExt cx="1629748" cy="3028775"/>
+            </a:xfrm>
+          </p:grpSpPr>
+          <p:sp>
+            <p:nvSpPr>
+              <p:cNvPr id="5" name="矩形 4">
+                <a:extLst>
+                  <a:ext uri="{FF2B5EF4-FFF2-40B4-BE49-F238E27FC236}">
+                    <a16:creationId xmlns:a16="http://schemas.microsoft.com/office/drawing/2014/main" xmlns="" id="{B523D0AB-9FA2-48A1-960D-3D04733C6B5B}"/>
+                  </a:ext>
+                </a:extLst>
+              </p:cNvPr>
+              <p:cNvSpPr/>
+              <p:nvPr/>
+            </p:nvSpPr>
+            <p:spPr>
+              <a:xfrm>
+                <a:off x="253479" y="2328801"/>
+                <a:ext cx="1629746" cy="475862"/>
+              </a:xfrm>
+              <a:prstGeom prst="rect">
+                <a:avLst/>
+              </a:prstGeom>
+            </p:spPr>
+            <p:style>
+              <a:lnRef idx="2">
+                <a:schemeClr val="dk1"/>
+              </a:lnRef>
+              <a:fillRef idx="1">
+                <a:schemeClr val="lt1"/>
+              </a:fillRef>
+              <a:effectRef idx="0">
+                <a:schemeClr val="dk1"/>
+              </a:effectRef>
+              <a:fontRef idx="minor">
+                <a:schemeClr val="dk1"/>
+              </a:fontRef>
+            </p:style>
+            <p:txBody>
+              <a:bodyPr rtlCol="0" anchor="ctr"/>
+              <a:lstStyle/>
+              <a:p>
+                <a:pPr algn="ctr"/>
+                <a:r>
+                  <a:rPr lang="zh-CN" altLang="en-US" sz="1600" dirty="0" smtClean="0"/>
+                  <a:t>用户管理模块</a:t>
+                </a:r>
+                <a:endParaRPr lang="zh-CN" altLang="en-US" sz="1600" dirty="0"/>
+              </a:p>
+            </p:txBody>
+          </p:sp>
+          <p:sp>
+            <p:nvSpPr>
+              <p:cNvPr id="20" name="矩形 19"/>
+              <p:cNvSpPr/>
+              <p:nvPr/>
+            </p:nvSpPr>
+            <p:spPr>
+              <a:xfrm>
+                <a:off x="253477" y="3180427"/>
+                <a:ext cx="341607" cy="2177143"/>
+              </a:xfrm>
+              <a:prstGeom prst="rect">
+                <a:avLst/>
+              </a:prstGeom>
+            </p:spPr>
+            <p:style>
+              <a:lnRef idx="2">
+                <a:schemeClr val="dk1"/>
+              </a:lnRef>
+              <a:fillRef idx="1">
+                <a:schemeClr val="lt1"/>
+              </a:fillRef>
+              <a:effectRef idx="0">
+                <a:schemeClr val="dk1"/>
+              </a:effectRef>
+              <a:fontRef idx="minor">
+                <a:schemeClr val="dk1"/>
+              </a:fontRef>
+            </p:style>
+            <p:txBody>
+              <a:bodyPr rtlCol="0" anchor="ctr"/>
+              <a:lstStyle/>
+              <a:p>
+                <a:pPr algn="ctr"/>
+                <a:r>
+                  <a:rPr kumimoji="1" lang="zh-CN" altLang="en-US" sz="1600" dirty="0" smtClean="0"/>
+                  <a:t>学生信息管理</a:t>
+                </a:r>
+                <a:endParaRPr kumimoji="1" lang="zh-CN" altLang="en-US" sz="1600" dirty="0"/>
+              </a:p>
+            </p:txBody>
+          </p:sp>
+          <p:sp>
+            <p:nvSpPr>
+              <p:cNvPr id="25" name="矩形 24"/>
+              <p:cNvSpPr/>
+              <p:nvPr/>
+            </p:nvSpPr>
+            <p:spPr>
+              <a:xfrm>
+                <a:off x="897547" y="3180433"/>
+                <a:ext cx="341607" cy="2177143"/>
+              </a:xfrm>
+              <a:prstGeom prst="rect">
+                <a:avLst/>
+              </a:prstGeom>
+            </p:spPr>
+            <p:style>
+              <a:lnRef idx="2">
+                <a:schemeClr val="dk1"/>
+              </a:lnRef>
+              <a:fillRef idx="1">
+                <a:schemeClr val="lt1"/>
+              </a:fillRef>
+              <a:effectRef idx="0">
+                <a:schemeClr val="dk1"/>
+              </a:effectRef>
+              <a:fontRef idx="minor">
+                <a:schemeClr val="dk1"/>
+              </a:fontRef>
+            </p:style>
+            <p:txBody>
+              <a:bodyPr rtlCol="0" anchor="ctr"/>
+              <a:lstStyle/>
+              <a:p>
+                <a:pPr algn="ctr"/>
+                <a:r>
+                  <a:rPr kumimoji="1" lang="zh-CN" altLang="en-US" sz="1600" dirty="0" smtClean="0"/>
+                  <a:t>教师信息管理</a:t>
+                </a:r>
+                <a:endParaRPr kumimoji="1" lang="zh-CN" altLang="en-US" sz="1600" dirty="0"/>
+              </a:p>
+            </p:txBody>
+          </p:sp>
+          <p:sp>
+            <p:nvSpPr>
+              <p:cNvPr id="26" name="矩形 25"/>
+              <p:cNvSpPr/>
+              <p:nvPr/>
+            </p:nvSpPr>
+            <p:spPr>
+              <a:xfrm>
+                <a:off x="1541618" y="3180428"/>
+                <a:ext cx="341607" cy="2177143"/>
+              </a:xfrm>
+              <a:prstGeom prst="rect">
+                <a:avLst/>
+              </a:prstGeom>
+            </p:spPr>
+            <p:style>
+              <a:lnRef idx="2">
+                <a:schemeClr val="dk1"/>
+              </a:lnRef>
+              <a:fillRef idx="1">
+                <a:schemeClr val="lt1"/>
+              </a:fillRef>
+              <a:effectRef idx="0">
+                <a:schemeClr val="dk1"/>
+              </a:effectRef>
+              <a:fontRef idx="minor">
+                <a:schemeClr val="dk1"/>
+              </a:fontRef>
+            </p:style>
+            <p:txBody>
+              <a:bodyPr rtlCol="0" anchor="ctr"/>
+              <a:lstStyle/>
+              <a:p>
+                <a:pPr algn="ctr"/>
+                <a:r>
+                  <a:rPr kumimoji="1" lang="zh-CN" altLang="en-US" sz="1600" dirty="0" smtClean="0"/>
+                  <a:t>管理员信息管理</a:t>
+                </a:r>
+                <a:endParaRPr kumimoji="1" lang="zh-CN" altLang="en-US" sz="1600" dirty="0"/>
+              </a:p>
+            </p:txBody>
+          </p:sp>
+          <p:cxnSp>
+            <p:nvCxnSpPr>
+              <p:cNvPr id="22" name="肘形连接符 21"/>
+              <p:cNvCxnSpPr>
+                <a:stCxn id="5" idx="2"/>
+                <a:endCxn id="20" idx="0"/>
+              </p:cNvCxnSpPr>
+              <p:nvPr/>
+            </p:nvCxnSpPr>
+            <p:spPr>
+              <a:xfrm rot="5400000">
+                <a:off x="558435" y="2670510"/>
+                <a:ext cx="375764" cy="644071"/>
+              </a:xfrm>
+              <a:prstGeom prst="bentConnector3">
+                <a:avLst/>
+              </a:prstGeom>
+              <a:ln>
+                <a:tailEnd type="triangle"/>
+              </a:ln>
+            </p:spPr>
+            <p:style>
+              <a:lnRef idx="2">
+                <a:schemeClr val="dk1"/>
+              </a:lnRef>
+              <a:fillRef idx="1">
+                <a:schemeClr val="lt1"/>
+              </a:fillRef>
+              <a:effectRef idx="0">
+                <a:schemeClr val="dk1"/>
+              </a:effectRef>
+              <a:fontRef idx="minor">
+                <a:schemeClr val="dk1"/>
+              </a:fontRef>
+            </p:style>
+          </p:cxnSp>
+          <p:cxnSp>
+            <p:nvCxnSpPr>
+              <p:cNvPr id="24" name="肘形连接符 23"/>
+              <p:cNvCxnSpPr>
+                <a:stCxn id="5" idx="2"/>
+                <a:endCxn id="25" idx="0"/>
+              </p:cNvCxnSpPr>
+              <p:nvPr/>
+            </p:nvCxnSpPr>
+            <p:spPr>
+              <a:xfrm rot="5400000">
+                <a:off x="880467" y="2992548"/>
+                <a:ext cx="375770" cy="1"/>
+              </a:xfrm>
+              <a:prstGeom prst="bentConnector3">
+                <a:avLst/>
+              </a:prstGeom>
+              <a:ln>
+                <a:tailEnd type="triangle"/>
+              </a:ln>
+            </p:spPr>
+            <p:style>
+              <a:lnRef idx="2">
+                <a:schemeClr val="dk1"/>
+              </a:lnRef>
+              <a:fillRef idx="1">
+                <a:schemeClr val="lt1"/>
+              </a:fillRef>
+              <a:effectRef idx="0">
+                <a:schemeClr val="dk1"/>
+              </a:effectRef>
+              <a:fontRef idx="minor">
+                <a:schemeClr val="dk1"/>
+              </a:fontRef>
+            </p:style>
+          </p:cxnSp>
+          <p:cxnSp>
+            <p:nvCxnSpPr>
+              <p:cNvPr id="28" name="肘形连接符 27"/>
+              <p:cNvCxnSpPr>
+                <a:stCxn id="5" idx="2"/>
+                <a:endCxn id="26" idx="0"/>
+              </p:cNvCxnSpPr>
+              <p:nvPr/>
+            </p:nvCxnSpPr>
+            <p:spPr>
+              <a:xfrm rot="16200000" flipH="1">
+                <a:off x="1202505" y="2670510"/>
+                <a:ext cx="375765" cy="644070"/>
+              </a:xfrm>
+              <a:prstGeom prst="bentConnector3">
+                <a:avLst/>
+              </a:prstGeom>
+              <a:ln>
+                <a:tailEnd type="triangle"/>
+              </a:ln>
+            </p:spPr>
+            <p:style>
+              <a:lnRef idx="2">
+                <a:schemeClr val="dk1"/>
+              </a:lnRef>
+              <a:fillRef idx="1">
+                <a:schemeClr val="lt1"/>
+              </a:fillRef>
+              <a:effectRef idx="0">
+                <a:schemeClr val="dk1"/>
+              </a:effectRef>
+              <a:fontRef idx="minor">
+                <a:schemeClr val="dk1"/>
+              </a:fontRef>
+            </p:style>
+          </p:cxnSp>
+        </p:grpSp>
+        <p:grpSp>
+          <p:nvGrpSpPr>
+            <p:cNvPr id="83" name="组 82"/>
+            <p:cNvGrpSpPr/>
+            <p:nvPr/>
+          </p:nvGrpSpPr>
+          <p:grpSpPr>
+            <a:xfrm>
+              <a:off x="2374797" y="2350278"/>
+              <a:ext cx="1631429" cy="3042019"/>
+              <a:chOff x="2646116" y="2315547"/>
+              <a:chExt cx="1631429" cy="3042019"/>
+            </a:xfrm>
+          </p:grpSpPr>
+          <p:sp>
+            <p:nvSpPr>
+              <p:cNvPr id="9" name="矩形 8">
+                <a:extLst>
+                  <a:ext uri="{FF2B5EF4-FFF2-40B4-BE49-F238E27FC236}">
+                    <a16:creationId xmlns:a16="http://schemas.microsoft.com/office/drawing/2014/main" xmlns="" id="{CED56E48-FF0A-4BD4-83D8-628819822938}"/>
+                  </a:ext>
+                </a:extLst>
+              </p:cNvPr>
+              <p:cNvSpPr/>
+              <p:nvPr/>
+            </p:nvSpPr>
+            <p:spPr>
+              <a:xfrm>
+                <a:off x="2647799" y="2315547"/>
+                <a:ext cx="1629746" cy="475862"/>
+              </a:xfrm>
+              <a:prstGeom prst="rect">
+                <a:avLst/>
+              </a:prstGeom>
+            </p:spPr>
+            <p:style>
+              <a:lnRef idx="2">
+                <a:schemeClr val="dk1"/>
+              </a:lnRef>
+              <a:fillRef idx="1">
+                <a:schemeClr val="lt1"/>
+              </a:fillRef>
+              <a:effectRef idx="0">
+                <a:schemeClr val="dk1"/>
+              </a:effectRef>
+              <a:fontRef idx="minor">
+                <a:schemeClr val="dk1"/>
+              </a:fontRef>
+            </p:style>
+            <p:txBody>
+              <a:bodyPr rtlCol="0" anchor="ctr"/>
+              <a:lstStyle/>
+              <a:p>
+                <a:pPr algn="ctr"/>
+                <a:r>
+                  <a:rPr lang="zh-CN" altLang="en-US" sz="1600" dirty="0" smtClean="0"/>
+                  <a:t>考试管理模块</a:t>
+                </a:r>
+                <a:endParaRPr lang="zh-CN" altLang="en-US" sz="1600" dirty="0"/>
+              </a:p>
+            </p:txBody>
+          </p:sp>
+          <p:sp>
+            <p:nvSpPr>
+              <p:cNvPr id="45" name="矩形 44"/>
+              <p:cNvSpPr/>
+              <p:nvPr/>
+            </p:nvSpPr>
+            <p:spPr>
+              <a:xfrm>
+                <a:off x="2646116" y="3180423"/>
+                <a:ext cx="341607" cy="2177143"/>
+              </a:xfrm>
+              <a:prstGeom prst="rect">
+                <a:avLst/>
+              </a:prstGeom>
+            </p:spPr>
+            <p:style>
+              <a:lnRef idx="2">
+                <a:schemeClr val="dk1"/>
+              </a:lnRef>
+              <a:fillRef idx="1">
+                <a:schemeClr val="lt1"/>
+              </a:fillRef>
+              <a:effectRef idx="0">
+                <a:schemeClr val="dk1"/>
+              </a:effectRef>
+              <a:fontRef idx="minor">
+                <a:schemeClr val="dk1"/>
+              </a:fontRef>
+            </p:style>
+            <p:txBody>
+              <a:bodyPr rtlCol="0" anchor="ctr"/>
+              <a:lstStyle/>
+              <a:p>
+                <a:pPr algn="ctr"/>
+                <a:r>
+                  <a:rPr kumimoji="1" lang="zh-CN" altLang="en-US" sz="1600" dirty="0" smtClean="0"/>
+                  <a:t>考生管理</a:t>
+                </a:r>
+                <a:endParaRPr kumimoji="1" lang="zh-CN" altLang="en-US" sz="1600" dirty="0"/>
+              </a:p>
+            </p:txBody>
+          </p:sp>
+          <p:sp>
+            <p:nvSpPr>
+              <p:cNvPr id="46" name="矩形 45"/>
+              <p:cNvSpPr/>
+              <p:nvPr/>
+            </p:nvSpPr>
+            <p:spPr>
+              <a:xfrm>
+                <a:off x="3290186" y="3180422"/>
+                <a:ext cx="341607" cy="2177143"/>
+              </a:xfrm>
+              <a:prstGeom prst="rect">
+                <a:avLst/>
+              </a:prstGeom>
+            </p:spPr>
+            <p:style>
+              <a:lnRef idx="2">
+                <a:schemeClr val="dk1"/>
+              </a:lnRef>
+              <a:fillRef idx="1">
+                <a:schemeClr val="lt1"/>
+              </a:fillRef>
+              <a:effectRef idx="0">
+                <a:schemeClr val="dk1"/>
+              </a:effectRef>
+              <a:fontRef idx="minor">
+                <a:schemeClr val="dk1"/>
+              </a:fontRef>
+            </p:style>
+            <p:txBody>
+              <a:bodyPr rtlCol="0" anchor="ctr"/>
+              <a:lstStyle/>
+              <a:p>
+                <a:pPr algn="ctr"/>
+                <a:r>
+                  <a:rPr kumimoji="1" lang="zh-CN" altLang="en-US" sz="1600" smtClean="0"/>
+                  <a:t>考试安排</a:t>
+                </a:r>
+                <a:endParaRPr kumimoji="1" lang="zh-CN" altLang="en-US" sz="1600" dirty="0"/>
+              </a:p>
+            </p:txBody>
+          </p:sp>
+          <p:cxnSp>
+            <p:nvCxnSpPr>
+              <p:cNvPr id="48" name="肘形连接符 47"/>
+              <p:cNvCxnSpPr>
+                <a:stCxn id="9" idx="2"/>
+                <a:endCxn id="45" idx="0"/>
+              </p:cNvCxnSpPr>
+              <p:nvPr/>
+            </p:nvCxnSpPr>
+            <p:spPr>
+              <a:xfrm rot="5400000">
+                <a:off x="2945289" y="2663040"/>
+                <a:ext cx="389014" cy="645752"/>
+              </a:xfrm>
+              <a:prstGeom prst="bentConnector3">
+                <a:avLst/>
+              </a:prstGeom>
+              <a:ln>
+                <a:tailEnd type="triangle"/>
+              </a:ln>
+            </p:spPr>
+            <p:style>
+              <a:lnRef idx="2">
+                <a:schemeClr val="dk1"/>
+              </a:lnRef>
+              <a:fillRef idx="1">
+                <a:schemeClr val="lt1"/>
+              </a:fillRef>
+              <a:effectRef idx="0">
+                <a:schemeClr val="dk1"/>
+              </a:effectRef>
+              <a:fontRef idx="minor">
+                <a:schemeClr val="dk1"/>
+              </a:fontRef>
+            </p:style>
+          </p:cxnSp>
+          <p:cxnSp>
+            <p:nvCxnSpPr>
+              <p:cNvPr id="50" name="肘形连接符 49"/>
+              <p:cNvCxnSpPr>
+                <a:stCxn id="9" idx="2"/>
+                <a:endCxn id="46" idx="0"/>
+              </p:cNvCxnSpPr>
+              <p:nvPr/>
+            </p:nvCxnSpPr>
+            <p:spPr>
+              <a:xfrm rot="5400000">
+                <a:off x="3267325" y="2985074"/>
+                <a:ext cx="389013" cy="1682"/>
+              </a:xfrm>
+              <a:prstGeom prst="bentConnector3">
+                <a:avLst/>
+              </a:prstGeom>
+              <a:ln>
+                <a:tailEnd type="triangle"/>
+              </a:ln>
+            </p:spPr>
+            <p:style>
+              <a:lnRef idx="2">
+                <a:schemeClr val="dk1"/>
+              </a:lnRef>
+              <a:fillRef idx="1">
+                <a:schemeClr val="lt1"/>
+              </a:fillRef>
+              <a:effectRef idx="0">
+                <a:schemeClr val="dk1"/>
+              </a:effectRef>
+              <a:fontRef idx="minor">
+                <a:schemeClr val="dk1"/>
+              </a:fontRef>
+            </p:style>
+          </p:cxnSp>
+          <p:sp>
+            <p:nvSpPr>
+              <p:cNvPr id="53" name="矩形 52"/>
+              <p:cNvSpPr/>
+              <p:nvPr/>
+            </p:nvSpPr>
+            <p:spPr>
+              <a:xfrm>
+                <a:off x="3932181" y="3180422"/>
+                <a:ext cx="341607" cy="2177143"/>
+              </a:xfrm>
+              <a:prstGeom prst="rect">
+                <a:avLst/>
+              </a:prstGeom>
+            </p:spPr>
+            <p:style>
+              <a:lnRef idx="2">
+                <a:schemeClr val="dk1"/>
+              </a:lnRef>
+              <a:fillRef idx="1">
+                <a:schemeClr val="lt1"/>
+              </a:fillRef>
+              <a:effectRef idx="0">
+                <a:schemeClr val="dk1"/>
+              </a:effectRef>
+              <a:fontRef idx="minor">
+                <a:schemeClr val="dk1"/>
+              </a:fontRef>
+            </p:style>
+            <p:txBody>
+              <a:bodyPr rtlCol="0" anchor="ctr"/>
+              <a:lstStyle/>
+              <a:p>
+                <a:pPr algn="ctr"/>
+                <a:r>
+                  <a:rPr kumimoji="1" lang="zh-CN" altLang="en-US" sz="1600" dirty="0" smtClean="0"/>
+                  <a:t>自动组卷</a:t>
+                </a:r>
+                <a:endParaRPr kumimoji="1" lang="zh-CN" altLang="en-US" sz="1600" dirty="0"/>
+              </a:p>
+            </p:txBody>
+          </p:sp>
+          <p:cxnSp>
+            <p:nvCxnSpPr>
+              <p:cNvPr id="55" name="肘形连接符 54"/>
+              <p:cNvCxnSpPr>
+                <a:stCxn id="9" idx="2"/>
+                <a:endCxn id="53" idx="0"/>
+              </p:cNvCxnSpPr>
+              <p:nvPr/>
+            </p:nvCxnSpPr>
+            <p:spPr>
+              <a:xfrm rot="16200000" flipH="1">
+                <a:off x="3588322" y="2665758"/>
+                <a:ext cx="389013" cy="640313"/>
+              </a:xfrm>
+              <a:prstGeom prst="bentConnector3">
+                <a:avLst/>
+              </a:prstGeom>
+              <a:ln>
+                <a:tailEnd type="triangle"/>
+              </a:ln>
+            </p:spPr>
+            <p:style>
+              <a:lnRef idx="2">
+                <a:schemeClr val="dk1"/>
+              </a:lnRef>
+              <a:fillRef idx="1">
+                <a:schemeClr val="lt1"/>
+              </a:fillRef>
+              <a:effectRef idx="0">
+                <a:schemeClr val="dk1"/>
+              </a:effectRef>
+              <a:fontRef idx="minor">
+                <a:schemeClr val="dk1"/>
+              </a:fontRef>
+            </p:style>
+          </p:cxnSp>
+        </p:grpSp>
+        <p:grpSp>
+          <p:nvGrpSpPr>
+            <p:cNvPr id="86" name="组 85"/>
+            <p:cNvGrpSpPr/>
+            <p:nvPr/>
+          </p:nvGrpSpPr>
+          <p:grpSpPr>
+            <a:xfrm>
+              <a:off x="7606019" y="2342829"/>
+              <a:ext cx="1570631" cy="3024098"/>
+              <a:chOff x="7436439" y="2333467"/>
+              <a:chExt cx="1570631" cy="3024098"/>
+            </a:xfrm>
+          </p:grpSpPr>
+          <p:sp>
+            <p:nvSpPr>
+              <p:cNvPr id="11" name="矩形 10">
+                <a:extLst>
+                  <a:ext uri="{FF2B5EF4-FFF2-40B4-BE49-F238E27FC236}">
+                    <a16:creationId xmlns:a16="http://schemas.microsoft.com/office/drawing/2014/main" xmlns="" id="{62285FB2-B63E-45CD-A3BD-40C9A2FD310E}"/>
+                  </a:ext>
+                </a:extLst>
+              </p:cNvPr>
+              <p:cNvSpPr/>
+              <p:nvPr/>
+            </p:nvSpPr>
+            <p:spPr>
+              <a:xfrm>
+                <a:off x="7436439" y="2333467"/>
+                <a:ext cx="1570631" cy="475862"/>
+              </a:xfrm>
+              <a:prstGeom prst="rect">
+                <a:avLst/>
+              </a:prstGeom>
+            </p:spPr>
+            <p:style>
+              <a:lnRef idx="2">
+                <a:schemeClr val="dk1"/>
+              </a:lnRef>
+              <a:fillRef idx="1">
+                <a:schemeClr val="lt1"/>
+              </a:fillRef>
+              <a:effectRef idx="0">
+                <a:schemeClr val="dk1"/>
+              </a:effectRef>
+              <a:fontRef idx="minor">
+                <a:schemeClr val="dk1"/>
+              </a:fontRef>
+            </p:style>
+            <p:txBody>
+              <a:bodyPr rtlCol="0" anchor="ctr"/>
+              <a:lstStyle/>
+              <a:p>
+                <a:pPr algn="ctr"/>
+                <a:r>
+                  <a:rPr lang="zh-CN" altLang="en-US" sz="1600" dirty="0" smtClean="0"/>
+                  <a:t>成绩管理</a:t>
+                </a:r>
+                <a:r>
+                  <a:rPr lang="zh-CN" altLang="zh-CN" sz="1600" dirty="0" smtClean="0"/>
+                  <a:t>模块</a:t>
+                </a:r>
+                <a:endParaRPr lang="zh-CN" altLang="en-US" sz="1600" dirty="0"/>
+              </a:p>
+            </p:txBody>
+          </p:sp>
+          <p:sp>
+            <p:nvSpPr>
+              <p:cNvPr id="75" name="矩形 74"/>
+              <p:cNvSpPr/>
+              <p:nvPr/>
+            </p:nvSpPr>
+            <p:spPr>
+              <a:xfrm>
+                <a:off x="7436439" y="3180422"/>
+                <a:ext cx="341607" cy="2177143"/>
+              </a:xfrm>
+              <a:prstGeom prst="rect">
+                <a:avLst/>
+              </a:prstGeom>
+            </p:spPr>
+            <p:style>
+              <a:lnRef idx="2">
+                <a:schemeClr val="dk1"/>
+              </a:lnRef>
+              <a:fillRef idx="1">
+                <a:schemeClr val="lt1"/>
+              </a:fillRef>
+              <a:effectRef idx="0">
+                <a:schemeClr val="dk1"/>
+              </a:effectRef>
+              <a:fontRef idx="minor">
+                <a:schemeClr val="dk1"/>
+              </a:fontRef>
+            </p:style>
+            <p:txBody>
+              <a:bodyPr rtlCol="0" anchor="ctr"/>
+              <a:lstStyle/>
+              <a:p>
+                <a:pPr algn="ctr"/>
+                <a:r>
+                  <a:rPr kumimoji="1" lang="zh-CN" altLang="en-US" sz="1600" dirty="0" smtClean="0"/>
+                  <a:t>成绩统计</a:t>
+                </a:r>
+                <a:endParaRPr kumimoji="1" lang="zh-CN" altLang="en-US" sz="1600" dirty="0"/>
+              </a:p>
+            </p:txBody>
+          </p:sp>
+          <p:sp>
+            <p:nvSpPr>
+              <p:cNvPr id="76" name="矩形 75"/>
+              <p:cNvSpPr/>
+              <p:nvPr/>
+            </p:nvSpPr>
+            <p:spPr>
+              <a:xfrm>
+                <a:off x="8665463" y="3180422"/>
+                <a:ext cx="341607" cy="2177143"/>
+              </a:xfrm>
+              <a:prstGeom prst="rect">
+                <a:avLst/>
+              </a:prstGeom>
+            </p:spPr>
+            <p:style>
+              <a:lnRef idx="2">
+                <a:schemeClr val="dk1"/>
+              </a:lnRef>
+              <a:fillRef idx="1">
+                <a:schemeClr val="lt1"/>
+              </a:fillRef>
+              <a:effectRef idx="0">
+                <a:schemeClr val="dk1"/>
+              </a:effectRef>
+              <a:fontRef idx="minor">
+                <a:schemeClr val="dk1"/>
+              </a:fontRef>
+            </p:style>
+            <p:txBody>
+              <a:bodyPr rtlCol="0" anchor="ctr"/>
+              <a:lstStyle/>
+              <a:p>
+                <a:pPr algn="ctr"/>
+                <a:r>
+                  <a:rPr kumimoji="1" lang="zh-CN" altLang="en-US" sz="1600" smtClean="0"/>
+                  <a:t>成绩查询</a:t>
+                </a:r>
+                <a:endParaRPr kumimoji="1" lang="zh-CN" altLang="en-US" sz="1600" dirty="0"/>
+              </a:p>
+            </p:txBody>
+          </p:sp>
+          <p:cxnSp>
+            <p:nvCxnSpPr>
+              <p:cNvPr id="78" name="肘形连接符 77"/>
+              <p:cNvCxnSpPr>
+                <a:stCxn id="11" idx="2"/>
+                <a:endCxn id="75" idx="0"/>
+              </p:cNvCxnSpPr>
+              <p:nvPr/>
+            </p:nvCxnSpPr>
+            <p:spPr>
+              <a:xfrm rot="5400000">
+                <a:off x="7728953" y="2687619"/>
+                <a:ext cx="371093" cy="614512"/>
+              </a:xfrm>
+              <a:prstGeom prst="bentConnector3">
+                <a:avLst/>
+              </a:prstGeom>
+              <a:ln>
+                <a:tailEnd type="triangle"/>
+              </a:ln>
+            </p:spPr>
+            <p:style>
+              <a:lnRef idx="2">
+                <a:schemeClr val="dk1"/>
+              </a:lnRef>
+              <a:fillRef idx="1">
+                <a:schemeClr val="lt1"/>
+              </a:fillRef>
+              <a:effectRef idx="0">
+                <a:schemeClr val="dk1"/>
+              </a:effectRef>
+              <a:fontRef idx="minor">
+                <a:schemeClr val="dk1"/>
+              </a:fontRef>
+            </p:style>
+          </p:cxnSp>
+          <p:cxnSp>
+            <p:nvCxnSpPr>
+              <p:cNvPr id="80" name="肘形连接符 79"/>
+              <p:cNvCxnSpPr>
+                <a:stCxn id="11" idx="2"/>
+                <a:endCxn id="76" idx="0"/>
+              </p:cNvCxnSpPr>
+              <p:nvPr/>
+            </p:nvCxnSpPr>
+            <p:spPr>
+              <a:xfrm rot="16200000" flipH="1">
+                <a:off x="8343465" y="2687619"/>
+                <a:ext cx="371093" cy="614512"/>
+              </a:xfrm>
+              <a:prstGeom prst="bentConnector3">
+                <a:avLst/>
+              </a:prstGeom>
+              <a:ln>
+                <a:tailEnd type="triangle"/>
+              </a:ln>
+            </p:spPr>
+            <p:style>
+              <a:lnRef idx="2">
+                <a:schemeClr val="dk1"/>
+              </a:lnRef>
+              <a:fillRef idx="1">
+                <a:schemeClr val="lt1"/>
+              </a:fillRef>
+              <a:effectRef idx="0">
+                <a:schemeClr val="dk1"/>
+              </a:effectRef>
+              <a:fontRef idx="minor">
+                <a:schemeClr val="dk1"/>
+              </a:fontRef>
+            </p:style>
+          </p:cxnSp>
+        </p:grpSp>
+        <p:sp>
+          <p:nvSpPr>
+            <p:cNvPr id="82" name="矩形 81">
+              <a:extLst>
+                <a:ext uri="{FF2B5EF4-FFF2-40B4-BE49-F238E27FC236}">
+                  <a16:creationId xmlns:a16="http://schemas.microsoft.com/office/drawing/2014/main" xmlns="" id="{0CA8EF15-E076-4AC6-B62D-132B0267B9A8}"/>
+                </a:ext>
+              </a:extLst>
+            </p:cNvPr>
+            <p:cNvSpPr/>
+            <p:nvPr/>
+          </p:nvSpPr>
+          <p:spPr>
+            <a:xfrm>
+              <a:off x="5929933" y="2340818"/>
+              <a:ext cx="1524329" cy="475862"/>
+            </a:xfrm>
+            <a:prstGeom prst="rect">
+              <a:avLst/>
+            </a:prstGeom>
+          </p:spPr>
+          <p:style>
+            <a:lnRef idx="2">
+              <a:schemeClr val="dk1"/>
+            </a:lnRef>
+            <a:fillRef idx="1">
+              <a:schemeClr val="lt1"/>
+            </a:fillRef>
+            <a:effectRef idx="0">
+              <a:schemeClr val="dk1"/>
+            </a:effectRef>
+            <a:fontRef idx="minor">
+              <a:schemeClr val="dk1"/>
+            </a:fontRef>
+          </p:style>
+          <p:txBody>
+            <a:bodyPr rtlCol="0" anchor="ctr"/>
+            <a:lstStyle/>
+            <a:p>
+              <a:pPr algn="ctr"/>
+              <a:r>
+                <a:rPr lang="zh-CN" altLang="en-US" sz="1600" smtClean="0"/>
+                <a:t>试卷模板管理模块</a:t>
+              </a:r>
+              <a:endParaRPr lang="zh-CN" altLang="en-US" sz="1600" dirty="0"/>
+            </a:p>
+          </p:txBody>
+        </p:sp>
+        <p:cxnSp>
+          <p:nvCxnSpPr>
+            <p:cNvPr id="92" name="肘形连接符 91"/>
+            <p:cNvCxnSpPr>
+              <a:stCxn id="4" idx="2"/>
+              <a:endCxn id="82" idx="0"/>
+            </p:cNvCxnSpPr>
+            <p:nvPr/>
+          </p:nvCxnSpPr>
+          <p:spPr>
+            <a:xfrm rot="16200000" flipH="1">
+              <a:off x="5824667" y="1473387"/>
+              <a:ext cx="899756" cy="835106"/>
+            </a:xfrm>
+            <a:prstGeom prst="bentConnector3">
+              <a:avLst/>
+            </a:prstGeom>
+            <a:ln>
+              <a:tailEnd type="triangle"/>
+            </a:ln>
+          </p:spPr>
+          <p:style>
+            <a:lnRef idx="1">
+              <a:schemeClr val="dk1"/>
+            </a:lnRef>
+            <a:fillRef idx="0">
+              <a:schemeClr val="dk1"/>
+            </a:fillRef>
+            <a:effectRef idx="0">
+              <a:schemeClr val="dk1"/>
+            </a:effectRef>
+            <a:fontRef idx="minor">
+              <a:schemeClr val="tx1"/>
+            </a:fontRef>
+          </p:style>
+        </p:cxnSp>
+        <p:sp>
+          <p:nvSpPr>
+            <p:cNvPr id="104" name="矩形 103"/>
+            <p:cNvSpPr/>
+            <p:nvPr/>
+          </p:nvSpPr>
+          <p:spPr>
+            <a:xfrm>
+              <a:off x="4791083" y="3215152"/>
+              <a:ext cx="341607" cy="2177143"/>
+            </a:xfrm>
+            <a:prstGeom prst="rect">
+              <a:avLst/>
+            </a:prstGeom>
+          </p:spPr>
+          <p:style>
+            <a:lnRef idx="2">
+              <a:schemeClr val="dk1"/>
+            </a:lnRef>
+            <a:fillRef idx="1">
+              <a:schemeClr val="lt1"/>
+            </a:fillRef>
+            <a:effectRef idx="0">
+              <a:schemeClr val="dk1"/>
+            </a:effectRef>
+            <a:fontRef idx="minor">
+              <a:schemeClr val="dk1"/>
+            </a:fontRef>
+          </p:style>
+          <p:txBody>
+            <a:bodyPr rtlCol="0" anchor="ctr"/>
+            <a:lstStyle/>
+            <a:p>
+              <a:pPr algn="ctr"/>
+              <a:r>
+                <a:rPr kumimoji="1" lang="zh-CN" altLang="en-US" sz="1600" dirty="0" smtClean="0"/>
+                <a:t>题目管理</a:t>
+              </a:r>
+              <a:endParaRPr kumimoji="1" lang="zh-CN" altLang="en-US" sz="1600" dirty="0"/>
+            </a:p>
+          </p:txBody>
+        </p:sp>
+        <p:cxnSp>
+          <p:nvCxnSpPr>
+            <p:cNvPr id="106" name="直线箭头连接符 105"/>
+            <p:cNvCxnSpPr>
+              <a:stCxn id="10" idx="2"/>
+              <a:endCxn id="104" idx="0"/>
+            </p:cNvCxnSpPr>
+            <p:nvPr/>
+          </p:nvCxnSpPr>
+          <p:spPr>
+            <a:xfrm flipH="1">
+              <a:off x="4961887" y="2826141"/>
+              <a:ext cx="1416" cy="389011"/>
+            </a:xfrm>
+            <a:prstGeom prst="straightConnector1">
+              <a:avLst/>
+            </a:prstGeom>
+            <a:ln>
+              <a:tailEnd type="triangle"/>
+            </a:ln>
+          </p:spPr>
+          <p:style>
+            <a:lnRef idx="1">
+              <a:schemeClr val="dk1"/>
+            </a:lnRef>
+            <a:fillRef idx="0">
+              <a:schemeClr val="dk1"/>
+            </a:fillRef>
+            <a:effectRef idx="0">
+              <a:schemeClr val="dk1"/>
+            </a:effectRef>
+            <a:fontRef idx="minor">
+              <a:schemeClr val="tx1"/>
+            </a:fontRef>
+          </p:style>
+        </p:cxnSp>
+        <p:sp>
+          <p:nvSpPr>
+            <p:cNvPr id="107" name="矩形 106"/>
+            <p:cNvSpPr/>
+            <p:nvPr/>
+          </p:nvSpPr>
+          <p:spPr>
+            <a:xfrm>
+              <a:off x="6521293" y="3215152"/>
+              <a:ext cx="341607" cy="2177143"/>
+            </a:xfrm>
+            <a:prstGeom prst="rect">
+              <a:avLst/>
+            </a:prstGeom>
+          </p:spPr>
+          <p:style>
+            <a:lnRef idx="2">
+              <a:schemeClr val="dk1"/>
+            </a:lnRef>
+            <a:fillRef idx="1">
+              <a:schemeClr val="lt1"/>
+            </a:fillRef>
+            <a:effectRef idx="0">
+              <a:schemeClr val="dk1"/>
+            </a:effectRef>
+            <a:fontRef idx="minor">
+              <a:schemeClr val="dk1"/>
+            </a:fontRef>
+          </p:style>
+          <p:txBody>
+            <a:bodyPr rtlCol="0" anchor="ctr"/>
+            <a:lstStyle/>
+            <a:p>
+              <a:pPr algn="ctr"/>
+              <a:r>
+                <a:rPr kumimoji="1" lang="zh-CN" altLang="en-US" sz="1600" dirty="0" smtClean="0"/>
+                <a:t>试卷模板</a:t>
+              </a:r>
+            </a:p>
+            <a:p>
+              <a:pPr algn="ctr"/>
+              <a:r>
+                <a:rPr kumimoji="1" lang="zh-CN" altLang="en-US" sz="1600" dirty="0" smtClean="0"/>
+                <a:t>管理</a:t>
+              </a:r>
+              <a:endParaRPr kumimoji="1" lang="zh-CN" altLang="en-US" sz="1600" dirty="0"/>
+            </a:p>
+          </p:txBody>
+        </p:sp>
+        <p:cxnSp>
+          <p:nvCxnSpPr>
+            <p:cNvPr id="109" name="直线箭头连接符 108"/>
+            <p:cNvCxnSpPr>
+              <a:stCxn id="82" idx="2"/>
+              <a:endCxn id="107" idx="0"/>
+            </p:cNvCxnSpPr>
+            <p:nvPr/>
+          </p:nvCxnSpPr>
+          <p:spPr>
+            <a:xfrm flipH="1">
+              <a:off x="6692097" y="2816680"/>
+              <a:ext cx="1" cy="398472"/>
+            </a:xfrm>
+            <a:prstGeom prst="straightConnector1">
+              <a:avLst/>
+            </a:prstGeom>
+            <a:ln>
+              <a:tailEnd type="triangle"/>
+            </a:ln>
+          </p:spPr>
+          <p:style>
+            <a:lnRef idx="1">
+              <a:schemeClr val="dk1"/>
+            </a:lnRef>
+            <a:fillRef idx="0">
+              <a:schemeClr val="dk1"/>
+            </a:fillRef>
+            <a:effectRef idx="0">
+              <a:schemeClr val="dk1"/>
+            </a:effectRef>
+            <a:fontRef idx="minor">
+              <a:schemeClr val="tx1"/>
+            </a:fontRef>
+          </p:style>
+        </p:cxnSp>
+        <p:sp>
+          <p:nvSpPr>
+            <p:cNvPr id="110" name="矩形 109"/>
+            <p:cNvSpPr/>
+            <p:nvPr/>
+          </p:nvSpPr>
+          <p:spPr>
+            <a:xfrm>
+              <a:off x="9328407" y="3189783"/>
+              <a:ext cx="341607" cy="2177143"/>
+            </a:xfrm>
+            <a:prstGeom prst="rect">
+              <a:avLst/>
+            </a:prstGeom>
+          </p:spPr>
+          <p:style>
+            <a:lnRef idx="2">
+              <a:schemeClr val="dk1"/>
+            </a:lnRef>
+            <a:fillRef idx="1">
+              <a:schemeClr val="lt1"/>
+            </a:fillRef>
+            <a:effectRef idx="0">
+              <a:schemeClr val="dk1"/>
+            </a:effectRef>
+            <a:fontRef idx="minor">
+              <a:schemeClr val="dk1"/>
+            </a:fontRef>
+          </p:style>
+          <p:txBody>
+            <a:bodyPr rtlCol="0" anchor="ctr"/>
+            <a:lstStyle/>
+            <a:p>
+              <a:pPr algn="ctr"/>
+              <a:r>
+                <a:rPr kumimoji="1" lang="zh-CN" altLang="en-US" sz="1600" dirty="0" smtClean="0"/>
+                <a:t>权限统计</a:t>
+              </a:r>
+              <a:endParaRPr kumimoji="1" lang="zh-CN" altLang="en-US" sz="1600" dirty="0"/>
+            </a:p>
+          </p:txBody>
+        </p:sp>
+        <p:sp>
+          <p:nvSpPr>
+            <p:cNvPr id="111" name="矩形 110"/>
+            <p:cNvSpPr/>
+            <p:nvPr/>
+          </p:nvSpPr>
+          <p:spPr>
+            <a:xfrm>
+              <a:off x="10616546" y="3189782"/>
+              <a:ext cx="341607" cy="2177143"/>
+            </a:xfrm>
+            <a:prstGeom prst="rect">
+              <a:avLst/>
+            </a:prstGeom>
+          </p:spPr>
+          <p:style>
+            <a:lnRef idx="2">
+              <a:schemeClr val="dk1"/>
+            </a:lnRef>
+            <a:fillRef idx="1">
+              <a:schemeClr val="lt1"/>
+            </a:fillRef>
+            <a:effectRef idx="0">
+              <a:schemeClr val="dk1"/>
+            </a:effectRef>
+            <a:fontRef idx="minor">
+              <a:schemeClr val="dk1"/>
+            </a:fontRef>
+          </p:style>
+          <p:txBody>
+            <a:bodyPr rtlCol="0" anchor="ctr"/>
+            <a:lstStyle/>
+            <a:p>
+              <a:pPr algn="ctr"/>
+              <a:r>
+                <a:rPr kumimoji="1" lang="zh-CN" altLang="en-US" sz="1600" smtClean="0"/>
+                <a:t>数据库备份</a:t>
+              </a:r>
+              <a:endParaRPr kumimoji="1" lang="zh-CN" altLang="en-US" sz="1600" dirty="0"/>
+            </a:p>
+          </p:txBody>
+        </p:sp>
+        <p:cxnSp>
+          <p:nvCxnSpPr>
+            <p:cNvPr id="113" name="肘形连接符 112"/>
+            <p:cNvCxnSpPr>
+              <a:stCxn id="12" idx="2"/>
+              <a:endCxn id="110" idx="0"/>
+            </p:cNvCxnSpPr>
+            <p:nvPr/>
+          </p:nvCxnSpPr>
+          <p:spPr>
+            <a:xfrm rot="5400000">
+              <a:off x="9634694" y="2681197"/>
+              <a:ext cx="373104" cy="644069"/>
+            </a:xfrm>
+            <a:prstGeom prst="bentConnector3">
+              <a:avLst/>
+            </a:prstGeom>
+            <a:ln>
+              <a:tailEnd type="triangle"/>
+            </a:ln>
+          </p:spPr>
+          <p:style>
+            <a:lnRef idx="1">
+              <a:schemeClr val="dk1"/>
+            </a:lnRef>
+            <a:fillRef idx="0">
+              <a:schemeClr val="dk1"/>
+            </a:fillRef>
+            <a:effectRef idx="0">
+              <a:schemeClr val="dk1"/>
+            </a:effectRef>
+            <a:fontRef idx="minor">
+              <a:schemeClr val="tx1"/>
+            </a:fontRef>
+          </p:style>
+        </p:cxnSp>
+        <p:cxnSp>
+          <p:nvCxnSpPr>
+            <p:cNvPr id="115" name="肘形连接符 114"/>
+            <p:cNvCxnSpPr>
+              <a:stCxn id="12" idx="2"/>
+              <a:endCxn id="111" idx="0"/>
+            </p:cNvCxnSpPr>
+            <p:nvPr/>
+          </p:nvCxnSpPr>
+          <p:spPr>
+            <a:xfrm rot="16200000" flipH="1">
+              <a:off x="10278764" y="2681195"/>
+              <a:ext cx="373103" cy="644070"/>
+            </a:xfrm>
+            <a:prstGeom prst="bentConnector3">
+              <a:avLst/>
+            </a:prstGeom>
+            <a:ln>
+              <a:tailEnd type="triangle"/>
+            </a:ln>
+          </p:spPr>
+          <p:style>
+            <a:lnRef idx="1">
+              <a:schemeClr val="dk1"/>
+            </a:lnRef>
+            <a:fillRef idx="0">
+              <a:schemeClr val="dk1"/>
+            </a:fillRef>
+            <a:effectRef idx="0">
+              <a:schemeClr val="dk1"/>
+            </a:effectRef>
+            <a:fontRef idx="minor">
+              <a:schemeClr val="tx1"/>
+            </a:fontRef>
+          </p:style>
+        </p:cxnSp>
+      </p:grpSp>
+    </p:spTree>
+    <p:extLst>
+      <p:ext uri="{BB962C8B-B14F-4D97-AF65-F5344CB8AC3E}">
+        <p14:creationId xmlns:p14="http://schemas.microsoft.com/office/powerpoint/2010/main" val="1312771014"/>
+      </p:ext>
+    </p:extLst>
+  </p:cSld>
+  <p:clrMapOvr>
+    <a:masterClrMapping/>
+  </p:clrMapOvr>
+</p:sld>
+</file>
+
+<file path=ppt/slides/slide11.xml><?xml version="1.0" encoding="utf-8"?>
+<p:sld xmlns:a="http://schemas.openxmlformats.org/drawingml/2006/main" xmlns:r="http://schemas.openxmlformats.org/officeDocument/2006/relationships" xmlns:p="http://schemas.openxmlformats.org/presentationml/2006/main">
+  <p:cSld>
+    <p:spTree>
+      <p:nvGrpSpPr>
+        <p:cNvPr id="1" name=""/>
+        <p:cNvGrpSpPr/>
+        <p:nvPr/>
+      </p:nvGrpSpPr>
+      <p:grpSpPr>
+        <a:xfrm>
+          <a:off x="0" y="0"/>
+          <a:ext cx="0" cy="0"/>
+          <a:chOff x="0" y="0"/>
+          <a:chExt cx="0" cy="0"/>
+        </a:xfrm>
+      </p:grpSpPr>
+      <p:grpSp>
+        <p:nvGrpSpPr>
+          <p:cNvPr id="23" name="组合 22">
+            <a:extLst>
+              <a:ext uri="{FF2B5EF4-FFF2-40B4-BE49-F238E27FC236}">
+                <a16:creationId xmlns:a16="http://schemas.microsoft.com/office/drawing/2014/main" xmlns="" id="{C1233290-FC52-42F6-B9B2-8FC5334313C4}"/>
+              </a:ext>
+            </a:extLst>
+          </p:cNvPr>
+          <p:cNvGrpSpPr/>
+          <p:nvPr/>
+        </p:nvGrpSpPr>
+        <p:grpSpPr>
+          <a:xfrm>
+            <a:off x="2862469" y="1325215"/>
+            <a:ext cx="5731568" cy="4532245"/>
+            <a:chOff x="2862469" y="1325215"/>
+            <a:chExt cx="5731568" cy="4532245"/>
+          </a:xfrm>
+        </p:grpSpPr>
+        <p:sp>
+          <p:nvSpPr>
+            <p:cNvPr id="4" name="圆柱形 3">
+              <a:extLst>
+                <a:ext uri="{FF2B5EF4-FFF2-40B4-BE49-F238E27FC236}">
+                  <a16:creationId xmlns:a16="http://schemas.microsoft.com/office/drawing/2014/main" xmlns="" id="{7A2DB450-3CFF-465C-BE69-7128C7F33D09}"/>
+                </a:ext>
+              </a:extLst>
+            </p:cNvPr>
+            <p:cNvSpPr/>
+            <p:nvPr/>
+          </p:nvSpPr>
+          <p:spPr>
+            <a:xfrm>
+              <a:off x="6500193" y="4956312"/>
+              <a:ext cx="2093844" cy="901148"/>
+            </a:xfrm>
+            <a:prstGeom prst="can">
+              <a:avLst/>
+            </a:prstGeom>
+          </p:spPr>
+          <p:style>
+            <a:lnRef idx="2">
+              <a:schemeClr val="dk1"/>
+            </a:lnRef>
+            <a:fillRef idx="1">
+              <a:schemeClr val="lt1"/>
+            </a:fillRef>
+            <a:effectRef idx="0">
+              <a:schemeClr val="dk1"/>
+            </a:effectRef>
+            <a:fontRef idx="minor">
+              <a:schemeClr val="dk1"/>
+            </a:fontRef>
+          </p:style>
+          <p:txBody>
+            <a:bodyPr rtlCol="0" anchor="ctr"/>
+            <a:lstStyle/>
+            <a:p>
+              <a:pPr algn="ctr"/>
+              <a:r>
+                <a:rPr lang="zh-CN" altLang="en-US" dirty="0"/>
+                <a:t>数据库</a:t>
+              </a:r>
+            </a:p>
+          </p:txBody>
+        </p:sp>
+        <p:sp>
+          <p:nvSpPr>
+            <p:cNvPr id="5" name="矩形 4">
+              <a:extLst>
+                <a:ext uri="{FF2B5EF4-FFF2-40B4-BE49-F238E27FC236}">
+                  <a16:creationId xmlns:a16="http://schemas.microsoft.com/office/drawing/2014/main" xmlns="" id="{1293840A-1B9B-4706-A7F6-D857ABCEF48D}"/>
+                </a:ext>
+              </a:extLst>
+            </p:cNvPr>
+            <p:cNvSpPr/>
+            <p:nvPr/>
+          </p:nvSpPr>
+          <p:spPr>
+            <a:xfrm>
+              <a:off x="2862471" y="3260035"/>
+              <a:ext cx="1696278" cy="967409"/>
+            </a:xfrm>
+            <a:prstGeom prst="rect">
+              <a:avLst/>
+            </a:prstGeom>
+          </p:spPr>
+          <p:style>
+            <a:lnRef idx="2">
+              <a:schemeClr val="dk1"/>
+            </a:lnRef>
+            <a:fillRef idx="1">
+              <a:schemeClr val="lt1"/>
+            </a:fillRef>
+            <a:effectRef idx="0">
+              <a:schemeClr val="dk1"/>
+            </a:effectRef>
+            <a:fontRef idx="minor">
+              <a:schemeClr val="dk1"/>
+            </a:fontRef>
+          </p:style>
+          <p:txBody>
+            <a:bodyPr rtlCol="0" anchor="ctr"/>
+            <a:lstStyle/>
+            <a:p>
+              <a:pPr algn="ctr"/>
+              <a:r>
+                <a:rPr lang="zh-CN" altLang="en-US" dirty="0"/>
+                <a:t>数据持久化层</a:t>
+              </a:r>
+              <a:endParaRPr lang="en-US" altLang="zh-CN" dirty="0"/>
+            </a:p>
+            <a:p>
+              <a:pPr algn="ctr"/>
+              <a:r>
+                <a:rPr lang="en-US" altLang="zh-CN" dirty="0"/>
+                <a:t>Hibernate</a:t>
+              </a:r>
+            </a:p>
+          </p:txBody>
+        </p:sp>
+        <p:sp>
+          <p:nvSpPr>
+            <p:cNvPr id="8" name="矩形 7">
+              <a:extLst>
+                <a:ext uri="{FF2B5EF4-FFF2-40B4-BE49-F238E27FC236}">
+                  <a16:creationId xmlns:a16="http://schemas.microsoft.com/office/drawing/2014/main" xmlns="" id="{26665A83-E23C-4BDF-8EBC-31FB6C14D6B3}"/>
+                </a:ext>
+              </a:extLst>
+            </p:cNvPr>
+            <p:cNvSpPr/>
+            <p:nvPr/>
+          </p:nvSpPr>
+          <p:spPr>
+            <a:xfrm>
+              <a:off x="4558750" y="3260035"/>
+              <a:ext cx="3882886" cy="967409"/>
+            </a:xfrm>
+            <a:prstGeom prst="rect">
+              <a:avLst/>
+            </a:prstGeom>
+          </p:spPr>
+          <p:style>
+            <a:lnRef idx="2">
+              <a:schemeClr val="dk1"/>
+            </a:lnRef>
+            <a:fillRef idx="1">
+              <a:schemeClr val="lt1"/>
+            </a:fillRef>
+            <a:effectRef idx="0">
+              <a:schemeClr val="dk1"/>
+            </a:effectRef>
+            <a:fontRef idx="minor">
+              <a:schemeClr val="dk1"/>
+            </a:fontRef>
+          </p:style>
+          <p:txBody>
+            <a:bodyPr rtlCol="0" anchor="ctr"/>
+            <a:lstStyle/>
+            <a:p>
+              <a:pPr algn="ctr"/>
+              <a:endParaRPr lang="en-US" altLang="zh-CN" dirty="0"/>
+            </a:p>
+          </p:txBody>
+        </p:sp>
+        <p:sp>
+          <p:nvSpPr>
+            <p:cNvPr id="13" name="矩形: 圆角 12">
+              <a:extLst>
+                <a:ext uri="{FF2B5EF4-FFF2-40B4-BE49-F238E27FC236}">
+                  <a16:creationId xmlns:a16="http://schemas.microsoft.com/office/drawing/2014/main" xmlns="" id="{66457705-3979-4864-B51A-8D891C73A7D9}"/>
+                </a:ext>
+              </a:extLst>
+            </p:cNvPr>
+            <p:cNvSpPr/>
+            <p:nvPr/>
+          </p:nvSpPr>
+          <p:spPr>
+            <a:xfrm>
+              <a:off x="4943061" y="3511826"/>
+              <a:ext cx="1311965" cy="463826"/>
+            </a:xfrm>
+            <a:prstGeom prst="roundRect">
+              <a:avLst/>
+            </a:prstGeom>
+          </p:spPr>
+          <p:style>
+            <a:lnRef idx="2">
+              <a:schemeClr val="dk1"/>
+            </a:lnRef>
+            <a:fillRef idx="1">
+              <a:schemeClr val="lt1"/>
+            </a:fillRef>
+            <a:effectRef idx="0">
+              <a:schemeClr val="dk1"/>
+            </a:effectRef>
+            <a:fontRef idx="minor">
+              <a:schemeClr val="dk1"/>
+            </a:fontRef>
+          </p:style>
+          <p:txBody>
+            <a:bodyPr rtlCol="0" anchor="ctr"/>
+            <a:lstStyle/>
+            <a:p>
+              <a:pPr algn="ctr"/>
+              <a:r>
+                <a:rPr lang="zh-CN" altLang="en-US" dirty="0"/>
+                <a:t>实体类</a:t>
+              </a:r>
+            </a:p>
+          </p:txBody>
+        </p:sp>
+        <p:sp>
+          <p:nvSpPr>
+            <p:cNvPr id="14" name="矩形: 圆角 13">
+              <a:extLst>
+                <a:ext uri="{FF2B5EF4-FFF2-40B4-BE49-F238E27FC236}">
+                  <a16:creationId xmlns:a16="http://schemas.microsoft.com/office/drawing/2014/main" xmlns="" id="{EA2F72FF-BACA-425C-B6BF-133CEC5E8653}"/>
+                </a:ext>
+              </a:extLst>
+            </p:cNvPr>
+            <p:cNvSpPr/>
+            <p:nvPr/>
+          </p:nvSpPr>
+          <p:spPr>
+            <a:xfrm>
+              <a:off x="6500193" y="3511826"/>
+              <a:ext cx="1822172" cy="463826"/>
+            </a:xfrm>
+            <a:prstGeom prst="roundRect">
+              <a:avLst/>
+            </a:prstGeom>
+          </p:spPr>
+          <p:style>
+            <a:lnRef idx="2">
+              <a:schemeClr val="dk1"/>
+            </a:lnRef>
+            <a:fillRef idx="1">
+              <a:schemeClr val="lt1"/>
+            </a:fillRef>
+            <a:effectRef idx="0">
+              <a:schemeClr val="dk1"/>
+            </a:effectRef>
+            <a:fontRef idx="minor">
+              <a:schemeClr val="dk1"/>
+            </a:fontRef>
+          </p:style>
+          <p:txBody>
+            <a:bodyPr rtlCol="0" anchor="ctr"/>
+            <a:lstStyle/>
+            <a:p>
+              <a:pPr algn="ctr"/>
+              <a:r>
+                <a:rPr lang="zh-CN" altLang="en-US" dirty="0"/>
+                <a:t>数据库访问类</a:t>
+              </a:r>
+            </a:p>
+          </p:txBody>
+        </p:sp>
+        <p:sp>
+          <p:nvSpPr>
+            <p:cNvPr id="15" name="矩形 14">
+              <a:extLst>
+                <a:ext uri="{FF2B5EF4-FFF2-40B4-BE49-F238E27FC236}">
+                  <a16:creationId xmlns:a16="http://schemas.microsoft.com/office/drawing/2014/main" xmlns="" id="{3AB352EC-9417-4C2C-BD0A-1226D901A31F}"/>
+                </a:ext>
+              </a:extLst>
+            </p:cNvPr>
+            <p:cNvSpPr/>
+            <p:nvPr/>
+          </p:nvSpPr>
+          <p:spPr>
+            <a:xfrm>
+              <a:off x="2862470" y="2292625"/>
+              <a:ext cx="1696278" cy="967409"/>
+            </a:xfrm>
+            <a:prstGeom prst="rect">
+              <a:avLst/>
+            </a:prstGeom>
+          </p:spPr>
+          <p:style>
+            <a:lnRef idx="2">
+              <a:schemeClr val="dk1"/>
+            </a:lnRef>
+            <a:fillRef idx="1">
+              <a:schemeClr val="lt1"/>
+            </a:fillRef>
+            <a:effectRef idx="0">
+              <a:schemeClr val="dk1"/>
+            </a:effectRef>
+            <a:fontRef idx="minor">
+              <a:schemeClr val="dk1"/>
+            </a:fontRef>
+          </p:style>
+          <p:txBody>
+            <a:bodyPr rtlCol="0" anchor="ctr"/>
+            <a:lstStyle/>
+            <a:p>
+              <a:pPr algn="ctr"/>
+              <a:r>
+                <a:rPr lang="zh-CN" altLang="en-US" dirty="0"/>
+                <a:t>业务服务层</a:t>
+              </a:r>
+              <a:endParaRPr lang="en-US" altLang="zh-CN" dirty="0"/>
+            </a:p>
+            <a:p>
+              <a:pPr algn="ctr"/>
+              <a:r>
+                <a:rPr lang="en-US" altLang="zh-CN" dirty="0"/>
+                <a:t>Spring</a:t>
+              </a:r>
+            </a:p>
+          </p:txBody>
+        </p:sp>
+        <p:sp>
+          <p:nvSpPr>
+            <p:cNvPr id="16" name="矩形 15">
+              <a:extLst>
+                <a:ext uri="{FF2B5EF4-FFF2-40B4-BE49-F238E27FC236}">
+                  <a16:creationId xmlns:a16="http://schemas.microsoft.com/office/drawing/2014/main" xmlns="" id="{AD42C6BF-41AE-40A9-9535-1340C10200AD}"/>
+                </a:ext>
+              </a:extLst>
+            </p:cNvPr>
+            <p:cNvSpPr/>
+            <p:nvPr/>
+          </p:nvSpPr>
+          <p:spPr>
+            <a:xfrm>
+              <a:off x="4558749" y="2292625"/>
+              <a:ext cx="3882886" cy="967409"/>
+            </a:xfrm>
+            <a:prstGeom prst="rect">
+              <a:avLst/>
+            </a:prstGeom>
+          </p:spPr>
+          <p:style>
+            <a:lnRef idx="2">
+              <a:schemeClr val="dk1"/>
+            </a:lnRef>
+            <a:fillRef idx="1">
+              <a:schemeClr val="lt1"/>
+            </a:fillRef>
+            <a:effectRef idx="0">
+              <a:schemeClr val="dk1"/>
+            </a:effectRef>
+            <a:fontRef idx="minor">
+              <a:schemeClr val="dk1"/>
+            </a:fontRef>
+          </p:style>
+          <p:txBody>
+            <a:bodyPr rtlCol="0" anchor="ctr"/>
+            <a:lstStyle/>
+            <a:p>
+              <a:pPr algn="ctr"/>
+              <a:endParaRPr lang="en-US" altLang="zh-CN" dirty="0"/>
+            </a:p>
+          </p:txBody>
+        </p:sp>
+        <p:sp>
+          <p:nvSpPr>
+            <p:cNvPr id="17" name="矩形: 圆角 16">
+              <a:extLst>
+                <a:ext uri="{FF2B5EF4-FFF2-40B4-BE49-F238E27FC236}">
+                  <a16:creationId xmlns:a16="http://schemas.microsoft.com/office/drawing/2014/main" xmlns="" id="{20FB4E10-35FF-4373-BE17-F797449DB261}"/>
+                </a:ext>
+              </a:extLst>
+            </p:cNvPr>
+            <p:cNvSpPr/>
+            <p:nvPr/>
+          </p:nvSpPr>
+          <p:spPr>
+            <a:xfrm>
+              <a:off x="4943060" y="2544416"/>
+              <a:ext cx="1557133" cy="463826"/>
+            </a:xfrm>
+            <a:prstGeom prst="roundRect">
+              <a:avLst/>
+            </a:prstGeom>
+          </p:spPr>
+          <p:style>
+            <a:lnRef idx="2">
+              <a:schemeClr val="dk1"/>
+            </a:lnRef>
+            <a:fillRef idx="1">
+              <a:schemeClr val="lt1"/>
+            </a:fillRef>
+            <a:effectRef idx="0">
+              <a:schemeClr val="dk1"/>
+            </a:effectRef>
+            <a:fontRef idx="minor">
+              <a:schemeClr val="dk1"/>
+            </a:fontRef>
+          </p:style>
+          <p:txBody>
+            <a:bodyPr rtlCol="0" anchor="ctr"/>
+            <a:lstStyle/>
+            <a:p>
+              <a:pPr algn="ctr"/>
+              <a:r>
+                <a:rPr lang="zh-CN" altLang="en-US" dirty="0"/>
+                <a:t>业务服务类</a:t>
+              </a:r>
+            </a:p>
+          </p:txBody>
+        </p:sp>
+        <p:sp>
+          <p:nvSpPr>
+            <p:cNvPr id="19" name="矩形 18">
+              <a:extLst>
+                <a:ext uri="{FF2B5EF4-FFF2-40B4-BE49-F238E27FC236}">
+                  <a16:creationId xmlns:a16="http://schemas.microsoft.com/office/drawing/2014/main" xmlns="" id="{F102A9C8-FD1B-4699-A539-92232B522B36}"/>
+                </a:ext>
+              </a:extLst>
+            </p:cNvPr>
+            <p:cNvSpPr/>
+            <p:nvPr/>
+          </p:nvSpPr>
+          <p:spPr>
+            <a:xfrm>
+              <a:off x="2862469" y="1325215"/>
+              <a:ext cx="1696278" cy="967409"/>
+            </a:xfrm>
+            <a:prstGeom prst="rect">
+              <a:avLst/>
+            </a:prstGeom>
+          </p:spPr>
+          <p:style>
+            <a:lnRef idx="2">
+              <a:schemeClr val="dk1"/>
+            </a:lnRef>
+            <a:fillRef idx="1">
+              <a:schemeClr val="lt1"/>
+            </a:fillRef>
+            <a:effectRef idx="0">
+              <a:schemeClr val="dk1"/>
+            </a:effectRef>
+            <a:fontRef idx="minor">
+              <a:schemeClr val="dk1"/>
+            </a:fontRef>
+          </p:style>
+          <p:txBody>
+            <a:bodyPr rtlCol="0" anchor="ctr"/>
+            <a:lstStyle/>
+            <a:p>
+              <a:pPr algn="ctr"/>
+              <a:r>
+                <a:rPr lang="zh-CN" altLang="en-US" dirty="0"/>
+                <a:t>表示层</a:t>
+              </a:r>
+              <a:endParaRPr lang="en-US" altLang="zh-CN" dirty="0"/>
+            </a:p>
+            <a:p>
+              <a:pPr algn="ctr"/>
+              <a:r>
+                <a:rPr lang="en-US" altLang="zh-CN" dirty="0"/>
+                <a:t>Struts2</a:t>
+              </a:r>
+            </a:p>
+          </p:txBody>
+        </p:sp>
+        <p:sp>
+          <p:nvSpPr>
+            <p:cNvPr id="20" name="矩形 19">
+              <a:extLst>
+                <a:ext uri="{FF2B5EF4-FFF2-40B4-BE49-F238E27FC236}">
+                  <a16:creationId xmlns:a16="http://schemas.microsoft.com/office/drawing/2014/main" xmlns="" id="{E5D00043-2562-4499-AA15-CDC61C1CA49E}"/>
+                </a:ext>
+              </a:extLst>
+            </p:cNvPr>
+            <p:cNvSpPr/>
+            <p:nvPr/>
+          </p:nvSpPr>
+          <p:spPr>
+            <a:xfrm>
+              <a:off x="4558748" y="1325215"/>
+              <a:ext cx="3882886" cy="967409"/>
+            </a:xfrm>
+            <a:prstGeom prst="rect">
+              <a:avLst/>
+            </a:prstGeom>
+          </p:spPr>
+          <p:style>
+            <a:lnRef idx="2">
+              <a:schemeClr val="dk1"/>
+            </a:lnRef>
+            <a:fillRef idx="1">
+              <a:schemeClr val="lt1"/>
+            </a:fillRef>
+            <a:effectRef idx="0">
+              <a:schemeClr val="dk1"/>
+            </a:effectRef>
+            <a:fontRef idx="minor">
+              <a:schemeClr val="dk1"/>
+            </a:fontRef>
+          </p:style>
+          <p:txBody>
+            <a:bodyPr rtlCol="0" anchor="ctr"/>
+            <a:lstStyle/>
+            <a:p>
+              <a:pPr algn="ctr"/>
+              <a:endParaRPr lang="en-US" altLang="zh-CN" dirty="0"/>
+            </a:p>
+          </p:txBody>
+        </p:sp>
+        <p:sp>
+          <p:nvSpPr>
+            <p:cNvPr id="21" name="矩形: 圆角 20">
+              <a:extLst>
+                <a:ext uri="{FF2B5EF4-FFF2-40B4-BE49-F238E27FC236}">
+                  <a16:creationId xmlns:a16="http://schemas.microsoft.com/office/drawing/2014/main" xmlns="" id="{0ADA60F1-97B8-41AF-A0AA-FB3CC891E978}"/>
+                </a:ext>
+              </a:extLst>
+            </p:cNvPr>
+            <p:cNvSpPr/>
+            <p:nvPr/>
+          </p:nvSpPr>
+          <p:spPr>
+            <a:xfrm>
+              <a:off x="4943059" y="1577006"/>
+              <a:ext cx="1557133" cy="463826"/>
+            </a:xfrm>
+            <a:prstGeom prst="roundRect">
+              <a:avLst/>
+            </a:prstGeom>
+          </p:spPr>
+          <p:style>
+            <a:lnRef idx="2">
+              <a:schemeClr val="dk1"/>
+            </a:lnRef>
+            <a:fillRef idx="1">
+              <a:schemeClr val="lt1"/>
+            </a:fillRef>
+            <a:effectRef idx="0">
+              <a:schemeClr val="dk1"/>
+            </a:effectRef>
+            <a:fontRef idx="minor">
+              <a:schemeClr val="dk1"/>
+            </a:fontRef>
+          </p:style>
+          <p:txBody>
+            <a:bodyPr rtlCol="0" anchor="ctr"/>
+            <a:lstStyle/>
+            <a:p>
+              <a:pPr algn="ctr"/>
+              <a:r>
+                <a:rPr lang="en-US" altLang="zh-CN" dirty="0"/>
+                <a:t>JSP</a:t>
+              </a:r>
+              <a:endParaRPr lang="zh-CN" altLang="en-US" dirty="0"/>
+            </a:p>
+          </p:txBody>
+        </p:sp>
+        <p:sp>
+          <p:nvSpPr>
+            <p:cNvPr id="22" name="箭头: 上下 21">
+              <a:extLst>
+                <a:ext uri="{FF2B5EF4-FFF2-40B4-BE49-F238E27FC236}">
+                  <a16:creationId xmlns:a16="http://schemas.microsoft.com/office/drawing/2014/main" xmlns="" id="{98FE427C-CF74-4D8A-BFC8-4EC7FCA8B40A}"/>
+                </a:ext>
+              </a:extLst>
+            </p:cNvPr>
+            <p:cNvSpPr/>
+            <p:nvPr/>
+          </p:nvSpPr>
+          <p:spPr>
+            <a:xfrm>
+              <a:off x="7361585" y="4247321"/>
+              <a:ext cx="397565" cy="689114"/>
+            </a:xfrm>
+            <a:prstGeom prst="upDownArrow">
+              <a:avLst/>
+            </a:prstGeom>
+          </p:spPr>
+          <p:style>
+            <a:lnRef idx="2">
+              <a:schemeClr val="dk1"/>
+            </a:lnRef>
+            <a:fillRef idx="1">
+              <a:schemeClr val="lt1"/>
+            </a:fillRef>
+            <a:effectRef idx="0">
+              <a:schemeClr val="dk1"/>
+            </a:effectRef>
+            <a:fontRef idx="minor">
+              <a:schemeClr val="dk1"/>
+            </a:fontRef>
+          </p:style>
+          <p:txBody>
+            <a:bodyPr rtlCol="0" anchor="ctr"/>
+            <a:lstStyle/>
+            <a:p>
+              <a:pPr algn="ctr"/>
+              <a:endParaRPr lang="zh-CN" altLang="en-US"/>
+            </a:p>
+          </p:txBody>
+        </p:sp>
+      </p:grpSp>
+    </p:spTree>
+    <p:extLst>
+      <p:ext uri="{BB962C8B-B14F-4D97-AF65-F5344CB8AC3E}">
+        <p14:creationId xmlns:p14="http://schemas.microsoft.com/office/powerpoint/2010/main" val="238922401"/>
+      </p:ext>
+    </p:extLst>
+  </p:cSld>
+  <p:clrMapOvr>
+    <a:masterClrMapping/>
+  </p:clrMapOvr>
 </p:sld>
 </file>
 
@@ -3979,10 +6187,9 @@
             <a:p>
               <a:pPr algn="ctr"/>
               <a:r>
-                <a:rPr kumimoji="1" lang="zh-CN" altLang="en-US" sz="1600" dirty="0" smtClean="0"/>
+                <a:rPr kumimoji="1" lang="zh-CN" altLang="en-US" sz="1600" dirty="0"/>
                 <a:t>客户端</a:t>
               </a:r>
-              <a:endParaRPr kumimoji="1" lang="zh-CN" altLang="en-US" sz="1600" dirty="0"/>
             </a:p>
           </p:txBody>
         </p:sp>
@@ -4026,7 +6233,7 @@
             <a:p>
               <a:pPr algn="ctr"/>
               <a:r>
-                <a:rPr kumimoji="1" lang="en-US" altLang="zh-CN" sz="1600" smtClean="0"/>
+                <a:rPr kumimoji="1" lang="en-US" altLang="zh-CN" sz="1600"/>
                 <a:t>ActionServlet</a:t>
               </a:r>
               <a:endParaRPr kumimoji="1" lang="zh-CN" altLang="en-US" sz="1600" dirty="0"/>
@@ -4073,14 +6280,13 @@
             <a:p>
               <a:pPr algn="ctr"/>
               <a:r>
-                <a:rPr kumimoji="1" lang="en-US" altLang="zh-CN" sz="1600" dirty="0" smtClean="0"/>
+                <a:rPr kumimoji="1" lang="en-US" altLang="zh-CN" sz="1600" dirty="0"/>
                 <a:t>JSP</a:t>
               </a:r>
               <a:r>
-                <a:rPr kumimoji="1" lang="zh-CN" altLang="en-US" sz="1600" dirty="0" smtClean="0"/>
+                <a:rPr kumimoji="1" lang="zh-CN" altLang="en-US" sz="1600" dirty="0"/>
                 <a:t>页面</a:t>
               </a:r>
-              <a:endParaRPr kumimoji="1" lang="zh-CN" altLang="en-US" sz="1600" dirty="0"/>
             </a:p>
           </p:txBody>
         </p:sp>
@@ -4124,7 +6330,7 @@
             <a:p>
               <a:pPr algn="ctr"/>
               <a:r>
-                <a:rPr kumimoji="1" lang="en-US" altLang="zh-CN" sz="1600" dirty="0" smtClean="0"/>
+                <a:rPr kumimoji="1" lang="en-US" altLang="zh-CN" sz="1600" dirty="0"/>
                 <a:t>Action</a:t>
               </a:r>
               <a:endParaRPr kumimoji="1" lang="zh-CN" altLang="en-US" sz="1600" dirty="0"/>
@@ -4171,7 +6377,7 @@
             <a:p>
               <a:pPr algn="ctr"/>
               <a:r>
-                <a:rPr kumimoji="1" lang="zh-CN" altLang="en-US" sz="1600" smtClean="0"/>
+                <a:rPr kumimoji="1" lang="zh-CN" altLang="en-US" sz="1600"/>
                 <a:t>模型</a:t>
               </a:r>
               <a:endParaRPr kumimoji="1" lang="zh-CN" altLang="en-US" sz="1600" dirty="0"/>
@@ -4481,11 +6687,11 @@
             <a:lstStyle/>
             <a:p>
               <a:r>
-                <a:rPr kumimoji="1" lang="en-US" altLang="zh-CN" sz="1600" dirty="0" smtClean="0"/>
+                <a:rPr kumimoji="1" lang="en-US" altLang="zh-CN" sz="1600" dirty="0"/>
                 <a:t>Struts-</a:t>
               </a:r>
               <a:r>
-                <a:rPr kumimoji="1" lang="en-US" altLang="zh-CN" sz="1600" dirty="0" err="1" smtClean="0"/>
+                <a:rPr kumimoji="1" lang="en-US" altLang="zh-CN" sz="1600" dirty="0" err="1"/>
                 <a:t>config.xml</a:t>
               </a:r>
               <a:endParaRPr kumimoji="1" lang="zh-CN" altLang="en-US" sz="1600" dirty="0"/>
@@ -4557,14 +6763,13 @@
             <a:lstStyle/>
             <a:p>
               <a:r>
-                <a:rPr kumimoji="1" lang="en-US" altLang="zh-CN" sz="1600" dirty="0" smtClean="0"/>
+                <a:rPr kumimoji="1" lang="en-US" altLang="zh-CN" sz="1600" dirty="0"/>
                 <a:t>HTTP</a:t>
               </a:r>
               <a:r>
-                <a:rPr kumimoji="1" lang="zh-CN" altLang="en-US" sz="1600" dirty="0" smtClean="0"/>
+                <a:rPr kumimoji="1" lang="zh-CN" altLang="en-US" sz="1600" dirty="0"/>
                 <a:t>请求</a:t>
               </a:r>
-              <a:endParaRPr kumimoji="1" lang="zh-CN" altLang="en-US" sz="1600" dirty="0"/>
             </a:p>
           </p:txBody>
         </p:sp>
@@ -4594,10 +6799,9 @@
             <a:lstStyle/>
             <a:p>
               <a:r>
-                <a:rPr kumimoji="1" lang="zh-CN" altLang="en-US" sz="1600" dirty="0" smtClean="0"/>
+                <a:rPr kumimoji="1" lang="zh-CN" altLang="en-US" sz="1600" dirty="0"/>
                 <a:t>转发请求</a:t>
               </a:r>
-              <a:endParaRPr kumimoji="1" lang="zh-CN" altLang="en-US" sz="1600" dirty="0"/>
             </a:p>
           </p:txBody>
         </p:sp>
@@ -4627,10 +6831,9 @@
             <a:lstStyle/>
             <a:p>
               <a:r>
-                <a:rPr kumimoji="1" lang="zh-CN" altLang="en-US" sz="1600" smtClean="0"/>
+                <a:rPr kumimoji="1" lang="zh-CN" altLang="en-US" sz="1600"/>
                 <a:t>直接转发</a:t>
               </a:r>
-              <a:endParaRPr kumimoji="1" lang="zh-CN" altLang="en-US" sz="1600"/>
             </a:p>
           </p:txBody>
         </p:sp>
@@ -4660,11 +6863,11 @@
             <a:lstStyle/>
             <a:p>
               <a:r>
-                <a:rPr kumimoji="1" lang="en-US" altLang="zh-CN" sz="1600" dirty="0" smtClean="0"/>
+                <a:rPr kumimoji="1" lang="en-US" altLang="zh-CN" sz="1600" dirty="0"/>
                 <a:t>HTTP</a:t>
               </a:r>
               <a:r>
-                <a:rPr kumimoji="1" lang="zh-CN" altLang="en-US" sz="1600" dirty="0" smtClean="0"/>
+                <a:rPr kumimoji="1" lang="zh-CN" altLang="en-US" sz="1600" dirty="0"/>
                 <a:t>响应</a:t>
               </a:r>
             </a:p>
@@ -4696,10 +6899,9 @@
             <a:lstStyle/>
             <a:p>
               <a:r>
-                <a:rPr kumimoji="1" lang="zh-CN" altLang="en-US" sz="1600" dirty="0" smtClean="0"/>
+                <a:rPr kumimoji="1" lang="zh-CN" altLang="en-US" sz="1600" dirty="0"/>
                 <a:t>显示</a:t>
               </a:r>
-              <a:endParaRPr kumimoji="1" lang="zh-CN" altLang="en-US" sz="1600" dirty="0"/>
             </a:p>
           </p:txBody>
         </p:sp>
@@ -4729,10 +6931,9 @@
             <a:lstStyle/>
             <a:p>
               <a:r>
-                <a:rPr kumimoji="1" lang="zh-CN" altLang="en-US" sz="1600" dirty="0" smtClean="0"/>
+                <a:rPr kumimoji="1" lang="zh-CN" altLang="en-US" sz="1600" dirty="0"/>
                 <a:t>调用模型</a:t>
               </a:r>
-              <a:endParaRPr kumimoji="1" lang="zh-CN" altLang="en-US" sz="1600" dirty="0"/>
             </a:p>
           </p:txBody>
         </p:sp>
@@ -4819,10 +7020,9 @@
             <a:p>
               <a:pPr algn="ctr"/>
               <a:r>
-                <a:rPr kumimoji="1" lang="zh-CN" altLang="en-US" dirty="0" smtClean="0"/>
+                <a:rPr kumimoji="1" lang="zh-CN" altLang="en-US" dirty="0"/>
                 <a:t>应用程序</a:t>
               </a:r>
-              <a:endParaRPr kumimoji="1" lang="zh-CN" altLang="en-US" dirty="0"/>
             </a:p>
           </p:txBody>
         </p:sp>
@@ -4864,7 +7064,7 @@
             <a:p>
               <a:pPr algn="ctr"/>
               <a:r>
-                <a:rPr kumimoji="1" lang="en-US" altLang="zh-CN" smtClean="0"/>
+                <a:rPr kumimoji="1" lang="en-US" altLang="zh-CN"/>
                 <a:t>Configuration</a:t>
               </a:r>
               <a:endParaRPr kumimoji="1" lang="zh-CN" altLang="en-US" dirty="0"/>
@@ -4909,7 +7109,7 @@
             <a:p>
               <a:pPr algn="ctr"/>
               <a:r>
-                <a:rPr kumimoji="1" lang="en-US" altLang="zh-CN" dirty="0" err="1" smtClean="0"/>
+                <a:rPr kumimoji="1" lang="en-US" altLang="zh-CN" dirty="0" err="1"/>
                 <a:t>SessionFactory</a:t>
               </a:r>
               <a:endParaRPr kumimoji="1" lang="zh-CN" altLang="en-US" dirty="0"/>
@@ -4954,7 +7154,7 @@
             <a:p>
               <a:pPr algn="ctr"/>
               <a:r>
-                <a:rPr kumimoji="1" lang="en-US" altLang="zh-CN" smtClean="0"/>
+                <a:rPr kumimoji="1" lang="en-US" altLang="zh-CN"/>
                 <a:t>Session</a:t>
               </a:r>
               <a:endParaRPr kumimoji="1" lang="zh-CN" altLang="en-US" dirty="0"/>
@@ -4999,7 +7199,7 @@
             <a:p>
               <a:pPr algn="ctr"/>
               <a:r>
-                <a:rPr kumimoji="1" lang="en-US" altLang="zh-CN" dirty="0" smtClean="0"/>
+                <a:rPr kumimoji="1" lang="en-US" altLang="zh-CN" dirty="0"/>
                 <a:t>Query</a:t>
               </a:r>
               <a:endParaRPr kumimoji="1" lang="zh-CN" altLang="en-US" dirty="0"/>
@@ -5044,7 +7244,7 @@
             <a:p>
               <a:pPr algn="ctr"/>
               <a:r>
-                <a:rPr kumimoji="1" lang="en-US" altLang="zh-CN" dirty="0" smtClean="0"/>
+                <a:rPr kumimoji="1" lang="en-US" altLang="zh-CN" dirty="0"/>
                 <a:t>Criteria</a:t>
               </a:r>
               <a:endParaRPr kumimoji="1" lang="zh-CN" altLang="en-US" dirty="0"/>
@@ -5089,7 +7289,7 @@
             <a:p>
               <a:pPr algn="ctr"/>
               <a:r>
-                <a:rPr kumimoji="1" lang="en-US" altLang="zh-CN" smtClean="0"/>
+                <a:rPr kumimoji="1" lang="en-US" altLang="zh-CN"/>
                 <a:t>Transaction</a:t>
               </a:r>
               <a:endParaRPr kumimoji="1" lang="zh-CN" altLang="en-US" dirty="0"/>
@@ -5134,10 +7334,9 @@
             <a:p>
               <a:pPr algn="ctr"/>
               <a:r>
-                <a:rPr kumimoji="1" lang="zh-CN" altLang="en-US" dirty="0" smtClean="0"/>
+                <a:rPr kumimoji="1" lang="zh-CN" altLang="en-US" dirty="0"/>
                 <a:t>提交数据库</a:t>
               </a:r>
-              <a:endParaRPr kumimoji="1" lang="zh-CN" altLang="en-US" dirty="0"/>
             </a:p>
           </p:txBody>
         </p:sp>
@@ -5179,10 +7378,9 @@
             <a:p>
               <a:pPr algn="ctr"/>
               <a:r>
-                <a:rPr kumimoji="1" lang="zh-CN" altLang="en-US" dirty="0" smtClean="0"/>
+                <a:rPr kumimoji="1" lang="zh-CN" altLang="en-US" dirty="0"/>
                 <a:t>回滚</a:t>
               </a:r>
-              <a:endParaRPr kumimoji="1" lang="zh-CN" altLang="en-US" dirty="0"/>
             </a:p>
           </p:txBody>
         </p:sp>
@@ -5368,7 +7566,7 @@
             <a:p>
               <a:pPr algn="ctr"/>
               <a:r>
-                <a:rPr kumimoji="1" lang="en-US" altLang="zh-CN" smtClean="0"/>
+                <a:rPr kumimoji="1" lang="en-US" altLang="zh-CN"/>
                 <a:t>Hibernate.cfg.xml</a:t>
               </a:r>
               <a:endParaRPr kumimoji="1" lang="zh-CN" altLang="en-US" dirty="0"/>
@@ -5413,7 +7611,7 @@
             <a:p>
               <a:pPr algn="ctr"/>
               <a:r>
-                <a:rPr kumimoji="1" lang="en-US" altLang="zh-CN" dirty="0" err="1" smtClean="0"/>
+                <a:rPr kumimoji="1" lang="en-US" altLang="zh-CN" dirty="0" err="1"/>
                 <a:t>xxx.hbm.xml</a:t>
               </a:r>
               <a:endParaRPr kumimoji="1" lang="zh-CN" altLang="en-US" dirty="0"/>
@@ -5659,10 +7857,9 @@
             <a:lstStyle/>
             <a:p>
               <a:r>
-                <a:rPr kumimoji="1" lang="zh-CN" altLang="en-US" dirty="0" smtClean="0"/>
+                <a:rPr kumimoji="1" lang="zh-CN" altLang="en-US" dirty="0"/>
                 <a:t>查询</a:t>
               </a:r>
-              <a:endParaRPr kumimoji="1" lang="zh-CN" altLang="en-US" dirty="0"/>
             </a:p>
           </p:txBody>
         </p:sp>
@@ -5689,7 +7886,7 @@
             <a:lstStyle/>
             <a:p>
               <a:r>
-                <a:rPr kumimoji="1" lang="zh-CN" altLang="en-US" smtClean="0"/>
+                <a:rPr kumimoji="1" lang="zh-CN" altLang="en-US"/>
                 <a:t>正常</a:t>
               </a:r>
               <a:endParaRPr kumimoji="1" lang="zh-CN" altLang="en-US" dirty="0"/>
@@ -5719,10 +7916,9 @@
             <a:lstStyle/>
             <a:p>
               <a:r>
-                <a:rPr kumimoji="1" lang="zh-CN" altLang="en-US" dirty="0" smtClean="0"/>
+                <a:rPr kumimoji="1" lang="zh-CN" altLang="en-US" dirty="0"/>
                 <a:t>异常</a:t>
               </a:r>
-              <a:endParaRPr kumimoji="1" lang="zh-CN" altLang="en-US" dirty="0"/>
             </a:p>
           </p:txBody>
         </p:sp>
@@ -5844,10 +8040,10 @@
             <a:p>
               <a:pPr algn="ctr"/>
               <a:r>
-                <a:rPr kumimoji="1" lang="en-US" altLang="zh-CN" dirty="0" smtClean="0"/>
+                <a:rPr kumimoji="1" lang="en-US" altLang="zh-CN" dirty="0"/>
                 <a:t>Struts</a:t>
               </a:r>
-              <a:endParaRPr kumimoji="1" lang="zh-CN" altLang="en-US" dirty="0" smtClean="0"/>
+              <a:endParaRPr kumimoji="1" lang="zh-CN" altLang="en-US" dirty="0"/>
             </a:p>
           </p:txBody>
         </p:sp>
@@ -5886,10 +8082,10 @@
             <a:p>
               <a:pPr algn="ctr"/>
               <a:r>
-                <a:rPr kumimoji="1" lang="en-US" altLang="zh-CN" dirty="0" smtClean="0"/>
+                <a:rPr kumimoji="1" lang="en-US" altLang="zh-CN" dirty="0"/>
                 <a:t>Action</a:t>
               </a:r>
-              <a:endParaRPr kumimoji="1" lang="zh-CN" altLang="en-US" dirty="0" smtClean="0"/>
+              <a:endParaRPr kumimoji="1" lang="zh-CN" altLang="en-US" dirty="0"/>
             </a:p>
           </p:txBody>
         </p:sp>
@@ -5928,10 +8124,10 @@
             <a:p>
               <a:pPr algn="ctr"/>
               <a:r>
-                <a:rPr kumimoji="1" lang="en-US" altLang="zh-CN" dirty="0" smtClean="0"/>
+                <a:rPr kumimoji="1" lang="en-US" altLang="zh-CN" dirty="0"/>
                 <a:t>JSP</a:t>
               </a:r>
-              <a:endParaRPr kumimoji="1" lang="zh-CN" altLang="en-US" dirty="0" smtClean="0"/>
+              <a:endParaRPr kumimoji="1" lang="zh-CN" altLang="en-US" dirty="0"/>
             </a:p>
           </p:txBody>
         </p:sp>
@@ -6008,10 +8204,10 @@
             <a:p>
               <a:pPr algn="ctr"/>
               <a:r>
-                <a:rPr kumimoji="1" lang="en-US" altLang="zh-CN" dirty="0" smtClean="0"/>
+                <a:rPr kumimoji="1" lang="en-US" altLang="zh-CN" dirty="0"/>
                 <a:t>Spring</a:t>
               </a:r>
-              <a:endParaRPr kumimoji="1" lang="zh-CN" altLang="en-US" dirty="0" smtClean="0"/>
+              <a:endParaRPr kumimoji="1" lang="zh-CN" altLang="en-US" dirty="0"/>
             </a:p>
           </p:txBody>
         </p:sp>
@@ -6050,10 +8246,10 @@
             <a:p>
               <a:pPr algn="ctr"/>
               <a:r>
-                <a:rPr kumimoji="1" lang="en-US" altLang="zh-CN" dirty="0" smtClean="0"/>
+                <a:rPr kumimoji="1" lang="en-US" altLang="zh-CN" dirty="0"/>
                 <a:t>DAO</a:t>
               </a:r>
-              <a:endParaRPr kumimoji="1" lang="zh-CN" altLang="en-US" dirty="0" smtClean="0"/>
+              <a:endParaRPr kumimoji="1" lang="zh-CN" altLang="en-US" dirty="0"/>
             </a:p>
           </p:txBody>
         </p:sp>
@@ -6092,10 +8288,10 @@
             <a:p>
               <a:pPr algn="ctr"/>
               <a:r>
-                <a:rPr kumimoji="1" lang="en-US" altLang="zh-CN" dirty="0" smtClean="0"/>
+                <a:rPr kumimoji="1" lang="en-US" altLang="zh-CN" dirty="0"/>
                 <a:t>Service</a:t>
               </a:r>
-              <a:endParaRPr kumimoji="1" lang="zh-CN" altLang="en-US" dirty="0" smtClean="0"/>
+              <a:endParaRPr kumimoji="1" lang="zh-CN" altLang="en-US" dirty="0"/>
             </a:p>
           </p:txBody>
         </p:sp>
@@ -6172,10 +8368,10 @@
             <a:p>
               <a:pPr algn="ctr"/>
               <a:r>
-                <a:rPr kumimoji="1" lang="en-US" altLang="zh-CN" smtClean="0"/>
+                <a:rPr kumimoji="1" lang="en-US" altLang="zh-CN"/>
                 <a:t>Hibernate</a:t>
               </a:r>
-              <a:endParaRPr kumimoji="1" lang="zh-CN" altLang="en-US" dirty="0" smtClean="0"/>
+              <a:endParaRPr kumimoji="1" lang="zh-CN" altLang="en-US" dirty="0"/>
             </a:p>
           </p:txBody>
         </p:sp>
@@ -6214,10 +8410,10 @@
             <a:p>
               <a:pPr algn="ctr"/>
               <a:r>
-                <a:rPr kumimoji="1" lang="en-US" altLang="zh-CN" smtClean="0"/>
+                <a:rPr kumimoji="1" lang="en-US" altLang="zh-CN"/>
                 <a:t>Database</a:t>
               </a:r>
-              <a:endParaRPr kumimoji="1" lang="zh-CN" altLang="en-US" dirty="0" smtClean="0"/>
+              <a:endParaRPr kumimoji="1" lang="zh-CN" altLang="en-US" dirty="0"/>
             </a:p>
           </p:txBody>
         </p:sp>
@@ -6534,18 +8730,18 @@
             <a:p>
               <a:pPr algn="ctr"/>
               <a:r>
-                <a:rPr kumimoji="1" lang="en-US" altLang="zh-CN" dirty="0" smtClean="0"/>
+                <a:rPr kumimoji="1" lang="en-US" altLang="zh-CN" dirty="0"/>
                 <a:t>Spring</a:t>
               </a:r>
-              <a:endParaRPr kumimoji="1" lang="zh-CN" altLang="en-US" dirty="0" smtClean="0"/>
+              <a:endParaRPr kumimoji="1" lang="zh-CN" altLang="en-US" dirty="0"/>
             </a:p>
             <a:p>
               <a:pPr algn="ctr"/>
               <a:r>
-                <a:rPr kumimoji="1" lang="en-US" altLang="zh-CN" dirty="0" smtClean="0"/>
+                <a:rPr kumimoji="1" lang="en-US" altLang="zh-CN" dirty="0"/>
                 <a:t>AOP</a:t>
               </a:r>
-              <a:endParaRPr kumimoji="1" lang="zh-CN" altLang="en-US" dirty="0" smtClean="0"/>
+              <a:endParaRPr kumimoji="1" lang="zh-CN" altLang="en-US" dirty="0"/>
             </a:p>
           </p:txBody>
         </p:sp>
@@ -6589,18 +8785,18 @@
             <a:p>
               <a:pPr algn="ctr"/>
               <a:r>
-                <a:rPr kumimoji="1" lang="en-US" altLang="zh-CN" dirty="0" smtClean="0"/>
+                <a:rPr kumimoji="1" lang="en-US" altLang="zh-CN" dirty="0"/>
                 <a:t>Spring</a:t>
               </a:r>
-              <a:endParaRPr kumimoji="1" lang="zh-CN" altLang="en-US" dirty="0" smtClean="0"/>
+              <a:endParaRPr kumimoji="1" lang="zh-CN" altLang="en-US" dirty="0"/>
             </a:p>
             <a:p>
               <a:pPr algn="ctr"/>
               <a:r>
-                <a:rPr kumimoji="1" lang="en-US" altLang="zh-CN" dirty="0" smtClean="0"/>
+                <a:rPr kumimoji="1" lang="en-US" altLang="zh-CN" dirty="0"/>
                 <a:t>ORM</a:t>
               </a:r>
-              <a:endParaRPr kumimoji="1" lang="zh-CN" altLang="en-US" dirty="0" smtClean="0"/>
+              <a:endParaRPr kumimoji="1" lang="zh-CN" altLang="en-US" dirty="0"/>
             </a:p>
           </p:txBody>
         </p:sp>
@@ -6644,18 +8840,18 @@
             <a:p>
               <a:pPr algn="ctr"/>
               <a:r>
-                <a:rPr kumimoji="1" lang="en-US" altLang="zh-CN" dirty="0" smtClean="0"/>
+                <a:rPr kumimoji="1" lang="en-US" altLang="zh-CN" dirty="0"/>
                 <a:t>Spring</a:t>
               </a:r>
-              <a:endParaRPr kumimoji="1" lang="zh-CN" altLang="en-US" dirty="0" smtClean="0"/>
+              <a:endParaRPr kumimoji="1" lang="zh-CN" altLang="en-US" dirty="0"/>
             </a:p>
             <a:p>
               <a:pPr algn="ctr"/>
               <a:r>
-                <a:rPr kumimoji="1" lang="en-US" altLang="zh-CN" dirty="0" smtClean="0"/>
+                <a:rPr kumimoji="1" lang="en-US" altLang="zh-CN" dirty="0"/>
                 <a:t>DAO</a:t>
               </a:r>
-              <a:endParaRPr kumimoji="1" lang="zh-CN" altLang="en-US" dirty="0" smtClean="0"/>
+              <a:endParaRPr kumimoji="1" lang="zh-CN" altLang="en-US" dirty="0"/>
             </a:p>
           </p:txBody>
         </p:sp>
@@ -6699,18 +8895,18 @@
             <a:p>
               <a:pPr algn="ctr"/>
               <a:r>
-                <a:rPr kumimoji="1" lang="en-US" altLang="zh-CN" dirty="0" smtClean="0"/>
+                <a:rPr kumimoji="1" lang="en-US" altLang="zh-CN" dirty="0"/>
                 <a:t>Spring</a:t>
               </a:r>
-              <a:endParaRPr kumimoji="1" lang="zh-CN" altLang="en-US" dirty="0" smtClean="0"/>
+              <a:endParaRPr kumimoji="1" lang="zh-CN" altLang="en-US" dirty="0"/>
             </a:p>
             <a:p>
               <a:pPr algn="ctr"/>
               <a:r>
-                <a:rPr kumimoji="1" lang="en-US" altLang="zh-CN" dirty="0" smtClean="0"/>
+                <a:rPr kumimoji="1" lang="en-US" altLang="zh-CN" dirty="0"/>
                 <a:t>Web</a:t>
               </a:r>
-              <a:endParaRPr kumimoji="1" lang="zh-CN" altLang="en-US" dirty="0" smtClean="0"/>
+              <a:endParaRPr kumimoji="1" lang="zh-CN" altLang="en-US" dirty="0"/>
             </a:p>
           </p:txBody>
         </p:sp>
@@ -6754,18 +8950,18 @@
             <a:p>
               <a:pPr algn="ctr"/>
               <a:r>
-                <a:rPr kumimoji="1" lang="en-US" altLang="zh-CN" dirty="0" smtClean="0"/>
+                <a:rPr kumimoji="1" lang="en-US" altLang="zh-CN" dirty="0"/>
                 <a:t>Spring</a:t>
               </a:r>
-              <a:endParaRPr kumimoji="1" lang="zh-CN" altLang="en-US" dirty="0" smtClean="0"/>
+              <a:endParaRPr kumimoji="1" lang="zh-CN" altLang="en-US" dirty="0"/>
             </a:p>
             <a:p>
               <a:pPr algn="ctr"/>
               <a:r>
-                <a:rPr kumimoji="1" lang="en-US" altLang="zh-CN" dirty="0" smtClean="0"/>
+                <a:rPr kumimoji="1" lang="en-US" altLang="zh-CN" dirty="0"/>
                 <a:t>Context</a:t>
               </a:r>
-              <a:endParaRPr kumimoji="1" lang="zh-CN" altLang="en-US" dirty="0" smtClean="0"/>
+              <a:endParaRPr kumimoji="1" lang="zh-CN" altLang="en-US" dirty="0"/>
             </a:p>
           </p:txBody>
         </p:sp>
@@ -6809,26 +9005,26 @@
             <a:p>
               <a:pPr algn="ctr"/>
               <a:r>
-                <a:rPr kumimoji="1" lang="en-US" altLang="zh-CN" dirty="0" smtClean="0"/>
+                <a:rPr kumimoji="1" lang="en-US" altLang="zh-CN" dirty="0"/>
                 <a:t>Spring</a:t>
               </a:r>
-              <a:endParaRPr kumimoji="1" lang="zh-CN" altLang="en-US" dirty="0" smtClean="0"/>
+              <a:endParaRPr kumimoji="1" lang="zh-CN" altLang="en-US" dirty="0"/>
             </a:p>
             <a:p>
               <a:pPr algn="ctr"/>
               <a:r>
-                <a:rPr kumimoji="1" lang="en-US" altLang="zh-CN" dirty="0" smtClean="0"/>
+                <a:rPr kumimoji="1" lang="en-US" altLang="zh-CN" dirty="0"/>
                 <a:t>Web</a:t>
               </a:r>
-              <a:endParaRPr kumimoji="1" lang="zh-CN" altLang="en-US" dirty="0" smtClean="0"/>
+              <a:endParaRPr kumimoji="1" lang="zh-CN" altLang="en-US" dirty="0"/>
             </a:p>
             <a:p>
               <a:pPr algn="ctr"/>
               <a:r>
-                <a:rPr kumimoji="1" lang="en-US" altLang="zh-CN" dirty="0" smtClean="0"/>
+                <a:rPr kumimoji="1" lang="en-US" altLang="zh-CN" dirty="0"/>
                 <a:t>MVC</a:t>
               </a:r>
-              <a:endParaRPr kumimoji="1" lang="zh-CN" altLang="en-US" dirty="0" smtClean="0"/>
+              <a:endParaRPr kumimoji="1" lang="zh-CN" altLang="en-US" dirty="0"/>
             </a:p>
           </p:txBody>
         </p:sp>
@@ -6872,18 +9068,18 @@
             <a:p>
               <a:pPr algn="ctr"/>
               <a:r>
-                <a:rPr kumimoji="1" lang="en-US" altLang="zh-CN" dirty="0" smtClean="0"/>
+                <a:rPr kumimoji="1" lang="en-US" altLang="zh-CN" dirty="0"/>
                 <a:t>Spring</a:t>
               </a:r>
-              <a:endParaRPr kumimoji="1" lang="zh-CN" altLang="en-US" dirty="0" smtClean="0"/>
+              <a:endParaRPr kumimoji="1" lang="zh-CN" altLang="en-US" dirty="0"/>
             </a:p>
             <a:p>
               <a:pPr algn="ctr"/>
               <a:r>
-                <a:rPr kumimoji="1" lang="en-US" altLang="zh-CN" dirty="0" smtClean="0"/>
+                <a:rPr kumimoji="1" lang="en-US" altLang="zh-CN" dirty="0"/>
                 <a:t>Core</a:t>
               </a:r>
-              <a:endParaRPr kumimoji="1" lang="zh-CN" altLang="en-US" dirty="0" smtClean="0"/>
+              <a:endParaRPr kumimoji="1" lang="zh-CN" altLang="en-US" dirty="0"/>
             </a:p>
           </p:txBody>
         </p:sp>
@@ -6926,7 +9122,7 @@
             <a:lstStyle/>
             <a:p>
               <a:pPr algn="ctr"/>
-              <a:endParaRPr kumimoji="1" lang="zh-CN" altLang="en-US" dirty="0" smtClean="0"/>
+              <a:endParaRPr kumimoji="1" lang="zh-CN" altLang="en-US" dirty="0"/>
             </a:p>
           </p:txBody>
         </p:sp>
@@ -7090,7 +9286,7 @@
             <a:p>
               <a:pPr algn="ctr"/>
               <a:r>
-                <a:rPr kumimoji="1" lang="en-US" altLang="zh-CN" smtClean="0"/>
+                <a:rPr kumimoji="1" lang="en-US" altLang="zh-CN"/>
                 <a:t>HttpServletRequest</a:t>
               </a:r>
               <a:endParaRPr kumimoji="1" lang="zh-CN" altLang="en-US" dirty="0"/>
@@ -7137,7 +9333,7 @@
             <a:p>
               <a:pPr algn="ctr"/>
               <a:r>
-                <a:rPr kumimoji="1" lang="en-US" altLang="zh-CN" dirty="0" err="1" smtClean="0"/>
+                <a:rPr kumimoji="1" lang="en-US" altLang="zh-CN" dirty="0" err="1"/>
                 <a:t>ActionContextCleanUp</a:t>
               </a:r>
               <a:endParaRPr kumimoji="1" lang="zh-CN" altLang="en-US" dirty="0"/>
@@ -7184,23 +9380,23 @@
             <a:p>
               <a:pPr algn="ctr"/>
               <a:r>
-                <a:rPr kumimoji="1" lang="en-US" altLang="zh-CN" dirty="0" smtClean="0"/>
+                <a:rPr kumimoji="1" lang="en-US" altLang="zh-CN" dirty="0"/>
                 <a:t>Other</a:t>
               </a:r>
               <a:r>
-                <a:rPr kumimoji="1" lang="zh-CN" altLang="en-US" dirty="0" smtClean="0"/>
+                <a:rPr kumimoji="1" lang="zh-CN" altLang="en-US" dirty="0"/>
                 <a:t> </a:t>
               </a:r>
               <a:r>
-                <a:rPr kumimoji="1" lang="en-US" altLang="zh-CN" dirty="0" smtClean="0"/>
+                <a:rPr kumimoji="1" lang="en-US" altLang="zh-CN" dirty="0"/>
                 <a:t>filters(</a:t>
               </a:r>
               <a:r>
-                <a:rPr kumimoji="1" lang="en-US" altLang="zh-CN" dirty="0" err="1" smtClean="0"/>
+                <a:rPr kumimoji="1" lang="en-US" altLang="zh-CN" dirty="0" err="1"/>
                 <a:t>SiteMesh,etc</a:t>
               </a:r>
               <a:r>
-                <a:rPr kumimoji="1" lang="en-US" altLang="zh-CN" dirty="0" smtClean="0"/>
+                <a:rPr kumimoji="1" lang="en-US" altLang="zh-CN" dirty="0"/>
                 <a:t>)</a:t>
               </a:r>
               <a:endParaRPr kumimoji="1" lang="zh-CN" altLang="en-US" dirty="0"/>
@@ -7247,7 +9443,7 @@
             <a:p>
               <a:pPr algn="ctr"/>
               <a:r>
-                <a:rPr kumimoji="1" lang="en-US" altLang="zh-CN" smtClean="0"/>
+                <a:rPr kumimoji="1" lang="en-US" altLang="zh-CN"/>
                 <a:t>FilterDispatcher</a:t>
               </a:r>
               <a:endParaRPr kumimoji="1" lang="zh-CN" altLang="en-US" dirty="0"/>
@@ -7294,7 +9490,7 @@
             <a:p>
               <a:pPr algn="ctr"/>
               <a:r>
-                <a:rPr kumimoji="1" lang="en-US" altLang="zh-CN" smtClean="0"/>
+                <a:rPr kumimoji="1" lang="en-US" altLang="zh-CN"/>
                 <a:t>ActionProxy</a:t>
               </a:r>
               <a:endParaRPr kumimoji="1" lang="zh-CN" altLang="en-US" dirty="0"/>
@@ -7341,15 +9537,15 @@
             <a:p>
               <a:pPr algn="ctr"/>
               <a:r>
-                <a:rPr kumimoji="1" lang="en-US" altLang="zh-CN" dirty="0" smtClean="0"/>
+                <a:rPr kumimoji="1" lang="en-US" altLang="zh-CN" dirty="0"/>
                 <a:t>Configuration</a:t>
               </a:r>
               <a:r>
-                <a:rPr kumimoji="1" lang="zh-CN" altLang="en-US" dirty="0" smtClean="0"/>
+                <a:rPr kumimoji="1" lang="zh-CN" altLang="en-US" dirty="0"/>
                 <a:t> </a:t>
               </a:r>
               <a:r>
-                <a:rPr kumimoji="1" lang="en-US" altLang="zh-CN" dirty="0" smtClean="0"/>
+                <a:rPr kumimoji="1" lang="en-US" altLang="zh-CN" dirty="0"/>
                 <a:t>Manager</a:t>
               </a:r>
               <a:endParaRPr kumimoji="1" lang="zh-CN" altLang="en-US" dirty="0"/>
@@ -7391,7 +9587,7 @@
             <a:p>
               <a:pPr algn="ctr"/>
               <a:r>
-                <a:rPr kumimoji="1" lang="en-US" altLang="zh-CN" dirty="0" err="1" smtClean="0"/>
+                <a:rPr kumimoji="1" lang="en-US" altLang="zh-CN" dirty="0" err="1"/>
                 <a:t>Struts.xml</a:t>
               </a:r>
               <a:endParaRPr kumimoji="1" lang="zh-CN" altLang="en-US" dirty="0"/>
@@ -7438,15 +9634,15 @@
             <a:p>
               <a:pPr algn="ctr"/>
               <a:r>
-                <a:rPr kumimoji="1" lang="en-US" altLang="zh-CN" dirty="0" smtClean="0"/>
+                <a:rPr kumimoji="1" lang="en-US" altLang="zh-CN" dirty="0"/>
                 <a:t>Action</a:t>
               </a:r>
               <a:r>
-                <a:rPr kumimoji="1" lang="zh-CN" altLang="en-US" dirty="0" smtClean="0"/>
+                <a:rPr kumimoji="1" lang="zh-CN" altLang="en-US" dirty="0"/>
                 <a:t> </a:t>
               </a:r>
               <a:r>
-                <a:rPr kumimoji="1" lang="en-US" altLang="zh-CN" dirty="0" smtClean="0"/>
+                <a:rPr kumimoji="1" lang="en-US" altLang="zh-CN" dirty="0"/>
                 <a:t>Invocation</a:t>
               </a:r>
               <a:endParaRPr kumimoji="1" lang="zh-CN" altLang="en-US" dirty="0"/>
@@ -7488,15 +9684,15 @@
             <a:p>
               <a:pPr algn="ctr"/>
               <a:r>
-                <a:rPr kumimoji="1" lang="en-US" altLang="zh-CN" dirty="0" smtClean="0"/>
+                <a:rPr kumimoji="1" lang="en-US" altLang="zh-CN" dirty="0"/>
                 <a:t>Interceptor</a:t>
               </a:r>
               <a:r>
-                <a:rPr kumimoji="1" lang="zh-CN" altLang="en-US" dirty="0" smtClean="0"/>
+                <a:rPr kumimoji="1" lang="zh-CN" altLang="en-US" dirty="0"/>
                 <a:t> </a:t>
               </a:r>
               <a:r>
-                <a:rPr kumimoji="1" lang="en-US" altLang="zh-CN" dirty="0" smtClean="0"/>
+                <a:rPr kumimoji="1" lang="en-US" altLang="zh-CN" dirty="0"/>
                 <a:t>1</a:t>
               </a:r>
               <a:endParaRPr kumimoji="1" lang="zh-CN" altLang="en-US" dirty="0"/>
@@ -7538,11 +9734,11 @@
             <a:p>
               <a:pPr algn="ctr"/>
               <a:r>
-                <a:rPr kumimoji="1" lang="en-US" altLang="zh-CN" dirty="0" smtClean="0"/>
+                <a:rPr kumimoji="1" lang="en-US" altLang="zh-CN" dirty="0"/>
                 <a:t>Interceptor</a:t>
               </a:r>
               <a:r>
-                <a:rPr kumimoji="1" lang="zh-CN" altLang="en-US" dirty="0" smtClean="0"/>
+                <a:rPr kumimoji="1" lang="zh-CN" altLang="en-US" dirty="0"/>
                 <a:t> </a:t>
               </a:r>
               <a:r>
@@ -7588,7 +9784,7 @@
             <a:p>
               <a:pPr algn="ctr"/>
               <a:r>
-                <a:rPr kumimoji="1" lang="en-US" altLang="zh-CN" dirty="0" smtClean="0"/>
+                <a:rPr kumimoji="1" lang="en-US" altLang="zh-CN" dirty="0"/>
                 <a:t>Action</a:t>
               </a:r>
               <a:endParaRPr kumimoji="1" lang="zh-CN" altLang="en-US" dirty="0"/>
@@ -7630,11 +9826,11 @@
             <a:p>
               <a:pPr algn="ctr"/>
               <a:r>
-                <a:rPr kumimoji="1" lang="en-US" altLang="zh-CN" dirty="0" smtClean="0"/>
+                <a:rPr kumimoji="1" lang="en-US" altLang="zh-CN" dirty="0"/>
                 <a:t>Interceptor</a:t>
               </a:r>
               <a:r>
-                <a:rPr kumimoji="1" lang="zh-CN" altLang="en-US" dirty="0" smtClean="0"/>
+                <a:rPr kumimoji="1" lang="zh-CN" altLang="en-US" dirty="0"/>
                 <a:t> </a:t>
               </a:r>
               <a:r>
@@ -7680,15 +9876,15 @@
             <a:p>
               <a:pPr algn="ctr"/>
               <a:r>
-                <a:rPr kumimoji="1" lang="en-US" altLang="zh-CN" dirty="0" smtClean="0"/>
+                <a:rPr kumimoji="1" lang="en-US" altLang="zh-CN" dirty="0"/>
                 <a:t>Interceptor</a:t>
               </a:r>
               <a:r>
-                <a:rPr kumimoji="1" lang="zh-CN" altLang="en-US" dirty="0" smtClean="0"/>
+                <a:rPr kumimoji="1" lang="zh-CN" altLang="en-US" dirty="0"/>
                 <a:t> </a:t>
               </a:r>
               <a:r>
-                <a:rPr kumimoji="1" lang="en-US" altLang="zh-CN" dirty="0" smtClean="0"/>
+                <a:rPr kumimoji="1" lang="en-US" altLang="zh-CN" dirty="0"/>
                 <a:t>1</a:t>
               </a:r>
               <a:endParaRPr kumimoji="1" lang="zh-CN" altLang="en-US" dirty="0"/>
@@ -7735,7 +9931,7 @@
             <a:p>
               <a:pPr algn="ctr"/>
               <a:r>
-                <a:rPr kumimoji="1" lang="en-US" altLang="zh-CN" dirty="0" err="1" smtClean="0"/>
+                <a:rPr kumimoji="1" lang="en-US" altLang="zh-CN" dirty="0" err="1"/>
                 <a:t>ActionMapper</a:t>
               </a:r>
               <a:endParaRPr kumimoji="1" lang="zh-CN" altLang="en-US" dirty="0"/>
@@ -7782,15 +9978,15 @@
             <a:p>
               <a:pPr algn="ctr"/>
               <a:r>
-                <a:rPr kumimoji="1" lang="en-US" altLang="zh-CN" dirty="0" smtClean="0"/>
+                <a:rPr kumimoji="1" lang="en-US" altLang="zh-CN" dirty="0"/>
                 <a:t>Tag</a:t>
               </a:r>
               <a:r>
-                <a:rPr kumimoji="1" lang="zh-CN" altLang="en-US" dirty="0" smtClean="0"/>
+                <a:rPr kumimoji="1" lang="zh-CN" altLang="en-US" dirty="0"/>
                 <a:t> </a:t>
               </a:r>
               <a:r>
-                <a:rPr kumimoji="1" lang="en-US" altLang="zh-CN" dirty="0" smtClean="0"/>
+                <a:rPr kumimoji="1" lang="en-US" altLang="zh-CN" dirty="0"/>
                 <a:t>System</a:t>
               </a:r>
               <a:endParaRPr kumimoji="1" lang="zh-CN" altLang="en-US" dirty="0"/>
@@ -7837,7 +10033,7 @@
             <a:p>
               <a:pPr algn="ctr"/>
               <a:r>
-                <a:rPr kumimoji="1" lang="en-US" altLang="zh-CN" dirty="0" smtClean="0"/>
+                <a:rPr kumimoji="1" lang="en-US" altLang="zh-CN" dirty="0"/>
                 <a:t>Template</a:t>
               </a:r>
               <a:endParaRPr kumimoji="1" lang="zh-CN" altLang="en-US" dirty="0"/>
@@ -7884,7 +10080,7 @@
             <a:p>
               <a:pPr algn="ctr"/>
               <a:r>
-                <a:rPr kumimoji="1" lang="en-US" altLang="zh-CN" smtClean="0"/>
+                <a:rPr kumimoji="1" lang="en-US" altLang="zh-CN"/>
                 <a:t>HttpServletResponse</a:t>
               </a:r>
               <a:endParaRPr kumimoji="1" lang="zh-CN" altLang="en-US" dirty="0"/>
@@ -8029,7 +10225,7 @@
             <a:p>
               <a:pPr algn="ctr"/>
               <a:r>
-                <a:rPr kumimoji="1" lang="en-US" altLang="zh-CN" dirty="0" smtClean="0"/>
+                <a:rPr kumimoji="1" lang="en-US" altLang="zh-CN" dirty="0"/>
                 <a:t>Result</a:t>
               </a:r>
               <a:endParaRPr kumimoji="1" lang="zh-CN" altLang="en-US" dirty="0"/>
@@ -8330,10 +10526,9 @@
             <a:p>
               <a:pPr algn="ctr"/>
               <a:r>
-                <a:rPr kumimoji="1" lang="zh-CN" altLang="en-US" sz="1200" dirty="0" smtClean="0"/>
+                <a:rPr kumimoji="1" lang="zh-CN" altLang="en-US" sz="1200" dirty="0"/>
                 <a:t>视图</a:t>
               </a:r>
-              <a:endParaRPr kumimoji="1" lang="zh-CN" altLang="en-US" sz="1200" dirty="0"/>
             </a:p>
           </p:txBody>
         </p:sp>
@@ -8372,10 +10567,9 @@
             <a:p>
               <a:pPr algn="ctr"/>
               <a:r>
-                <a:rPr kumimoji="1" lang="zh-CN" altLang="en-US" sz="1200" dirty="0" smtClean="0"/>
+                <a:rPr kumimoji="1" lang="zh-CN" altLang="en-US" sz="1200" dirty="0"/>
                 <a:t>业务处理</a:t>
               </a:r>
-              <a:endParaRPr kumimoji="1" lang="zh-CN" altLang="en-US" sz="1200" dirty="0"/>
             </a:p>
           </p:txBody>
         </p:sp>
@@ -8414,10 +10608,9 @@
             <a:p>
               <a:pPr algn="ctr"/>
               <a:r>
-                <a:rPr kumimoji="1" lang="zh-CN" altLang="en-US" sz="1200" dirty="0" smtClean="0"/>
+                <a:rPr kumimoji="1" lang="zh-CN" altLang="en-US" sz="1200" dirty="0"/>
                 <a:t>数据处理</a:t>
               </a:r>
-              <a:endParaRPr kumimoji="1" lang="zh-CN" altLang="en-US" sz="1200" dirty="0"/>
             </a:p>
           </p:txBody>
         </p:sp>
@@ -8456,10 +10649,9 @@
             <a:p>
               <a:pPr algn="ctr"/>
               <a:r>
-                <a:rPr kumimoji="1" lang="zh-CN" altLang="en-US" sz="1200" smtClean="0"/>
+                <a:rPr kumimoji="1" lang="zh-CN" altLang="en-US" sz="1200"/>
                 <a:t>数据库</a:t>
               </a:r>
-              <a:endParaRPr kumimoji="1" lang="zh-CN" altLang="en-US" sz="1200"/>
             </a:p>
           </p:txBody>
         </p:sp>
@@ -8684,10 +10876,9 @@
             <a:lstStyle/>
             <a:p>
               <a:r>
-                <a:rPr kumimoji="1" lang="zh-CN" altLang="en-US" sz="1200" dirty="0" smtClean="0"/>
+                <a:rPr kumimoji="1" lang="zh-CN" altLang="en-US" sz="1200" dirty="0"/>
                 <a:t>请求</a:t>
               </a:r>
-              <a:endParaRPr kumimoji="1" lang="zh-CN" altLang="en-US" sz="1200" dirty="0"/>
             </a:p>
           </p:txBody>
         </p:sp>
@@ -8714,10 +10905,9 @@
             <a:lstStyle/>
             <a:p>
               <a:r>
-                <a:rPr kumimoji="1" lang="zh-CN" altLang="en-US" sz="1200" dirty="0" smtClean="0"/>
+                <a:rPr kumimoji="1" lang="zh-CN" altLang="en-US" sz="1200" dirty="0"/>
                 <a:t>响应</a:t>
               </a:r>
-              <a:endParaRPr kumimoji="1" lang="zh-CN" altLang="en-US" sz="1200" dirty="0"/>
             </a:p>
           </p:txBody>
         </p:sp>
@@ -8744,10 +10934,9 @@
             <a:lstStyle/>
             <a:p>
               <a:r>
-                <a:rPr kumimoji="1" lang="zh-CN" altLang="en-US" sz="1200" smtClean="0"/>
+                <a:rPr kumimoji="1" lang="zh-CN" altLang="en-US" sz="1200"/>
                 <a:t>请求</a:t>
               </a:r>
-              <a:endParaRPr kumimoji="1" lang="zh-CN" altLang="en-US" sz="1200"/>
             </a:p>
           </p:txBody>
         </p:sp>
@@ -8774,10 +10963,9 @@
             <a:lstStyle/>
             <a:p>
               <a:r>
-                <a:rPr kumimoji="1" lang="zh-CN" altLang="en-US" sz="1200" dirty="0" smtClean="0"/>
+                <a:rPr kumimoji="1" lang="zh-CN" altLang="en-US" sz="1200" dirty="0"/>
                 <a:t>响应</a:t>
               </a:r>
-              <a:endParaRPr kumimoji="1" lang="zh-CN" altLang="en-US" sz="1200" dirty="0"/>
             </a:p>
           </p:txBody>
         </p:sp>
@@ -8847,10 +11035,9 @@
             <a:lstStyle/>
             <a:p>
               <a:r>
-                <a:rPr kumimoji="1" lang="zh-CN" altLang="en-US" sz="1200" dirty="0" smtClean="0"/>
+                <a:rPr kumimoji="1" lang="zh-CN" altLang="en-US" sz="1200" dirty="0"/>
                 <a:t>浏览器</a:t>
               </a:r>
-              <a:endParaRPr kumimoji="1" lang="zh-CN" altLang="en-US" sz="1200" dirty="0"/>
             </a:p>
           </p:txBody>
         </p:sp>
@@ -8877,14 +11064,13 @@
             <a:lstStyle/>
             <a:p>
               <a:r>
-                <a:rPr kumimoji="1" lang="en-US" altLang="zh-CN" sz="1200" dirty="0" smtClean="0"/>
+                <a:rPr kumimoji="1" lang="en-US" altLang="zh-CN" sz="1200" dirty="0"/>
                 <a:t>Web</a:t>
               </a:r>
               <a:r>
-                <a:rPr kumimoji="1" lang="zh-CN" altLang="en-US" sz="1200" dirty="0" smtClean="0"/>
+                <a:rPr kumimoji="1" lang="zh-CN" altLang="en-US" sz="1200" dirty="0"/>
                 <a:t>服务器</a:t>
               </a:r>
-              <a:endParaRPr kumimoji="1" lang="zh-CN" altLang="en-US" sz="1200" dirty="0"/>
             </a:p>
           </p:txBody>
         </p:sp>
@@ -8911,10 +11097,9 @@
             <a:lstStyle/>
             <a:p>
               <a:r>
-                <a:rPr kumimoji="1" lang="zh-CN" altLang="en-US" sz="1200" dirty="0" smtClean="0"/>
+                <a:rPr kumimoji="1" lang="zh-CN" altLang="en-US" sz="1200" dirty="0"/>
                 <a:t>数据库服务器</a:t>
               </a:r>
-              <a:endParaRPr kumimoji="1" lang="zh-CN" altLang="en-US" sz="1200" dirty="0"/>
             </a:p>
           </p:txBody>
         </p:sp>
@@ -8923,6 +11108,2176 @@
     <p:extLst>
       <p:ext uri="{BB962C8B-B14F-4D97-AF65-F5344CB8AC3E}">
         <p14:creationId xmlns:p14="http://schemas.microsoft.com/office/powerpoint/2010/main" val="1006713132"/>
+      </p:ext>
+    </p:extLst>
+  </p:cSld>
+  <p:clrMapOvr>
+    <a:masterClrMapping/>
+  </p:clrMapOvr>
+</p:sld>
+</file>
+
+<file path=ppt/slides/slide8.xml><?xml version="1.0" encoding="utf-8"?>
+<p:sld xmlns:a="http://schemas.openxmlformats.org/drawingml/2006/main" xmlns:r="http://schemas.openxmlformats.org/officeDocument/2006/relationships" xmlns:p="http://schemas.openxmlformats.org/presentationml/2006/main">
+  <p:cSld>
+    <p:spTree>
+      <p:nvGrpSpPr>
+        <p:cNvPr id="1" name=""/>
+        <p:cNvGrpSpPr/>
+        <p:nvPr/>
+      </p:nvGrpSpPr>
+      <p:grpSpPr>
+        <a:xfrm>
+          <a:off x="0" y="0"/>
+          <a:ext cx="0" cy="0"/>
+          <a:chOff x="0" y="0"/>
+          <a:chExt cx="0" cy="0"/>
+        </a:xfrm>
+      </p:grpSpPr>
+      <p:grpSp>
+        <p:nvGrpSpPr>
+          <p:cNvPr id="65" name="组合 64">
+            <a:extLst>
+              <a:ext uri="{FF2B5EF4-FFF2-40B4-BE49-F238E27FC236}">
+                <a16:creationId xmlns:a16="http://schemas.microsoft.com/office/drawing/2014/main" xmlns="" id="{4915476D-4472-46C7-B08D-B0685FE9CBBD}"/>
+              </a:ext>
+            </a:extLst>
+          </p:cNvPr>
+          <p:cNvGrpSpPr/>
+          <p:nvPr/>
+        </p:nvGrpSpPr>
+        <p:grpSpPr>
+          <a:xfrm>
+            <a:off x="416772" y="979714"/>
+            <a:ext cx="10042656" cy="5144277"/>
+            <a:chOff x="416772" y="979714"/>
+            <a:chExt cx="10042656" cy="5144277"/>
+          </a:xfrm>
+        </p:grpSpPr>
+        <p:sp>
+          <p:nvSpPr>
+            <p:cNvPr id="4" name="矩形 3">
+              <a:extLst>
+                <a:ext uri="{FF2B5EF4-FFF2-40B4-BE49-F238E27FC236}">
+                  <a16:creationId xmlns:a16="http://schemas.microsoft.com/office/drawing/2014/main" xmlns="" id="{4321DFBB-A99F-455A-AD8F-F4DD635BDCB6}"/>
+                </a:ext>
+              </a:extLst>
+            </p:cNvPr>
+            <p:cNvSpPr/>
+            <p:nvPr/>
+          </p:nvSpPr>
+          <p:spPr>
+            <a:xfrm>
+              <a:off x="3349690" y="979714"/>
+              <a:ext cx="2827175" cy="475862"/>
+            </a:xfrm>
+            <a:prstGeom prst="rect">
+              <a:avLst/>
+            </a:prstGeom>
+          </p:spPr>
+          <p:style>
+            <a:lnRef idx="2">
+              <a:schemeClr val="dk1"/>
+            </a:lnRef>
+            <a:fillRef idx="1">
+              <a:schemeClr val="lt1"/>
+            </a:fillRef>
+            <a:effectRef idx="0">
+              <a:schemeClr val="dk1"/>
+            </a:effectRef>
+            <a:fontRef idx="minor">
+              <a:schemeClr val="dk1"/>
+            </a:fontRef>
+          </p:style>
+          <p:txBody>
+            <a:bodyPr rtlCol="0" anchor="ctr"/>
+            <a:lstStyle/>
+            <a:p>
+              <a:pPr algn="ctr"/>
+              <a:r>
+                <a:rPr lang="zh-CN" altLang="en-US" dirty="0"/>
+                <a:t>计算机语言在线考试系统</a:t>
+              </a:r>
+            </a:p>
+          </p:txBody>
+        </p:sp>
+        <p:sp>
+          <p:nvSpPr>
+            <p:cNvPr id="5" name="矩形 4">
+              <a:extLst>
+                <a:ext uri="{FF2B5EF4-FFF2-40B4-BE49-F238E27FC236}">
+                  <a16:creationId xmlns:a16="http://schemas.microsoft.com/office/drawing/2014/main" xmlns="" id="{B523D0AB-9FA2-48A1-960D-3D04733C6B5B}"/>
+                </a:ext>
+              </a:extLst>
+            </p:cNvPr>
+            <p:cNvSpPr/>
+            <p:nvPr/>
+          </p:nvSpPr>
+          <p:spPr>
+            <a:xfrm>
+              <a:off x="1206764" y="2331098"/>
+              <a:ext cx="1629746" cy="475862"/>
+            </a:xfrm>
+            <a:prstGeom prst="rect">
+              <a:avLst/>
+            </a:prstGeom>
+          </p:spPr>
+          <p:style>
+            <a:lnRef idx="2">
+              <a:schemeClr val="dk1"/>
+            </a:lnRef>
+            <a:fillRef idx="1">
+              <a:schemeClr val="lt1"/>
+            </a:fillRef>
+            <a:effectRef idx="0">
+              <a:schemeClr val="dk1"/>
+            </a:effectRef>
+            <a:fontRef idx="minor">
+              <a:schemeClr val="dk1"/>
+            </a:fontRef>
+          </p:style>
+          <p:txBody>
+            <a:bodyPr rtlCol="0" anchor="ctr"/>
+            <a:lstStyle/>
+            <a:p>
+              <a:pPr algn="ctr"/>
+              <a:r>
+                <a:rPr lang="zh-CN" altLang="zh-CN" sz="1600" dirty="0"/>
+                <a:t>试卷管理模块</a:t>
+              </a:r>
+              <a:endParaRPr lang="zh-CN" altLang="en-US" sz="1600" dirty="0"/>
+            </a:p>
+          </p:txBody>
+        </p:sp>
+        <p:sp>
+          <p:nvSpPr>
+            <p:cNvPr id="9" name="矩形 8">
+              <a:extLst>
+                <a:ext uri="{FF2B5EF4-FFF2-40B4-BE49-F238E27FC236}">
+                  <a16:creationId xmlns:a16="http://schemas.microsoft.com/office/drawing/2014/main" xmlns="" id="{CED56E48-FF0A-4BD4-83D8-628819822938}"/>
+                </a:ext>
+              </a:extLst>
+            </p:cNvPr>
+            <p:cNvSpPr/>
+            <p:nvPr/>
+          </p:nvSpPr>
+          <p:spPr>
+            <a:xfrm>
+              <a:off x="3948390" y="2315547"/>
+              <a:ext cx="1629746" cy="475862"/>
+            </a:xfrm>
+            <a:prstGeom prst="rect">
+              <a:avLst/>
+            </a:prstGeom>
+          </p:spPr>
+          <p:style>
+            <a:lnRef idx="2">
+              <a:schemeClr val="dk1"/>
+            </a:lnRef>
+            <a:fillRef idx="1">
+              <a:schemeClr val="lt1"/>
+            </a:fillRef>
+            <a:effectRef idx="0">
+              <a:schemeClr val="dk1"/>
+            </a:effectRef>
+            <a:fontRef idx="minor">
+              <a:schemeClr val="dk1"/>
+            </a:fontRef>
+          </p:style>
+          <p:txBody>
+            <a:bodyPr rtlCol="0" anchor="ctr"/>
+            <a:lstStyle/>
+            <a:p>
+              <a:pPr algn="ctr"/>
+              <a:r>
+                <a:rPr lang="zh-CN" altLang="en-US" sz="1600" dirty="0"/>
+                <a:t>题目</a:t>
+              </a:r>
+              <a:r>
+                <a:rPr lang="zh-CN" altLang="zh-CN" sz="1600" dirty="0"/>
+                <a:t>管理模块</a:t>
+              </a:r>
+              <a:endParaRPr lang="zh-CN" altLang="en-US" sz="1600" dirty="0"/>
+            </a:p>
+          </p:txBody>
+        </p:sp>
+        <p:sp>
+          <p:nvSpPr>
+            <p:cNvPr id="10" name="矩形 9">
+              <a:extLst>
+                <a:ext uri="{FF2B5EF4-FFF2-40B4-BE49-F238E27FC236}">
+                  <a16:creationId xmlns:a16="http://schemas.microsoft.com/office/drawing/2014/main" xmlns="" id="{0CA8EF15-E076-4AC6-B62D-132B0267B9A8}"/>
+                </a:ext>
+              </a:extLst>
+            </p:cNvPr>
+            <p:cNvSpPr/>
+            <p:nvPr/>
+          </p:nvSpPr>
+          <p:spPr>
+            <a:xfrm>
+              <a:off x="6383676" y="2328801"/>
+              <a:ext cx="1629746" cy="475862"/>
+            </a:xfrm>
+            <a:prstGeom prst="rect">
+              <a:avLst/>
+            </a:prstGeom>
+          </p:spPr>
+          <p:style>
+            <a:lnRef idx="2">
+              <a:schemeClr val="dk1"/>
+            </a:lnRef>
+            <a:fillRef idx="1">
+              <a:schemeClr val="lt1"/>
+            </a:fillRef>
+            <a:effectRef idx="0">
+              <a:schemeClr val="dk1"/>
+            </a:effectRef>
+            <a:fontRef idx="minor">
+              <a:schemeClr val="dk1"/>
+            </a:fontRef>
+          </p:style>
+          <p:txBody>
+            <a:bodyPr rtlCol="0" anchor="ctr"/>
+            <a:lstStyle/>
+            <a:p>
+              <a:pPr algn="ctr"/>
+              <a:r>
+                <a:rPr lang="zh-CN" altLang="en-US" sz="1600" dirty="0"/>
+                <a:t>用户</a:t>
+              </a:r>
+              <a:r>
+                <a:rPr lang="zh-CN" altLang="zh-CN" sz="1600" dirty="0"/>
+                <a:t>管理模块</a:t>
+              </a:r>
+              <a:endParaRPr lang="zh-CN" altLang="en-US" sz="1600" dirty="0"/>
+            </a:p>
+          </p:txBody>
+        </p:sp>
+        <p:sp>
+          <p:nvSpPr>
+            <p:cNvPr id="11" name="矩形 10">
+              <a:extLst>
+                <a:ext uri="{FF2B5EF4-FFF2-40B4-BE49-F238E27FC236}">
+                  <a16:creationId xmlns:a16="http://schemas.microsoft.com/office/drawing/2014/main" xmlns="" id="{62285FB2-B63E-45CD-A3BD-40C9A2FD310E}"/>
+                </a:ext>
+              </a:extLst>
+            </p:cNvPr>
+            <p:cNvSpPr/>
+            <p:nvPr/>
+          </p:nvSpPr>
+          <p:spPr>
+            <a:xfrm>
+              <a:off x="8781632" y="2328801"/>
+              <a:ext cx="1629746" cy="475862"/>
+            </a:xfrm>
+            <a:prstGeom prst="rect">
+              <a:avLst/>
+            </a:prstGeom>
+          </p:spPr>
+          <p:style>
+            <a:lnRef idx="2">
+              <a:schemeClr val="dk1"/>
+            </a:lnRef>
+            <a:fillRef idx="1">
+              <a:schemeClr val="lt1"/>
+            </a:fillRef>
+            <a:effectRef idx="0">
+              <a:schemeClr val="dk1"/>
+            </a:effectRef>
+            <a:fontRef idx="minor">
+              <a:schemeClr val="dk1"/>
+            </a:fontRef>
+          </p:style>
+          <p:txBody>
+            <a:bodyPr rtlCol="0" anchor="ctr"/>
+            <a:lstStyle/>
+            <a:p>
+              <a:pPr algn="ctr"/>
+              <a:r>
+                <a:rPr lang="zh-CN" altLang="en-US" sz="1600" dirty="0"/>
+                <a:t>成绩</a:t>
+              </a:r>
+              <a:r>
+                <a:rPr lang="zh-CN" altLang="zh-CN" sz="1600" dirty="0"/>
+                <a:t>管理模块</a:t>
+              </a:r>
+              <a:endParaRPr lang="zh-CN" altLang="en-US" sz="1600" dirty="0"/>
+            </a:p>
+          </p:txBody>
+        </p:sp>
+        <p:sp>
+          <p:nvSpPr>
+            <p:cNvPr id="14" name="矩形 13">
+              <a:extLst>
+                <a:ext uri="{FF2B5EF4-FFF2-40B4-BE49-F238E27FC236}">
+                  <a16:creationId xmlns:a16="http://schemas.microsoft.com/office/drawing/2014/main" xmlns="" id="{C3CA0F2F-3CF3-4FB6-A99B-AA7C118690B0}"/>
+                </a:ext>
+              </a:extLst>
+            </p:cNvPr>
+            <p:cNvSpPr/>
+            <p:nvPr/>
+          </p:nvSpPr>
+          <p:spPr>
+            <a:xfrm>
+              <a:off x="3708898" y="3175516"/>
+              <a:ext cx="385666" cy="1284515"/>
+            </a:xfrm>
+            <a:prstGeom prst="rect">
+              <a:avLst/>
+            </a:prstGeom>
+          </p:spPr>
+          <p:style>
+            <a:lnRef idx="2">
+              <a:schemeClr val="dk1"/>
+            </a:lnRef>
+            <a:fillRef idx="1">
+              <a:schemeClr val="lt1"/>
+            </a:fillRef>
+            <a:effectRef idx="0">
+              <a:schemeClr val="dk1"/>
+            </a:effectRef>
+            <a:fontRef idx="minor">
+              <a:schemeClr val="dk1"/>
+            </a:fontRef>
+          </p:style>
+          <p:txBody>
+            <a:bodyPr rtlCol="0" anchor="ctr"/>
+            <a:lstStyle/>
+            <a:p>
+              <a:pPr algn="ctr"/>
+              <a:r>
+                <a:rPr lang="zh-CN" altLang="en-US" sz="1600" dirty="0"/>
+                <a:t>增加题目</a:t>
+              </a:r>
+            </a:p>
+          </p:txBody>
+        </p:sp>
+        <p:sp>
+          <p:nvSpPr>
+            <p:cNvPr id="15" name="矩形 14">
+              <a:extLst>
+                <a:ext uri="{FF2B5EF4-FFF2-40B4-BE49-F238E27FC236}">
+                  <a16:creationId xmlns:a16="http://schemas.microsoft.com/office/drawing/2014/main" xmlns="" id="{606C16FA-3FB4-4EA3-8C39-1F185BBF58C0}"/>
+                </a:ext>
+              </a:extLst>
+            </p:cNvPr>
+            <p:cNvSpPr/>
+            <p:nvPr/>
+          </p:nvSpPr>
+          <p:spPr>
+            <a:xfrm>
+              <a:off x="4570444" y="3175516"/>
+              <a:ext cx="385666" cy="1284515"/>
+            </a:xfrm>
+            <a:prstGeom prst="rect">
+              <a:avLst/>
+            </a:prstGeom>
+          </p:spPr>
+          <p:style>
+            <a:lnRef idx="2">
+              <a:schemeClr val="dk1"/>
+            </a:lnRef>
+            <a:fillRef idx="1">
+              <a:schemeClr val="lt1"/>
+            </a:fillRef>
+            <a:effectRef idx="0">
+              <a:schemeClr val="dk1"/>
+            </a:effectRef>
+            <a:fontRef idx="minor">
+              <a:schemeClr val="dk1"/>
+            </a:fontRef>
+          </p:style>
+          <p:txBody>
+            <a:bodyPr rtlCol="0" anchor="ctr"/>
+            <a:lstStyle/>
+            <a:p>
+              <a:pPr algn="ctr"/>
+              <a:r>
+                <a:rPr lang="zh-CN" altLang="en-US" sz="1600" dirty="0"/>
+                <a:t>删除题目</a:t>
+              </a:r>
+            </a:p>
+          </p:txBody>
+        </p:sp>
+        <p:sp>
+          <p:nvSpPr>
+            <p:cNvPr id="16" name="矩形 15">
+              <a:extLst>
+                <a:ext uri="{FF2B5EF4-FFF2-40B4-BE49-F238E27FC236}">
+                  <a16:creationId xmlns:a16="http://schemas.microsoft.com/office/drawing/2014/main" xmlns="" id="{AC479F83-F97C-4F34-A58A-4C1D6B11AE7C}"/>
+                </a:ext>
+              </a:extLst>
+            </p:cNvPr>
+            <p:cNvSpPr/>
+            <p:nvPr/>
+          </p:nvSpPr>
+          <p:spPr>
+            <a:xfrm>
+              <a:off x="5439310" y="3179433"/>
+              <a:ext cx="385666" cy="1284515"/>
+            </a:xfrm>
+            <a:prstGeom prst="rect">
+              <a:avLst/>
+            </a:prstGeom>
+          </p:spPr>
+          <p:style>
+            <a:lnRef idx="2">
+              <a:schemeClr val="dk1"/>
+            </a:lnRef>
+            <a:fillRef idx="1">
+              <a:schemeClr val="lt1"/>
+            </a:fillRef>
+            <a:effectRef idx="0">
+              <a:schemeClr val="dk1"/>
+            </a:effectRef>
+            <a:fontRef idx="minor">
+              <a:schemeClr val="dk1"/>
+            </a:fontRef>
+          </p:style>
+          <p:txBody>
+            <a:bodyPr rtlCol="0" anchor="ctr"/>
+            <a:lstStyle/>
+            <a:p>
+              <a:pPr algn="ctr"/>
+              <a:r>
+                <a:rPr lang="zh-CN" altLang="en-US" sz="1600" dirty="0"/>
+                <a:t>修改题目</a:t>
+              </a:r>
+            </a:p>
+          </p:txBody>
+        </p:sp>
+        <p:sp>
+          <p:nvSpPr>
+            <p:cNvPr id="17" name="矩形 16">
+              <a:extLst>
+                <a:ext uri="{FF2B5EF4-FFF2-40B4-BE49-F238E27FC236}">
+                  <a16:creationId xmlns:a16="http://schemas.microsoft.com/office/drawing/2014/main" xmlns="" id="{C3AD2732-EADB-471E-BA37-928EB099E6B1}"/>
+                </a:ext>
+              </a:extLst>
+            </p:cNvPr>
+            <p:cNvSpPr/>
+            <p:nvPr/>
+          </p:nvSpPr>
+          <p:spPr>
+            <a:xfrm>
+              <a:off x="803990" y="3175516"/>
+              <a:ext cx="385666" cy="1284515"/>
+            </a:xfrm>
+            <a:prstGeom prst="rect">
+              <a:avLst/>
+            </a:prstGeom>
+          </p:spPr>
+          <p:style>
+            <a:lnRef idx="2">
+              <a:schemeClr val="dk1"/>
+            </a:lnRef>
+            <a:fillRef idx="1">
+              <a:schemeClr val="lt1"/>
+            </a:fillRef>
+            <a:effectRef idx="0">
+              <a:schemeClr val="dk1"/>
+            </a:effectRef>
+            <a:fontRef idx="minor">
+              <a:schemeClr val="dk1"/>
+            </a:fontRef>
+          </p:style>
+          <p:txBody>
+            <a:bodyPr rtlCol="0" anchor="ctr"/>
+            <a:lstStyle/>
+            <a:p>
+              <a:pPr algn="ctr"/>
+              <a:r>
+                <a:rPr lang="zh-CN" altLang="en-US" sz="1600" dirty="0"/>
+                <a:t>试卷模板</a:t>
+              </a:r>
+            </a:p>
+          </p:txBody>
+        </p:sp>
+        <p:sp>
+          <p:nvSpPr>
+            <p:cNvPr id="18" name="矩形 17">
+              <a:extLst>
+                <a:ext uri="{FF2B5EF4-FFF2-40B4-BE49-F238E27FC236}">
+                  <a16:creationId xmlns:a16="http://schemas.microsoft.com/office/drawing/2014/main" xmlns="" id="{F2849321-580A-4D43-9974-6BD3C82581A1}"/>
+                </a:ext>
+              </a:extLst>
+            </p:cNvPr>
+            <p:cNvSpPr/>
+            <p:nvPr/>
+          </p:nvSpPr>
+          <p:spPr>
+            <a:xfrm>
+              <a:off x="1463354" y="3175516"/>
+              <a:ext cx="385666" cy="1284515"/>
+            </a:xfrm>
+            <a:prstGeom prst="rect">
+              <a:avLst/>
+            </a:prstGeom>
+          </p:spPr>
+          <p:style>
+            <a:lnRef idx="2">
+              <a:schemeClr val="dk1"/>
+            </a:lnRef>
+            <a:fillRef idx="1">
+              <a:schemeClr val="lt1"/>
+            </a:fillRef>
+            <a:effectRef idx="0">
+              <a:schemeClr val="dk1"/>
+            </a:effectRef>
+            <a:fontRef idx="minor">
+              <a:schemeClr val="dk1"/>
+            </a:fontRef>
+          </p:style>
+          <p:txBody>
+            <a:bodyPr rtlCol="0" anchor="ctr"/>
+            <a:lstStyle/>
+            <a:p>
+              <a:pPr algn="ctr"/>
+              <a:r>
+                <a:rPr lang="zh-CN" altLang="en-US" sz="1600" dirty="0"/>
+                <a:t>考试安排</a:t>
+              </a:r>
+            </a:p>
+          </p:txBody>
+        </p:sp>
+        <p:sp>
+          <p:nvSpPr>
+            <p:cNvPr id="19" name="矩形 18">
+              <a:extLst>
+                <a:ext uri="{FF2B5EF4-FFF2-40B4-BE49-F238E27FC236}">
+                  <a16:creationId xmlns:a16="http://schemas.microsoft.com/office/drawing/2014/main" xmlns="" id="{B3DF8881-4D7F-4795-9F3F-A4BAF5B6CD2A}"/>
+                </a:ext>
+              </a:extLst>
+            </p:cNvPr>
+            <p:cNvSpPr/>
+            <p:nvPr/>
+          </p:nvSpPr>
+          <p:spPr>
+            <a:xfrm>
+              <a:off x="2122718" y="3175513"/>
+              <a:ext cx="385666" cy="1284515"/>
+            </a:xfrm>
+            <a:prstGeom prst="rect">
+              <a:avLst/>
+            </a:prstGeom>
+          </p:spPr>
+          <p:style>
+            <a:lnRef idx="2">
+              <a:schemeClr val="dk1"/>
+            </a:lnRef>
+            <a:fillRef idx="1">
+              <a:schemeClr val="lt1"/>
+            </a:fillRef>
+            <a:effectRef idx="0">
+              <a:schemeClr val="dk1"/>
+            </a:effectRef>
+            <a:fontRef idx="minor">
+              <a:schemeClr val="dk1"/>
+            </a:fontRef>
+          </p:style>
+          <p:txBody>
+            <a:bodyPr rtlCol="0" anchor="ctr"/>
+            <a:lstStyle/>
+            <a:p>
+              <a:pPr algn="ctr"/>
+              <a:r>
+                <a:rPr lang="zh-CN" altLang="en-US" sz="1600" dirty="0"/>
+                <a:t>自动组卷</a:t>
+              </a:r>
+            </a:p>
+          </p:txBody>
+        </p:sp>
+        <p:sp>
+          <p:nvSpPr>
+            <p:cNvPr id="20" name="矩形 19">
+              <a:extLst>
+                <a:ext uri="{FF2B5EF4-FFF2-40B4-BE49-F238E27FC236}">
+                  <a16:creationId xmlns:a16="http://schemas.microsoft.com/office/drawing/2014/main" xmlns="" id="{7185E1D2-B3AF-4C2D-BAB3-AE40A0F2CFB2}"/>
+                </a:ext>
+              </a:extLst>
+            </p:cNvPr>
+            <p:cNvSpPr/>
+            <p:nvPr/>
+          </p:nvSpPr>
+          <p:spPr>
+            <a:xfrm>
+              <a:off x="2782082" y="3179433"/>
+              <a:ext cx="385666" cy="1284515"/>
+            </a:xfrm>
+            <a:prstGeom prst="rect">
+              <a:avLst/>
+            </a:prstGeom>
+          </p:spPr>
+          <p:style>
+            <a:lnRef idx="2">
+              <a:schemeClr val="dk1"/>
+            </a:lnRef>
+            <a:fillRef idx="1">
+              <a:schemeClr val="lt1"/>
+            </a:fillRef>
+            <a:effectRef idx="0">
+              <a:schemeClr val="dk1"/>
+            </a:effectRef>
+            <a:fontRef idx="minor">
+              <a:schemeClr val="dk1"/>
+            </a:fontRef>
+          </p:style>
+          <p:txBody>
+            <a:bodyPr rtlCol="0" anchor="ctr"/>
+            <a:lstStyle/>
+            <a:p>
+              <a:pPr algn="ctr"/>
+              <a:r>
+                <a:rPr lang="zh-CN" altLang="en-US" sz="1600" dirty="0"/>
+                <a:t>评阅试卷</a:t>
+              </a:r>
+            </a:p>
+          </p:txBody>
+        </p:sp>
+        <p:sp>
+          <p:nvSpPr>
+            <p:cNvPr id="21" name="矩形 20">
+              <a:extLst>
+                <a:ext uri="{FF2B5EF4-FFF2-40B4-BE49-F238E27FC236}">
+                  <a16:creationId xmlns:a16="http://schemas.microsoft.com/office/drawing/2014/main" xmlns="" id="{A9C282DA-6DAD-4DAB-B9D2-9253F1103B08}"/>
+                </a:ext>
+              </a:extLst>
+            </p:cNvPr>
+            <p:cNvSpPr/>
+            <p:nvPr/>
+          </p:nvSpPr>
+          <p:spPr>
+            <a:xfrm>
+              <a:off x="6259258" y="3166174"/>
+              <a:ext cx="385666" cy="1284515"/>
+            </a:xfrm>
+            <a:prstGeom prst="rect">
+              <a:avLst/>
+            </a:prstGeom>
+          </p:spPr>
+          <p:style>
+            <a:lnRef idx="2">
+              <a:schemeClr val="dk1"/>
+            </a:lnRef>
+            <a:fillRef idx="1">
+              <a:schemeClr val="lt1"/>
+            </a:fillRef>
+            <a:effectRef idx="0">
+              <a:schemeClr val="dk1"/>
+            </a:effectRef>
+            <a:fontRef idx="minor">
+              <a:schemeClr val="dk1"/>
+            </a:fontRef>
+          </p:style>
+          <p:txBody>
+            <a:bodyPr rtlCol="0" anchor="ctr"/>
+            <a:lstStyle/>
+            <a:p>
+              <a:pPr algn="ctr"/>
+              <a:r>
+                <a:rPr lang="zh-CN" altLang="en-US" sz="1600" dirty="0"/>
+                <a:t>注册用户</a:t>
+              </a:r>
+            </a:p>
+          </p:txBody>
+        </p:sp>
+        <p:sp>
+          <p:nvSpPr>
+            <p:cNvPr id="22" name="矩形 21">
+              <a:extLst>
+                <a:ext uri="{FF2B5EF4-FFF2-40B4-BE49-F238E27FC236}">
+                  <a16:creationId xmlns:a16="http://schemas.microsoft.com/office/drawing/2014/main" xmlns="" id="{9FEF31CB-A27C-4FB4-B0EC-4631AFEA4123}"/>
+                </a:ext>
+              </a:extLst>
+            </p:cNvPr>
+            <p:cNvSpPr/>
+            <p:nvPr/>
+          </p:nvSpPr>
+          <p:spPr>
+            <a:xfrm>
+              <a:off x="7015806" y="3175516"/>
+              <a:ext cx="385666" cy="1284515"/>
+            </a:xfrm>
+            <a:prstGeom prst="rect">
+              <a:avLst/>
+            </a:prstGeom>
+          </p:spPr>
+          <p:style>
+            <a:lnRef idx="2">
+              <a:schemeClr val="dk1"/>
+            </a:lnRef>
+            <a:fillRef idx="1">
+              <a:schemeClr val="lt1"/>
+            </a:fillRef>
+            <a:effectRef idx="0">
+              <a:schemeClr val="dk1"/>
+            </a:effectRef>
+            <a:fontRef idx="minor">
+              <a:schemeClr val="dk1"/>
+            </a:fontRef>
+          </p:style>
+          <p:txBody>
+            <a:bodyPr rtlCol="0" anchor="ctr"/>
+            <a:lstStyle/>
+            <a:p>
+              <a:pPr algn="ctr"/>
+              <a:r>
+                <a:rPr lang="zh-CN" altLang="en-US" sz="1600" dirty="0"/>
+                <a:t>修改信息</a:t>
+              </a:r>
+            </a:p>
+          </p:txBody>
+        </p:sp>
+        <p:sp>
+          <p:nvSpPr>
+            <p:cNvPr id="23" name="矩形 22">
+              <a:extLst>
+                <a:ext uri="{FF2B5EF4-FFF2-40B4-BE49-F238E27FC236}">
+                  <a16:creationId xmlns:a16="http://schemas.microsoft.com/office/drawing/2014/main" xmlns="" id="{EFA1AB1C-4DB7-4BFE-BB7F-08F14EAF56B7}"/>
+                </a:ext>
+              </a:extLst>
+            </p:cNvPr>
+            <p:cNvSpPr/>
+            <p:nvPr/>
+          </p:nvSpPr>
+          <p:spPr>
+            <a:xfrm>
+              <a:off x="7736590" y="3166172"/>
+              <a:ext cx="385666" cy="1284515"/>
+            </a:xfrm>
+            <a:prstGeom prst="rect">
+              <a:avLst/>
+            </a:prstGeom>
+          </p:spPr>
+          <p:style>
+            <a:lnRef idx="2">
+              <a:schemeClr val="dk1"/>
+            </a:lnRef>
+            <a:fillRef idx="1">
+              <a:schemeClr val="lt1"/>
+            </a:fillRef>
+            <a:effectRef idx="0">
+              <a:schemeClr val="dk1"/>
+            </a:effectRef>
+            <a:fontRef idx="minor">
+              <a:schemeClr val="dk1"/>
+            </a:fontRef>
+          </p:style>
+          <p:txBody>
+            <a:bodyPr rtlCol="0" anchor="ctr"/>
+            <a:lstStyle/>
+            <a:p>
+              <a:pPr algn="ctr"/>
+              <a:r>
+                <a:rPr lang="zh-CN" altLang="en-US" sz="1600" dirty="0"/>
+                <a:t>查询用户</a:t>
+              </a:r>
+            </a:p>
+          </p:txBody>
+        </p:sp>
+        <p:sp>
+          <p:nvSpPr>
+            <p:cNvPr id="24" name="矩形 23">
+              <a:extLst>
+                <a:ext uri="{FF2B5EF4-FFF2-40B4-BE49-F238E27FC236}">
+                  <a16:creationId xmlns:a16="http://schemas.microsoft.com/office/drawing/2014/main" xmlns="" id="{5F880B4D-1F46-474A-8492-329ED408B27D}"/>
+                </a:ext>
+              </a:extLst>
+            </p:cNvPr>
+            <p:cNvSpPr/>
+            <p:nvPr/>
+          </p:nvSpPr>
+          <p:spPr>
+            <a:xfrm>
+              <a:off x="8767542" y="3166170"/>
+              <a:ext cx="385666" cy="1284515"/>
+            </a:xfrm>
+            <a:prstGeom prst="rect">
+              <a:avLst/>
+            </a:prstGeom>
+          </p:spPr>
+          <p:style>
+            <a:lnRef idx="2">
+              <a:schemeClr val="dk1"/>
+            </a:lnRef>
+            <a:fillRef idx="1">
+              <a:schemeClr val="lt1"/>
+            </a:fillRef>
+            <a:effectRef idx="0">
+              <a:schemeClr val="dk1"/>
+            </a:effectRef>
+            <a:fontRef idx="minor">
+              <a:schemeClr val="dk1"/>
+            </a:fontRef>
+          </p:style>
+          <p:txBody>
+            <a:bodyPr rtlCol="0" anchor="ctr"/>
+            <a:lstStyle/>
+            <a:p>
+              <a:pPr algn="ctr"/>
+              <a:r>
+                <a:rPr lang="zh-CN" altLang="en-US" sz="1600" dirty="0"/>
+                <a:t>考生查询</a:t>
+              </a:r>
+            </a:p>
+          </p:txBody>
+        </p:sp>
+        <p:sp>
+          <p:nvSpPr>
+            <p:cNvPr id="25" name="矩形 24">
+              <a:extLst>
+                <a:ext uri="{FF2B5EF4-FFF2-40B4-BE49-F238E27FC236}">
+                  <a16:creationId xmlns:a16="http://schemas.microsoft.com/office/drawing/2014/main" xmlns="" id="{026267A0-BCEC-450A-B9AF-33F98A790C69}"/>
+                </a:ext>
+              </a:extLst>
+            </p:cNvPr>
+            <p:cNvSpPr/>
+            <p:nvPr/>
+          </p:nvSpPr>
+          <p:spPr>
+            <a:xfrm>
+              <a:off x="10073762" y="3166169"/>
+              <a:ext cx="385666" cy="1284515"/>
+            </a:xfrm>
+            <a:prstGeom prst="rect">
+              <a:avLst/>
+            </a:prstGeom>
+          </p:spPr>
+          <p:style>
+            <a:lnRef idx="2">
+              <a:schemeClr val="dk1"/>
+            </a:lnRef>
+            <a:fillRef idx="1">
+              <a:schemeClr val="lt1"/>
+            </a:fillRef>
+            <a:effectRef idx="0">
+              <a:schemeClr val="dk1"/>
+            </a:effectRef>
+            <a:fontRef idx="minor">
+              <a:schemeClr val="dk1"/>
+            </a:fontRef>
+          </p:style>
+          <p:txBody>
+            <a:bodyPr rtlCol="0" anchor="ctr"/>
+            <a:lstStyle/>
+            <a:p>
+              <a:pPr algn="ctr"/>
+              <a:r>
+                <a:rPr lang="zh-CN" altLang="en-US" sz="1600" dirty="0"/>
+                <a:t>教师查询</a:t>
+              </a:r>
+            </a:p>
+          </p:txBody>
+        </p:sp>
+        <p:sp>
+          <p:nvSpPr>
+            <p:cNvPr id="26" name="矩形 25">
+              <a:extLst>
+                <a:ext uri="{FF2B5EF4-FFF2-40B4-BE49-F238E27FC236}">
+                  <a16:creationId xmlns:a16="http://schemas.microsoft.com/office/drawing/2014/main" xmlns="" id="{B314B2E2-74D4-406F-B508-E28516E96E47}"/>
+                </a:ext>
+              </a:extLst>
+            </p:cNvPr>
+            <p:cNvSpPr/>
+            <p:nvPr/>
+          </p:nvSpPr>
+          <p:spPr>
+            <a:xfrm>
+              <a:off x="416772" y="4839476"/>
+              <a:ext cx="385666" cy="1284515"/>
+            </a:xfrm>
+            <a:prstGeom prst="rect">
+              <a:avLst/>
+            </a:prstGeom>
+          </p:spPr>
+          <p:style>
+            <a:lnRef idx="2">
+              <a:schemeClr val="dk1"/>
+            </a:lnRef>
+            <a:fillRef idx="1">
+              <a:schemeClr val="lt1"/>
+            </a:fillRef>
+            <a:effectRef idx="0">
+              <a:schemeClr val="dk1"/>
+            </a:effectRef>
+            <a:fontRef idx="minor">
+              <a:schemeClr val="dk1"/>
+            </a:fontRef>
+          </p:style>
+          <p:txBody>
+            <a:bodyPr rtlCol="0" anchor="ctr"/>
+            <a:lstStyle/>
+            <a:p>
+              <a:pPr algn="ctr"/>
+              <a:r>
+                <a:rPr lang="zh-CN" altLang="en-US" sz="1600" dirty="0"/>
+                <a:t>考试科目</a:t>
+              </a:r>
+            </a:p>
+          </p:txBody>
+        </p:sp>
+        <p:sp>
+          <p:nvSpPr>
+            <p:cNvPr id="27" name="矩形 26">
+              <a:extLst>
+                <a:ext uri="{FF2B5EF4-FFF2-40B4-BE49-F238E27FC236}">
+                  <a16:creationId xmlns:a16="http://schemas.microsoft.com/office/drawing/2014/main" xmlns="" id="{C54F138B-29FB-4A94-B986-465D1002D2F4}"/>
+                </a:ext>
+              </a:extLst>
+            </p:cNvPr>
+            <p:cNvSpPr/>
+            <p:nvPr/>
+          </p:nvSpPr>
+          <p:spPr>
+            <a:xfrm>
+              <a:off x="1115150" y="4839476"/>
+              <a:ext cx="385666" cy="1284515"/>
+            </a:xfrm>
+            <a:prstGeom prst="rect">
+              <a:avLst/>
+            </a:prstGeom>
+          </p:spPr>
+          <p:style>
+            <a:lnRef idx="2">
+              <a:schemeClr val="dk1"/>
+            </a:lnRef>
+            <a:fillRef idx="1">
+              <a:schemeClr val="lt1"/>
+            </a:fillRef>
+            <a:effectRef idx="0">
+              <a:schemeClr val="dk1"/>
+            </a:effectRef>
+            <a:fontRef idx="minor">
+              <a:schemeClr val="dk1"/>
+            </a:fontRef>
+          </p:style>
+          <p:txBody>
+            <a:bodyPr rtlCol="0" anchor="ctr"/>
+            <a:lstStyle/>
+            <a:p>
+              <a:pPr algn="ctr"/>
+              <a:r>
+                <a:rPr lang="zh-CN" altLang="en-US" sz="1600" dirty="0"/>
+                <a:t>题目管理</a:t>
+              </a:r>
+            </a:p>
+          </p:txBody>
+        </p:sp>
+        <p:cxnSp>
+          <p:nvCxnSpPr>
+            <p:cNvPr id="29" name="连接符: 肘形 28">
+              <a:extLst>
+                <a:ext uri="{FF2B5EF4-FFF2-40B4-BE49-F238E27FC236}">
+                  <a16:creationId xmlns:a16="http://schemas.microsoft.com/office/drawing/2014/main" xmlns="" id="{20C32A6F-59BF-42B1-9071-844786451EAE}"/>
+                </a:ext>
+              </a:extLst>
+            </p:cNvPr>
+            <p:cNvCxnSpPr>
+              <a:stCxn id="4" idx="2"/>
+              <a:endCxn id="5" idx="0"/>
+            </p:cNvCxnSpPr>
+            <p:nvPr/>
+          </p:nvCxnSpPr>
+          <p:spPr>
+            <a:xfrm rot="5400000">
+              <a:off x="2954697" y="522517"/>
+              <a:ext cx="875522" cy="2741641"/>
+            </a:xfrm>
+            <a:prstGeom prst="bentConnector3">
+              <a:avLst/>
+            </a:prstGeom>
+            <a:ln>
+              <a:tailEnd type="triangle"/>
+            </a:ln>
+          </p:spPr>
+          <p:style>
+            <a:lnRef idx="2">
+              <a:schemeClr val="dk1"/>
+            </a:lnRef>
+            <a:fillRef idx="1">
+              <a:schemeClr val="lt1"/>
+            </a:fillRef>
+            <a:effectRef idx="0">
+              <a:schemeClr val="dk1"/>
+            </a:effectRef>
+            <a:fontRef idx="minor">
+              <a:schemeClr val="dk1"/>
+            </a:fontRef>
+          </p:style>
+        </p:cxnSp>
+        <p:cxnSp>
+          <p:nvCxnSpPr>
+            <p:cNvPr id="31" name="连接符: 肘形 30">
+              <a:extLst>
+                <a:ext uri="{FF2B5EF4-FFF2-40B4-BE49-F238E27FC236}">
+                  <a16:creationId xmlns:a16="http://schemas.microsoft.com/office/drawing/2014/main" xmlns="" id="{95A9C37D-24D6-489D-85D1-9B19EC8A7BE7}"/>
+                </a:ext>
+              </a:extLst>
+            </p:cNvPr>
+            <p:cNvCxnSpPr>
+              <a:stCxn id="4" idx="2"/>
+              <a:endCxn id="9" idx="0"/>
+            </p:cNvCxnSpPr>
+            <p:nvPr/>
+          </p:nvCxnSpPr>
+          <p:spPr>
+            <a:xfrm rot="5400000">
+              <a:off x="4333286" y="1885554"/>
+              <a:ext cx="859971" cy="15"/>
+            </a:xfrm>
+            <a:prstGeom prst="bentConnector3">
+              <a:avLst/>
+            </a:prstGeom>
+            <a:ln>
+              <a:tailEnd type="triangle"/>
+            </a:ln>
+          </p:spPr>
+          <p:style>
+            <a:lnRef idx="2">
+              <a:schemeClr val="dk1"/>
+            </a:lnRef>
+            <a:fillRef idx="1">
+              <a:schemeClr val="lt1"/>
+            </a:fillRef>
+            <a:effectRef idx="0">
+              <a:schemeClr val="dk1"/>
+            </a:effectRef>
+            <a:fontRef idx="minor">
+              <a:schemeClr val="dk1"/>
+            </a:fontRef>
+          </p:style>
+        </p:cxnSp>
+        <p:cxnSp>
+          <p:nvCxnSpPr>
+            <p:cNvPr id="33" name="连接符: 肘形 32">
+              <a:extLst>
+                <a:ext uri="{FF2B5EF4-FFF2-40B4-BE49-F238E27FC236}">
+                  <a16:creationId xmlns:a16="http://schemas.microsoft.com/office/drawing/2014/main" xmlns="" id="{89359031-9CB0-4EFE-A135-2AD629B7D1D7}"/>
+                </a:ext>
+              </a:extLst>
+            </p:cNvPr>
+            <p:cNvCxnSpPr>
+              <a:stCxn id="4" idx="2"/>
+              <a:endCxn id="10" idx="0"/>
+            </p:cNvCxnSpPr>
+            <p:nvPr/>
+          </p:nvCxnSpPr>
+          <p:spPr>
+            <a:xfrm rot="16200000" flipH="1">
+              <a:off x="5544301" y="674552"/>
+              <a:ext cx="873225" cy="2435271"/>
+            </a:xfrm>
+            <a:prstGeom prst="bentConnector3">
+              <a:avLst/>
+            </a:prstGeom>
+            <a:ln>
+              <a:tailEnd type="triangle"/>
+            </a:ln>
+          </p:spPr>
+          <p:style>
+            <a:lnRef idx="2">
+              <a:schemeClr val="dk1"/>
+            </a:lnRef>
+            <a:fillRef idx="1">
+              <a:schemeClr val="lt1"/>
+            </a:fillRef>
+            <a:effectRef idx="0">
+              <a:schemeClr val="dk1"/>
+            </a:effectRef>
+            <a:fontRef idx="minor">
+              <a:schemeClr val="dk1"/>
+            </a:fontRef>
+          </p:style>
+        </p:cxnSp>
+        <p:cxnSp>
+          <p:nvCxnSpPr>
+            <p:cNvPr id="35" name="连接符: 肘形 34">
+              <a:extLst>
+                <a:ext uri="{FF2B5EF4-FFF2-40B4-BE49-F238E27FC236}">
+                  <a16:creationId xmlns:a16="http://schemas.microsoft.com/office/drawing/2014/main" xmlns="" id="{61974F4C-992B-47EA-B738-C8D942F236A1}"/>
+                </a:ext>
+              </a:extLst>
+            </p:cNvPr>
+            <p:cNvCxnSpPr>
+              <a:stCxn id="4" idx="2"/>
+              <a:endCxn id="11" idx="0"/>
+            </p:cNvCxnSpPr>
+            <p:nvPr/>
+          </p:nvCxnSpPr>
+          <p:spPr>
+            <a:xfrm rot="16200000" flipH="1">
+              <a:off x="6743279" y="-524426"/>
+              <a:ext cx="873225" cy="4833227"/>
+            </a:xfrm>
+            <a:prstGeom prst="bentConnector3">
+              <a:avLst/>
+            </a:prstGeom>
+            <a:ln>
+              <a:tailEnd type="triangle"/>
+            </a:ln>
+          </p:spPr>
+          <p:style>
+            <a:lnRef idx="2">
+              <a:schemeClr val="dk1"/>
+            </a:lnRef>
+            <a:fillRef idx="1">
+              <a:schemeClr val="lt1"/>
+            </a:fillRef>
+            <a:effectRef idx="0">
+              <a:schemeClr val="dk1"/>
+            </a:effectRef>
+            <a:fontRef idx="minor">
+              <a:schemeClr val="dk1"/>
+            </a:fontRef>
+          </p:style>
+        </p:cxnSp>
+        <p:cxnSp>
+          <p:nvCxnSpPr>
+            <p:cNvPr id="37" name="连接符: 肘形 36">
+              <a:extLst>
+                <a:ext uri="{FF2B5EF4-FFF2-40B4-BE49-F238E27FC236}">
+                  <a16:creationId xmlns:a16="http://schemas.microsoft.com/office/drawing/2014/main" xmlns="" id="{CFBA42A7-1131-4F44-94B5-5FFBD11C27A0}"/>
+                </a:ext>
+              </a:extLst>
+            </p:cNvPr>
+            <p:cNvCxnSpPr>
+              <a:stCxn id="5" idx="2"/>
+              <a:endCxn id="17" idx="0"/>
+            </p:cNvCxnSpPr>
+            <p:nvPr/>
+          </p:nvCxnSpPr>
+          <p:spPr>
+            <a:xfrm rot="5400000">
+              <a:off x="1324952" y="2478831"/>
+              <a:ext cx="368556" cy="1024814"/>
+            </a:xfrm>
+            <a:prstGeom prst="bentConnector3">
+              <a:avLst/>
+            </a:prstGeom>
+            <a:ln>
+              <a:tailEnd type="triangle"/>
+            </a:ln>
+          </p:spPr>
+          <p:style>
+            <a:lnRef idx="2">
+              <a:schemeClr val="dk1"/>
+            </a:lnRef>
+            <a:fillRef idx="1">
+              <a:schemeClr val="lt1"/>
+            </a:fillRef>
+            <a:effectRef idx="0">
+              <a:schemeClr val="dk1"/>
+            </a:effectRef>
+            <a:fontRef idx="minor">
+              <a:schemeClr val="dk1"/>
+            </a:fontRef>
+          </p:style>
+        </p:cxnSp>
+        <p:cxnSp>
+          <p:nvCxnSpPr>
+            <p:cNvPr id="39" name="连接符: 肘形 38">
+              <a:extLst>
+                <a:ext uri="{FF2B5EF4-FFF2-40B4-BE49-F238E27FC236}">
+                  <a16:creationId xmlns:a16="http://schemas.microsoft.com/office/drawing/2014/main" xmlns="" id="{0F0C1241-88E1-4351-BE6B-EB1D99C1E42A}"/>
+                </a:ext>
+              </a:extLst>
+            </p:cNvPr>
+            <p:cNvCxnSpPr>
+              <a:stCxn id="5" idx="2"/>
+              <a:endCxn id="18" idx="0"/>
+            </p:cNvCxnSpPr>
+            <p:nvPr/>
+          </p:nvCxnSpPr>
+          <p:spPr>
+            <a:xfrm rot="5400000">
+              <a:off x="1654634" y="2808513"/>
+              <a:ext cx="368556" cy="365450"/>
+            </a:xfrm>
+            <a:prstGeom prst="bentConnector3">
+              <a:avLst/>
+            </a:prstGeom>
+            <a:ln>
+              <a:tailEnd type="triangle"/>
+            </a:ln>
+          </p:spPr>
+          <p:style>
+            <a:lnRef idx="2">
+              <a:schemeClr val="dk1"/>
+            </a:lnRef>
+            <a:fillRef idx="1">
+              <a:schemeClr val="lt1"/>
+            </a:fillRef>
+            <a:effectRef idx="0">
+              <a:schemeClr val="dk1"/>
+            </a:effectRef>
+            <a:fontRef idx="minor">
+              <a:schemeClr val="dk1"/>
+            </a:fontRef>
+          </p:style>
+        </p:cxnSp>
+        <p:cxnSp>
+          <p:nvCxnSpPr>
+            <p:cNvPr id="41" name="连接符: 肘形 40">
+              <a:extLst>
+                <a:ext uri="{FF2B5EF4-FFF2-40B4-BE49-F238E27FC236}">
+                  <a16:creationId xmlns:a16="http://schemas.microsoft.com/office/drawing/2014/main" xmlns="" id="{A138B537-26D4-4294-BBE3-E66801B39684}"/>
+                </a:ext>
+              </a:extLst>
+            </p:cNvPr>
+            <p:cNvCxnSpPr>
+              <a:stCxn id="5" idx="2"/>
+              <a:endCxn id="19" idx="0"/>
+            </p:cNvCxnSpPr>
+            <p:nvPr/>
+          </p:nvCxnSpPr>
+          <p:spPr>
+            <a:xfrm rot="16200000" flipH="1">
+              <a:off x="1984318" y="2844279"/>
+              <a:ext cx="368553" cy="293914"/>
+            </a:xfrm>
+            <a:prstGeom prst="bentConnector3">
+              <a:avLst/>
+            </a:prstGeom>
+            <a:ln>
+              <a:tailEnd type="triangle"/>
+            </a:ln>
+          </p:spPr>
+          <p:style>
+            <a:lnRef idx="2">
+              <a:schemeClr val="dk1"/>
+            </a:lnRef>
+            <a:fillRef idx="1">
+              <a:schemeClr val="lt1"/>
+            </a:fillRef>
+            <a:effectRef idx="0">
+              <a:schemeClr val="dk1"/>
+            </a:effectRef>
+            <a:fontRef idx="minor">
+              <a:schemeClr val="dk1"/>
+            </a:fontRef>
+          </p:style>
+        </p:cxnSp>
+        <p:cxnSp>
+          <p:nvCxnSpPr>
+            <p:cNvPr id="43" name="连接符: 肘形 42">
+              <a:extLst>
+                <a:ext uri="{FF2B5EF4-FFF2-40B4-BE49-F238E27FC236}">
+                  <a16:creationId xmlns:a16="http://schemas.microsoft.com/office/drawing/2014/main" xmlns="" id="{CEEF65B1-5B81-49D7-AD6C-33163E345F11}"/>
+                </a:ext>
+              </a:extLst>
+            </p:cNvPr>
+            <p:cNvCxnSpPr>
+              <a:stCxn id="5" idx="2"/>
+              <a:endCxn id="20" idx="0"/>
+            </p:cNvCxnSpPr>
+            <p:nvPr/>
+          </p:nvCxnSpPr>
+          <p:spPr>
+            <a:xfrm rot="16200000" flipH="1">
+              <a:off x="2312040" y="2516557"/>
+              <a:ext cx="372473" cy="953278"/>
+            </a:xfrm>
+            <a:prstGeom prst="bentConnector3">
+              <a:avLst/>
+            </a:prstGeom>
+            <a:ln>
+              <a:tailEnd type="triangle"/>
+            </a:ln>
+          </p:spPr>
+          <p:style>
+            <a:lnRef idx="2">
+              <a:schemeClr val="dk1"/>
+            </a:lnRef>
+            <a:fillRef idx="1">
+              <a:schemeClr val="lt1"/>
+            </a:fillRef>
+            <a:effectRef idx="0">
+              <a:schemeClr val="dk1"/>
+            </a:effectRef>
+            <a:fontRef idx="minor">
+              <a:schemeClr val="dk1"/>
+            </a:fontRef>
+          </p:style>
+        </p:cxnSp>
+        <p:cxnSp>
+          <p:nvCxnSpPr>
+            <p:cNvPr id="45" name="连接符: 肘形 44">
+              <a:extLst>
+                <a:ext uri="{FF2B5EF4-FFF2-40B4-BE49-F238E27FC236}">
+                  <a16:creationId xmlns:a16="http://schemas.microsoft.com/office/drawing/2014/main" xmlns="" id="{E44922C2-05E4-4D80-91A7-310FD09A2FBD}"/>
+                </a:ext>
+              </a:extLst>
+            </p:cNvPr>
+            <p:cNvCxnSpPr>
+              <a:stCxn id="9" idx="2"/>
+              <a:endCxn id="14" idx="0"/>
+            </p:cNvCxnSpPr>
+            <p:nvPr/>
+          </p:nvCxnSpPr>
+          <p:spPr>
+            <a:xfrm rot="5400000">
+              <a:off x="4140444" y="2552696"/>
+              <a:ext cx="384107" cy="861532"/>
+            </a:xfrm>
+            <a:prstGeom prst="bentConnector3">
+              <a:avLst/>
+            </a:prstGeom>
+            <a:ln>
+              <a:tailEnd type="triangle"/>
+            </a:ln>
+          </p:spPr>
+          <p:style>
+            <a:lnRef idx="2">
+              <a:schemeClr val="dk1"/>
+            </a:lnRef>
+            <a:fillRef idx="1">
+              <a:schemeClr val="lt1"/>
+            </a:fillRef>
+            <a:effectRef idx="0">
+              <a:schemeClr val="dk1"/>
+            </a:effectRef>
+            <a:fontRef idx="minor">
+              <a:schemeClr val="dk1"/>
+            </a:fontRef>
+          </p:style>
+        </p:cxnSp>
+        <p:cxnSp>
+          <p:nvCxnSpPr>
+            <p:cNvPr id="47" name="连接符: 肘形 46">
+              <a:extLst>
+                <a:ext uri="{FF2B5EF4-FFF2-40B4-BE49-F238E27FC236}">
+                  <a16:creationId xmlns:a16="http://schemas.microsoft.com/office/drawing/2014/main" xmlns="" id="{8DD74D52-5532-4E1A-B36C-401D77B33537}"/>
+                </a:ext>
+              </a:extLst>
+            </p:cNvPr>
+            <p:cNvCxnSpPr>
+              <a:stCxn id="9" idx="2"/>
+              <a:endCxn id="15" idx="0"/>
+            </p:cNvCxnSpPr>
+            <p:nvPr/>
+          </p:nvCxnSpPr>
+          <p:spPr>
+            <a:xfrm rot="16200000" flipH="1">
+              <a:off x="4571217" y="2983455"/>
+              <a:ext cx="384107" cy="14"/>
+            </a:xfrm>
+            <a:prstGeom prst="bentConnector3">
+              <a:avLst/>
+            </a:prstGeom>
+            <a:ln>
+              <a:tailEnd type="triangle"/>
+            </a:ln>
+          </p:spPr>
+          <p:style>
+            <a:lnRef idx="2">
+              <a:schemeClr val="dk1"/>
+            </a:lnRef>
+            <a:fillRef idx="1">
+              <a:schemeClr val="lt1"/>
+            </a:fillRef>
+            <a:effectRef idx="0">
+              <a:schemeClr val="dk1"/>
+            </a:effectRef>
+            <a:fontRef idx="minor">
+              <a:schemeClr val="dk1"/>
+            </a:fontRef>
+          </p:style>
+        </p:cxnSp>
+        <p:cxnSp>
+          <p:nvCxnSpPr>
+            <p:cNvPr id="49" name="连接符: 肘形 48">
+              <a:extLst>
+                <a:ext uri="{FF2B5EF4-FFF2-40B4-BE49-F238E27FC236}">
+                  <a16:creationId xmlns:a16="http://schemas.microsoft.com/office/drawing/2014/main" xmlns="" id="{0AA31ED0-1DE9-4D86-A25D-D1DFF1284E50}"/>
+                </a:ext>
+              </a:extLst>
+            </p:cNvPr>
+            <p:cNvCxnSpPr>
+              <a:stCxn id="9" idx="2"/>
+              <a:endCxn id="16" idx="0"/>
+            </p:cNvCxnSpPr>
+            <p:nvPr/>
+          </p:nvCxnSpPr>
+          <p:spPr>
+            <a:xfrm rot="16200000" flipH="1">
+              <a:off x="5003691" y="2550981"/>
+              <a:ext cx="388024" cy="868880"/>
+            </a:xfrm>
+            <a:prstGeom prst="bentConnector3">
+              <a:avLst/>
+            </a:prstGeom>
+            <a:ln>
+              <a:tailEnd type="triangle"/>
+            </a:ln>
+          </p:spPr>
+          <p:style>
+            <a:lnRef idx="2">
+              <a:schemeClr val="dk1"/>
+            </a:lnRef>
+            <a:fillRef idx="1">
+              <a:schemeClr val="lt1"/>
+            </a:fillRef>
+            <a:effectRef idx="0">
+              <a:schemeClr val="dk1"/>
+            </a:effectRef>
+            <a:fontRef idx="minor">
+              <a:schemeClr val="dk1"/>
+            </a:fontRef>
+          </p:style>
+        </p:cxnSp>
+        <p:cxnSp>
+          <p:nvCxnSpPr>
+            <p:cNvPr id="51" name="连接符: 肘形 50">
+              <a:extLst>
+                <a:ext uri="{FF2B5EF4-FFF2-40B4-BE49-F238E27FC236}">
+                  <a16:creationId xmlns:a16="http://schemas.microsoft.com/office/drawing/2014/main" xmlns="" id="{2E07661F-1115-4164-A4C8-2730B9FAA34C}"/>
+                </a:ext>
+              </a:extLst>
+            </p:cNvPr>
+            <p:cNvCxnSpPr>
+              <a:stCxn id="10" idx="2"/>
+              <a:endCxn id="21" idx="0"/>
+            </p:cNvCxnSpPr>
+            <p:nvPr/>
+          </p:nvCxnSpPr>
+          <p:spPr>
+            <a:xfrm rot="5400000">
+              <a:off x="6644565" y="2612189"/>
+              <a:ext cx="361511" cy="746458"/>
+            </a:xfrm>
+            <a:prstGeom prst="bentConnector3">
+              <a:avLst/>
+            </a:prstGeom>
+            <a:ln>
+              <a:tailEnd type="triangle"/>
+            </a:ln>
+          </p:spPr>
+          <p:style>
+            <a:lnRef idx="2">
+              <a:schemeClr val="dk1"/>
+            </a:lnRef>
+            <a:fillRef idx="1">
+              <a:schemeClr val="lt1"/>
+            </a:fillRef>
+            <a:effectRef idx="0">
+              <a:schemeClr val="dk1"/>
+            </a:effectRef>
+            <a:fontRef idx="minor">
+              <a:schemeClr val="dk1"/>
+            </a:fontRef>
+          </p:style>
+        </p:cxnSp>
+        <p:cxnSp>
+          <p:nvCxnSpPr>
+            <p:cNvPr id="53" name="连接符: 肘形 52">
+              <a:extLst>
+                <a:ext uri="{FF2B5EF4-FFF2-40B4-BE49-F238E27FC236}">
+                  <a16:creationId xmlns:a16="http://schemas.microsoft.com/office/drawing/2014/main" xmlns="" id="{7D860726-3D26-4CB9-968B-C99475C33A1E}"/>
+                </a:ext>
+              </a:extLst>
+            </p:cNvPr>
+            <p:cNvCxnSpPr>
+              <a:stCxn id="10" idx="2"/>
+              <a:endCxn id="22" idx="0"/>
+            </p:cNvCxnSpPr>
+            <p:nvPr/>
+          </p:nvCxnSpPr>
+          <p:spPr>
+            <a:xfrm rot="16200000" flipH="1">
+              <a:off x="7018168" y="2985044"/>
+              <a:ext cx="370853" cy="10090"/>
+            </a:xfrm>
+            <a:prstGeom prst="bentConnector3">
+              <a:avLst/>
+            </a:prstGeom>
+            <a:ln>
+              <a:tailEnd type="triangle"/>
+            </a:ln>
+          </p:spPr>
+          <p:style>
+            <a:lnRef idx="2">
+              <a:schemeClr val="dk1"/>
+            </a:lnRef>
+            <a:fillRef idx="1">
+              <a:schemeClr val="lt1"/>
+            </a:fillRef>
+            <a:effectRef idx="0">
+              <a:schemeClr val="dk1"/>
+            </a:effectRef>
+            <a:fontRef idx="minor">
+              <a:schemeClr val="dk1"/>
+            </a:fontRef>
+          </p:style>
+        </p:cxnSp>
+        <p:cxnSp>
+          <p:nvCxnSpPr>
+            <p:cNvPr id="55" name="连接符: 肘形 54">
+              <a:extLst>
+                <a:ext uri="{FF2B5EF4-FFF2-40B4-BE49-F238E27FC236}">
+                  <a16:creationId xmlns:a16="http://schemas.microsoft.com/office/drawing/2014/main" xmlns="" id="{69127CF9-3C59-40CB-9A9B-AD76E4954749}"/>
+                </a:ext>
+              </a:extLst>
+            </p:cNvPr>
+            <p:cNvCxnSpPr>
+              <a:stCxn id="10" idx="2"/>
+              <a:endCxn id="23" idx="0"/>
+            </p:cNvCxnSpPr>
+            <p:nvPr/>
+          </p:nvCxnSpPr>
+          <p:spPr>
+            <a:xfrm rot="16200000" flipH="1">
+              <a:off x="7383232" y="2619980"/>
+              <a:ext cx="361509" cy="730874"/>
+            </a:xfrm>
+            <a:prstGeom prst="bentConnector3">
+              <a:avLst/>
+            </a:prstGeom>
+            <a:ln>
+              <a:tailEnd type="triangle"/>
+            </a:ln>
+          </p:spPr>
+          <p:style>
+            <a:lnRef idx="2">
+              <a:schemeClr val="dk1"/>
+            </a:lnRef>
+            <a:fillRef idx="1">
+              <a:schemeClr val="lt1"/>
+            </a:fillRef>
+            <a:effectRef idx="0">
+              <a:schemeClr val="dk1"/>
+            </a:effectRef>
+            <a:fontRef idx="minor">
+              <a:schemeClr val="dk1"/>
+            </a:fontRef>
+          </p:style>
+        </p:cxnSp>
+        <p:cxnSp>
+          <p:nvCxnSpPr>
+            <p:cNvPr id="57" name="连接符: 肘形 56">
+              <a:extLst>
+                <a:ext uri="{FF2B5EF4-FFF2-40B4-BE49-F238E27FC236}">
+                  <a16:creationId xmlns:a16="http://schemas.microsoft.com/office/drawing/2014/main" xmlns="" id="{466673C5-051F-4ABE-B8A3-299F5083CAE7}"/>
+                </a:ext>
+              </a:extLst>
+            </p:cNvPr>
+            <p:cNvCxnSpPr>
+              <a:stCxn id="11" idx="2"/>
+              <a:endCxn id="24" idx="0"/>
+            </p:cNvCxnSpPr>
+            <p:nvPr/>
+          </p:nvCxnSpPr>
+          <p:spPr>
+            <a:xfrm rot="5400000">
+              <a:off x="9097687" y="2667351"/>
+              <a:ext cx="361507" cy="636130"/>
+            </a:xfrm>
+            <a:prstGeom prst="bentConnector3">
+              <a:avLst/>
+            </a:prstGeom>
+            <a:ln>
+              <a:tailEnd type="triangle"/>
+            </a:ln>
+          </p:spPr>
+          <p:style>
+            <a:lnRef idx="2">
+              <a:schemeClr val="dk1"/>
+            </a:lnRef>
+            <a:fillRef idx="1">
+              <a:schemeClr val="lt1"/>
+            </a:fillRef>
+            <a:effectRef idx="0">
+              <a:schemeClr val="dk1"/>
+            </a:effectRef>
+            <a:fontRef idx="minor">
+              <a:schemeClr val="dk1"/>
+            </a:fontRef>
+          </p:style>
+        </p:cxnSp>
+        <p:cxnSp>
+          <p:nvCxnSpPr>
+            <p:cNvPr id="59" name="连接符: 肘形 58">
+              <a:extLst>
+                <a:ext uri="{FF2B5EF4-FFF2-40B4-BE49-F238E27FC236}">
+                  <a16:creationId xmlns:a16="http://schemas.microsoft.com/office/drawing/2014/main" xmlns="" id="{D38C8262-3012-4120-A1C6-FEF45587CE40}"/>
+                </a:ext>
+              </a:extLst>
+            </p:cNvPr>
+            <p:cNvCxnSpPr>
+              <a:stCxn id="11" idx="2"/>
+              <a:endCxn id="25" idx="0"/>
+            </p:cNvCxnSpPr>
+            <p:nvPr/>
+          </p:nvCxnSpPr>
+          <p:spPr>
+            <a:xfrm rot="16200000" flipH="1">
+              <a:off x="9750797" y="2650371"/>
+              <a:ext cx="361506" cy="670090"/>
+            </a:xfrm>
+            <a:prstGeom prst="bentConnector3">
+              <a:avLst/>
+            </a:prstGeom>
+            <a:ln>
+              <a:tailEnd type="triangle"/>
+            </a:ln>
+          </p:spPr>
+          <p:style>
+            <a:lnRef idx="2">
+              <a:schemeClr val="dk1"/>
+            </a:lnRef>
+            <a:fillRef idx="1">
+              <a:schemeClr val="lt1"/>
+            </a:fillRef>
+            <a:effectRef idx="0">
+              <a:schemeClr val="dk1"/>
+            </a:effectRef>
+            <a:fontRef idx="minor">
+              <a:schemeClr val="dk1"/>
+            </a:fontRef>
+          </p:style>
+        </p:cxnSp>
+        <p:cxnSp>
+          <p:nvCxnSpPr>
+            <p:cNvPr id="61" name="连接符: 肘形 60">
+              <a:extLst>
+                <a:ext uri="{FF2B5EF4-FFF2-40B4-BE49-F238E27FC236}">
+                  <a16:creationId xmlns:a16="http://schemas.microsoft.com/office/drawing/2014/main" xmlns="" id="{514E27FD-AD7A-447C-AB73-E33BF510D4E1}"/>
+                </a:ext>
+              </a:extLst>
+            </p:cNvPr>
+            <p:cNvCxnSpPr>
+              <a:stCxn id="17" idx="2"/>
+              <a:endCxn id="26" idx="0"/>
+            </p:cNvCxnSpPr>
+            <p:nvPr/>
+          </p:nvCxnSpPr>
+          <p:spPr>
+            <a:xfrm rot="5400000">
+              <a:off x="613492" y="4456144"/>
+              <a:ext cx="379445" cy="387218"/>
+            </a:xfrm>
+            <a:prstGeom prst="bentConnector3">
+              <a:avLst/>
+            </a:prstGeom>
+            <a:ln>
+              <a:tailEnd type="triangle"/>
+            </a:ln>
+          </p:spPr>
+          <p:style>
+            <a:lnRef idx="2">
+              <a:schemeClr val="dk1"/>
+            </a:lnRef>
+            <a:fillRef idx="1">
+              <a:schemeClr val="lt1"/>
+            </a:fillRef>
+            <a:effectRef idx="0">
+              <a:schemeClr val="dk1"/>
+            </a:effectRef>
+            <a:fontRef idx="minor">
+              <a:schemeClr val="dk1"/>
+            </a:fontRef>
+          </p:style>
+        </p:cxnSp>
+        <p:cxnSp>
+          <p:nvCxnSpPr>
+            <p:cNvPr id="63" name="连接符: 肘形 62">
+              <a:extLst>
+                <a:ext uri="{FF2B5EF4-FFF2-40B4-BE49-F238E27FC236}">
+                  <a16:creationId xmlns:a16="http://schemas.microsoft.com/office/drawing/2014/main" xmlns="" id="{567D5BA4-6596-47FD-8238-DD9D2E371626}"/>
+                </a:ext>
+              </a:extLst>
+            </p:cNvPr>
+            <p:cNvCxnSpPr>
+              <a:stCxn id="17" idx="2"/>
+              <a:endCxn id="27" idx="0"/>
+            </p:cNvCxnSpPr>
+            <p:nvPr/>
+          </p:nvCxnSpPr>
+          <p:spPr>
+            <a:xfrm rot="16200000" flipH="1">
+              <a:off x="962681" y="4494173"/>
+              <a:ext cx="379445" cy="311160"/>
+            </a:xfrm>
+            <a:prstGeom prst="bentConnector3">
+              <a:avLst/>
+            </a:prstGeom>
+            <a:ln>
+              <a:tailEnd type="triangle"/>
+            </a:ln>
+          </p:spPr>
+          <p:style>
+            <a:lnRef idx="2">
+              <a:schemeClr val="dk1"/>
+            </a:lnRef>
+            <a:fillRef idx="1">
+              <a:schemeClr val="lt1"/>
+            </a:fillRef>
+            <a:effectRef idx="0">
+              <a:schemeClr val="dk1"/>
+            </a:effectRef>
+            <a:fontRef idx="minor">
+              <a:schemeClr val="dk1"/>
+            </a:fontRef>
+          </p:style>
+        </p:cxnSp>
+      </p:grpSp>
+    </p:spTree>
+    <p:extLst>
+      <p:ext uri="{BB962C8B-B14F-4D97-AF65-F5344CB8AC3E}">
+        <p14:creationId xmlns:p14="http://schemas.microsoft.com/office/powerpoint/2010/main" val="4245365587"/>
+      </p:ext>
+    </p:extLst>
+  </p:cSld>
+  <p:clrMapOvr>
+    <a:masterClrMapping/>
+  </p:clrMapOvr>
+</p:sld>
+</file>
+
+<file path=ppt/slides/slide9.xml><?xml version="1.0" encoding="utf-8"?>
+<p:sld xmlns:a="http://schemas.openxmlformats.org/drawingml/2006/main" xmlns:r="http://schemas.openxmlformats.org/officeDocument/2006/relationships" xmlns:p="http://schemas.openxmlformats.org/presentationml/2006/main">
+  <p:cSld>
+    <p:spTree>
+      <p:nvGrpSpPr>
+        <p:cNvPr id="1" name=""/>
+        <p:cNvGrpSpPr/>
+        <p:nvPr/>
+      </p:nvGrpSpPr>
+      <p:grpSpPr>
+        <a:xfrm>
+          <a:off x="0" y="0"/>
+          <a:ext cx="0" cy="0"/>
+          <a:chOff x="0" y="0"/>
+          <a:chExt cx="0" cy="0"/>
+        </a:xfrm>
+      </p:grpSpPr>
+      <p:grpSp>
+        <p:nvGrpSpPr>
+          <p:cNvPr id="25" name="组合 24">
+            <a:extLst>
+              <a:ext uri="{FF2B5EF4-FFF2-40B4-BE49-F238E27FC236}">
+                <a16:creationId xmlns:a16="http://schemas.microsoft.com/office/drawing/2014/main" xmlns="" id="{E1D9431D-1CB8-4F5F-B9DA-305F87CA907A}"/>
+              </a:ext>
+            </a:extLst>
+          </p:cNvPr>
+          <p:cNvGrpSpPr/>
+          <p:nvPr/>
+        </p:nvGrpSpPr>
+        <p:grpSpPr>
+          <a:xfrm>
+            <a:off x="2050774" y="477079"/>
+            <a:ext cx="7053469" cy="3723861"/>
+            <a:chOff x="2050774" y="477079"/>
+            <a:chExt cx="7053469" cy="3723861"/>
+          </a:xfrm>
+        </p:grpSpPr>
+        <p:sp>
+          <p:nvSpPr>
+            <p:cNvPr id="4" name="矩形 3">
+              <a:extLst>
+                <a:ext uri="{FF2B5EF4-FFF2-40B4-BE49-F238E27FC236}">
+                  <a16:creationId xmlns:a16="http://schemas.microsoft.com/office/drawing/2014/main" xmlns="" id="{BB08D46B-06CD-4A73-B2B1-9BE06111D163}"/>
+                </a:ext>
+              </a:extLst>
+            </p:cNvPr>
+            <p:cNvSpPr/>
+            <p:nvPr/>
+          </p:nvSpPr>
+          <p:spPr>
+            <a:xfrm>
+              <a:off x="4187687" y="477079"/>
+              <a:ext cx="2968487" cy="662608"/>
+            </a:xfrm>
+            <a:prstGeom prst="rect">
+              <a:avLst/>
+            </a:prstGeom>
+          </p:spPr>
+          <p:style>
+            <a:lnRef idx="2">
+              <a:schemeClr val="dk1"/>
+            </a:lnRef>
+            <a:fillRef idx="1">
+              <a:schemeClr val="lt1"/>
+            </a:fillRef>
+            <a:effectRef idx="0">
+              <a:schemeClr val="dk1"/>
+            </a:effectRef>
+            <a:fontRef idx="minor">
+              <a:schemeClr val="dk1"/>
+            </a:fontRef>
+          </p:style>
+          <p:txBody>
+            <a:bodyPr rtlCol="0" anchor="ctr"/>
+            <a:lstStyle/>
+            <a:p>
+              <a:pPr algn="ctr"/>
+              <a:r>
+                <a:rPr lang="zh-CN" altLang="en-US" dirty="0"/>
+                <a:t>总系统</a:t>
+              </a:r>
+            </a:p>
+          </p:txBody>
+        </p:sp>
+        <p:sp>
+          <p:nvSpPr>
+            <p:cNvPr id="5" name="矩形 4">
+              <a:extLst>
+                <a:ext uri="{FF2B5EF4-FFF2-40B4-BE49-F238E27FC236}">
+                  <a16:creationId xmlns:a16="http://schemas.microsoft.com/office/drawing/2014/main" xmlns="" id="{B2583270-1FD4-4095-A1B2-5B50CE19A69C}"/>
+                </a:ext>
+              </a:extLst>
+            </p:cNvPr>
+            <p:cNvSpPr/>
+            <p:nvPr/>
+          </p:nvSpPr>
+          <p:spPr>
+            <a:xfrm>
+              <a:off x="2302565" y="1994453"/>
+              <a:ext cx="2968487" cy="662608"/>
+            </a:xfrm>
+            <a:prstGeom prst="rect">
+              <a:avLst/>
+            </a:prstGeom>
+          </p:spPr>
+          <p:style>
+            <a:lnRef idx="2">
+              <a:schemeClr val="dk1"/>
+            </a:lnRef>
+            <a:fillRef idx="1">
+              <a:schemeClr val="lt1"/>
+            </a:fillRef>
+            <a:effectRef idx="0">
+              <a:schemeClr val="dk1"/>
+            </a:effectRef>
+            <a:fontRef idx="minor">
+              <a:schemeClr val="dk1"/>
+            </a:fontRef>
+          </p:style>
+          <p:txBody>
+            <a:bodyPr rtlCol="0" anchor="ctr"/>
+            <a:lstStyle/>
+            <a:p>
+              <a:pPr algn="ctr"/>
+              <a:r>
+                <a:rPr lang="zh-CN" altLang="en-US" dirty="0"/>
+                <a:t>后台管理子系统</a:t>
+              </a:r>
+            </a:p>
+          </p:txBody>
+        </p:sp>
+        <p:sp>
+          <p:nvSpPr>
+            <p:cNvPr id="6" name="矩形 5">
+              <a:extLst>
+                <a:ext uri="{FF2B5EF4-FFF2-40B4-BE49-F238E27FC236}">
+                  <a16:creationId xmlns:a16="http://schemas.microsoft.com/office/drawing/2014/main" xmlns="" id="{DAEC56D1-B834-4F85-9F3A-01B1929C4B9F}"/>
+                </a:ext>
+              </a:extLst>
+            </p:cNvPr>
+            <p:cNvSpPr/>
+            <p:nvPr/>
+          </p:nvSpPr>
+          <p:spPr>
+            <a:xfrm>
+              <a:off x="6135756" y="1994453"/>
+              <a:ext cx="2968487" cy="662608"/>
+            </a:xfrm>
+            <a:prstGeom prst="rect">
+              <a:avLst/>
+            </a:prstGeom>
+          </p:spPr>
+          <p:style>
+            <a:lnRef idx="2">
+              <a:schemeClr val="dk1"/>
+            </a:lnRef>
+            <a:fillRef idx="1">
+              <a:schemeClr val="lt1"/>
+            </a:fillRef>
+            <a:effectRef idx="0">
+              <a:schemeClr val="dk1"/>
+            </a:effectRef>
+            <a:fontRef idx="minor">
+              <a:schemeClr val="dk1"/>
+            </a:fontRef>
+          </p:style>
+          <p:txBody>
+            <a:bodyPr rtlCol="0" anchor="ctr"/>
+            <a:lstStyle/>
+            <a:p>
+              <a:pPr algn="ctr"/>
+              <a:r>
+                <a:rPr lang="zh-CN" altLang="en-US" dirty="0"/>
+                <a:t>考生子系统</a:t>
+              </a:r>
+            </a:p>
+          </p:txBody>
+        </p:sp>
+        <p:sp>
+          <p:nvSpPr>
+            <p:cNvPr id="7" name="矩形 6">
+              <a:extLst>
+                <a:ext uri="{FF2B5EF4-FFF2-40B4-BE49-F238E27FC236}">
+                  <a16:creationId xmlns:a16="http://schemas.microsoft.com/office/drawing/2014/main" xmlns="" id="{BD1C2866-D4BB-4514-BD58-34CD32B20CDE}"/>
+                </a:ext>
+              </a:extLst>
+            </p:cNvPr>
+            <p:cNvSpPr/>
+            <p:nvPr/>
+          </p:nvSpPr>
+          <p:spPr>
+            <a:xfrm>
+              <a:off x="2050774" y="3511828"/>
+              <a:ext cx="1570383" cy="662608"/>
+            </a:xfrm>
+            <a:prstGeom prst="rect">
+              <a:avLst/>
+            </a:prstGeom>
+          </p:spPr>
+          <p:style>
+            <a:lnRef idx="2">
+              <a:schemeClr val="dk1"/>
+            </a:lnRef>
+            <a:fillRef idx="1">
+              <a:schemeClr val="lt1"/>
+            </a:fillRef>
+            <a:effectRef idx="0">
+              <a:schemeClr val="dk1"/>
+            </a:effectRef>
+            <a:fontRef idx="minor">
+              <a:schemeClr val="dk1"/>
+            </a:fontRef>
+          </p:style>
+          <p:txBody>
+            <a:bodyPr rtlCol="0" anchor="ctr"/>
+            <a:lstStyle/>
+            <a:p>
+              <a:pPr algn="ctr"/>
+              <a:r>
+                <a:rPr lang="zh-CN" altLang="en-US" dirty="0"/>
+                <a:t>管理员</a:t>
+              </a:r>
+            </a:p>
+          </p:txBody>
+        </p:sp>
+        <p:sp>
+          <p:nvSpPr>
+            <p:cNvPr id="9" name="矩形 8">
+              <a:extLst>
+                <a:ext uri="{FF2B5EF4-FFF2-40B4-BE49-F238E27FC236}">
+                  <a16:creationId xmlns:a16="http://schemas.microsoft.com/office/drawing/2014/main" xmlns="" id="{0ECE2309-F825-4EF9-A26D-B8CB936AAA1D}"/>
+                </a:ext>
+              </a:extLst>
+            </p:cNvPr>
+            <p:cNvSpPr/>
+            <p:nvPr/>
+          </p:nvSpPr>
+          <p:spPr>
+            <a:xfrm>
+              <a:off x="3863010" y="3538332"/>
+              <a:ext cx="1570383" cy="662608"/>
+            </a:xfrm>
+            <a:prstGeom prst="rect">
+              <a:avLst/>
+            </a:prstGeom>
+          </p:spPr>
+          <p:style>
+            <a:lnRef idx="2">
+              <a:schemeClr val="dk1"/>
+            </a:lnRef>
+            <a:fillRef idx="1">
+              <a:schemeClr val="lt1"/>
+            </a:fillRef>
+            <a:effectRef idx="0">
+              <a:schemeClr val="dk1"/>
+            </a:effectRef>
+            <a:fontRef idx="minor">
+              <a:schemeClr val="dk1"/>
+            </a:fontRef>
+          </p:style>
+          <p:txBody>
+            <a:bodyPr rtlCol="0" anchor="ctr"/>
+            <a:lstStyle/>
+            <a:p>
+              <a:pPr algn="ctr"/>
+              <a:r>
+                <a:rPr lang="zh-CN" altLang="en-US" dirty="0"/>
+                <a:t>教师</a:t>
+              </a:r>
+            </a:p>
+          </p:txBody>
+        </p:sp>
+        <p:cxnSp>
+          <p:nvCxnSpPr>
+            <p:cNvPr id="11" name="连接符: 肘形 10">
+              <a:extLst>
+                <a:ext uri="{FF2B5EF4-FFF2-40B4-BE49-F238E27FC236}">
+                  <a16:creationId xmlns:a16="http://schemas.microsoft.com/office/drawing/2014/main" xmlns="" id="{5978AA43-0734-4EA4-95AC-E602D17700FE}"/>
+                </a:ext>
+              </a:extLst>
+            </p:cNvPr>
+            <p:cNvCxnSpPr>
+              <a:stCxn id="4" idx="2"/>
+              <a:endCxn id="5" idx="0"/>
+            </p:cNvCxnSpPr>
+            <p:nvPr/>
+          </p:nvCxnSpPr>
+          <p:spPr>
+            <a:xfrm rot="5400000">
+              <a:off x="4301987" y="624509"/>
+              <a:ext cx="854766" cy="1885122"/>
+            </a:xfrm>
+            <a:prstGeom prst="bentConnector3">
+              <a:avLst/>
+            </a:prstGeom>
+            <a:ln>
+              <a:tailEnd type="triangle"/>
+            </a:ln>
+          </p:spPr>
+          <p:style>
+            <a:lnRef idx="2">
+              <a:schemeClr val="dk1"/>
+            </a:lnRef>
+            <a:fillRef idx="1">
+              <a:schemeClr val="lt1"/>
+            </a:fillRef>
+            <a:effectRef idx="0">
+              <a:schemeClr val="dk1"/>
+            </a:effectRef>
+            <a:fontRef idx="minor">
+              <a:schemeClr val="dk1"/>
+            </a:fontRef>
+          </p:style>
+        </p:cxnSp>
+        <p:cxnSp>
+          <p:nvCxnSpPr>
+            <p:cNvPr id="13" name="连接符: 肘形 12">
+              <a:extLst>
+                <a:ext uri="{FF2B5EF4-FFF2-40B4-BE49-F238E27FC236}">
+                  <a16:creationId xmlns:a16="http://schemas.microsoft.com/office/drawing/2014/main" xmlns="" id="{01EDC8F4-A7EE-47F2-9F6D-1EB48BF90A5A}"/>
+                </a:ext>
+              </a:extLst>
+            </p:cNvPr>
+            <p:cNvCxnSpPr>
+              <a:stCxn id="4" idx="2"/>
+              <a:endCxn id="6" idx="0"/>
+            </p:cNvCxnSpPr>
+            <p:nvPr/>
+          </p:nvCxnSpPr>
+          <p:spPr>
+            <a:xfrm rot="16200000" flipH="1">
+              <a:off x="6218582" y="593035"/>
+              <a:ext cx="854766" cy="1948069"/>
+            </a:xfrm>
+            <a:prstGeom prst="bentConnector3">
+              <a:avLst/>
+            </a:prstGeom>
+            <a:ln>
+              <a:tailEnd type="triangle"/>
+            </a:ln>
+          </p:spPr>
+          <p:style>
+            <a:lnRef idx="2">
+              <a:schemeClr val="dk1"/>
+            </a:lnRef>
+            <a:fillRef idx="1">
+              <a:schemeClr val="lt1"/>
+            </a:fillRef>
+            <a:effectRef idx="0">
+              <a:schemeClr val="dk1"/>
+            </a:effectRef>
+            <a:fontRef idx="minor">
+              <a:schemeClr val="dk1"/>
+            </a:fontRef>
+          </p:style>
+        </p:cxnSp>
+        <p:cxnSp>
+          <p:nvCxnSpPr>
+            <p:cNvPr id="20" name="连接符: 肘形 19">
+              <a:extLst>
+                <a:ext uri="{FF2B5EF4-FFF2-40B4-BE49-F238E27FC236}">
+                  <a16:creationId xmlns:a16="http://schemas.microsoft.com/office/drawing/2014/main" xmlns="" id="{1E686570-85AD-4681-8905-1B8600F2178D}"/>
+                </a:ext>
+              </a:extLst>
+            </p:cNvPr>
+            <p:cNvCxnSpPr>
+              <a:stCxn id="5" idx="2"/>
+              <a:endCxn id="7" idx="0"/>
+            </p:cNvCxnSpPr>
+            <p:nvPr/>
+          </p:nvCxnSpPr>
+          <p:spPr>
+            <a:xfrm rot="5400000">
+              <a:off x="2884005" y="2609023"/>
+              <a:ext cx="854767" cy="950843"/>
+            </a:xfrm>
+            <a:prstGeom prst="bentConnector3">
+              <a:avLst/>
+            </a:prstGeom>
+            <a:ln>
+              <a:tailEnd type="triangle"/>
+            </a:ln>
+          </p:spPr>
+          <p:style>
+            <a:lnRef idx="2">
+              <a:schemeClr val="dk1"/>
+            </a:lnRef>
+            <a:fillRef idx="1">
+              <a:schemeClr val="lt1"/>
+            </a:fillRef>
+            <a:effectRef idx="0">
+              <a:schemeClr val="dk1"/>
+            </a:effectRef>
+            <a:fontRef idx="minor">
+              <a:schemeClr val="dk1"/>
+            </a:fontRef>
+          </p:style>
+        </p:cxnSp>
+        <p:cxnSp>
+          <p:nvCxnSpPr>
+            <p:cNvPr id="22" name="连接符: 肘形 21">
+              <a:extLst>
+                <a:ext uri="{FF2B5EF4-FFF2-40B4-BE49-F238E27FC236}">
+                  <a16:creationId xmlns:a16="http://schemas.microsoft.com/office/drawing/2014/main" xmlns="" id="{7F3D6F24-7808-4588-A8B0-95A227F53522}"/>
+                </a:ext>
+              </a:extLst>
+            </p:cNvPr>
+            <p:cNvCxnSpPr>
+              <a:stCxn id="5" idx="2"/>
+              <a:endCxn id="9" idx="0"/>
+            </p:cNvCxnSpPr>
+            <p:nvPr/>
+          </p:nvCxnSpPr>
+          <p:spPr>
+            <a:xfrm rot="16200000" flipH="1">
+              <a:off x="3776870" y="2666999"/>
+              <a:ext cx="881271" cy="861393"/>
+            </a:xfrm>
+            <a:prstGeom prst="bentConnector3">
+              <a:avLst/>
+            </a:prstGeom>
+            <a:ln>
+              <a:tailEnd type="triangle"/>
+            </a:ln>
+          </p:spPr>
+          <p:style>
+            <a:lnRef idx="2">
+              <a:schemeClr val="dk1"/>
+            </a:lnRef>
+            <a:fillRef idx="1">
+              <a:schemeClr val="lt1"/>
+            </a:fillRef>
+            <a:effectRef idx="0">
+              <a:schemeClr val="dk1"/>
+            </a:effectRef>
+            <a:fontRef idx="minor">
+              <a:schemeClr val="dk1"/>
+            </a:fontRef>
+          </p:style>
+        </p:cxnSp>
+      </p:grpSp>
+    </p:spTree>
+    <p:extLst>
+      <p:ext uri="{BB962C8B-B14F-4D97-AF65-F5344CB8AC3E}">
+        <p14:creationId xmlns:p14="http://schemas.microsoft.com/office/powerpoint/2010/main" val="1183528715"/>
       </p:ext>
     </p:extLst>
   </p:cSld>
